--- a/PresentationsAndReports/AgrIoT-Phase 3.pptx
+++ b/PresentationsAndReports/AgrIoT-Phase 3.pptx
@@ -39,7 +39,25 @@
     <p:sldId id="298" r:id="rId33"/>
     <p:sldId id="299" r:id="rId34"/>
     <p:sldId id="301" r:id="rId35"/>
-    <p:sldId id="265" r:id="rId36"/>
+    <p:sldId id="303" r:id="rId36"/>
+    <p:sldId id="302" r:id="rId37"/>
+    <p:sldId id="306" r:id="rId38"/>
+    <p:sldId id="307" r:id="rId39"/>
+    <p:sldId id="304" r:id="rId40"/>
+    <p:sldId id="305" r:id="rId41"/>
+    <p:sldId id="308" r:id="rId42"/>
+    <p:sldId id="309" r:id="rId43"/>
+    <p:sldId id="317" r:id="rId44"/>
+    <p:sldId id="310" r:id="rId45"/>
+    <p:sldId id="312" r:id="rId46"/>
+    <p:sldId id="313" r:id="rId47"/>
+    <p:sldId id="315" r:id="rId48"/>
+    <p:sldId id="316" r:id="rId49"/>
+    <p:sldId id="314" r:id="rId50"/>
+    <p:sldId id="311" r:id="rId51"/>
+    <p:sldId id="319" r:id="rId52"/>
+    <p:sldId id="318" r:id="rId53"/>
+    <p:sldId id="265" r:id="rId54"/>
   </p:sldIdLst>
   <p:sldSz cx="12192000" cy="6858000"/>
   <p:notesSz cx="6858000" cy="9144000"/>
@@ -868,7 +886,7 @@
           <a:p>
             <a:fld id="{02AC24A9-CCB6-4F8D-B8DB-C2F3692CFA5A}" type="datetimeFigureOut">
               <a:rPr lang="en-US" smtClean="0"/>
-              <a:t>5/15/2020</a:t>
+              <a:t>5/29/2020</a:t>
             </a:fld>
             <a:endParaRPr lang="en-US" dirty="0"/>
           </a:p>
@@ -1119,7 +1137,7 @@
           <a:p>
             <a:fld id="{02AC24A9-CCB6-4F8D-B8DB-C2F3692CFA5A}" type="datetimeFigureOut">
               <a:rPr lang="en-US" smtClean="0"/>
-              <a:t>5/15/2020</a:t>
+              <a:t>5/29/2020</a:t>
             </a:fld>
             <a:endParaRPr lang="en-US"/>
           </a:p>
@@ -1433,7 +1451,7 @@
           <a:p>
             <a:fld id="{02AC24A9-CCB6-4F8D-B8DB-C2F3692CFA5A}" type="datetimeFigureOut">
               <a:rPr lang="en-US" smtClean="0"/>
-              <a:t>5/15/2020</a:t>
+              <a:t>5/29/2020</a:t>
             </a:fld>
             <a:endParaRPr lang="en-US"/>
           </a:p>
@@ -1774,7 +1792,7 @@
           <a:p>
             <a:fld id="{02AC24A9-CCB6-4F8D-B8DB-C2F3692CFA5A}" type="datetimeFigureOut">
               <a:rPr lang="en-US" smtClean="0"/>
-              <a:t>5/15/2020</a:t>
+              <a:t>5/29/2020</a:t>
             </a:fld>
             <a:endParaRPr lang="en-US"/>
           </a:p>
@@ -2088,7 +2106,7 @@
           <a:p>
             <a:fld id="{02AC24A9-CCB6-4F8D-B8DB-C2F3692CFA5A}" type="datetimeFigureOut">
               <a:rPr lang="en-US" smtClean="0"/>
-              <a:t>5/15/2020</a:t>
+              <a:t>5/29/2020</a:t>
             </a:fld>
             <a:endParaRPr lang="en-US"/>
           </a:p>
@@ -2481,7 +2499,7 @@
           <a:p>
             <a:fld id="{02AC24A9-CCB6-4F8D-B8DB-C2F3692CFA5A}" type="datetimeFigureOut">
               <a:rPr lang="en-US" smtClean="0"/>
-              <a:t>5/15/2020</a:t>
+              <a:t>5/29/2020</a:t>
             </a:fld>
             <a:endParaRPr lang="en-US"/>
           </a:p>
@@ -2651,7 +2669,7 @@
           <a:p>
             <a:fld id="{02AC24A9-CCB6-4F8D-B8DB-C2F3692CFA5A}" type="datetimeFigureOut">
               <a:rPr lang="en-US" smtClean="0"/>
-              <a:t>5/15/2020</a:t>
+              <a:t>5/29/2020</a:t>
             </a:fld>
             <a:endParaRPr lang="en-US"/>
           </a:p>
@@ -2831,7 +2849,7 @@
           <a:p>
             <a:fld id="{02AC24A9-CCB6-4F8D-B8DB-C2F3692CFA5A}" type="datetimeFigureOut">
               <a:rPr lang="en-US" smtClean="0"/>
-              <a:t>5/15/2020</a:t>
+              <a:t>5/29/2020</a:t>
             </a:fld>
             <a:endParaRPr lang="en-US"/>
           </a:p>
@@ -3007,7 +3025,7 @@
           <a:p>
             <a:fld id="{02AC24A9-CCB6-4F8D-B8DB-C2F3692CFA5A}" type="datetimeFigureOut">
               <a:rPr lang="en-US" smtClean="0"/>
-              <a:t>5/15/2020</a:t>
+              <a:t>5/29/2020</a:t>
             </a:fld>
             <a:endParaRPr lang="en-US"/>
           </a:p>
@@ -3254,7 +3272,7 @@
           <a:p>
             <a:fld id="{02AC24A9-CCB6-4F8D-B8DB-C2F3692CFA5A}" type="datetimeFigureOut">
               <a:rPr lang="en-US" smtClean="0"/>
-              <a:t>5/15/2020</a:t>
+              <a:t>5/29/2020</a:t>
             </a:fld>
             <a:endParaRPr lang="en-US"/>
           </a:p>
@@ -3486,7 +3504,7 @@
           <a:p>
             <a:fld id="{02AC24A9-CCB6-4F8D-B8DB-C2F3692CFA5A}" type="datetimeFigureOut">
               <a:rPr lang="en-US" smtClean="0"/>
-              <a:t>5/15/2020</a:t>
+              <a:t>5/29/2020</a:t>
             </a:fld>
             <a:endParaRPr lang="en-US"/>
           </a:p>
@@ -3860,7 +3878,7 @@
           <a:p>
             <a:fld id="{02AC24A9-CCB6-4F8D-B8DB-C2F3692CFA5A}" type="datetimeFigureOut">
               <a:rPr lang="en-US" smtClean="0"/>
-              <a:t>5/15/2020</a:t>
+              <a:t>5/29/2020</a:t>
             </a:fld>
             <a:endParaRPr lang="en-US"/>
           </a:p>
@@ -3983,7 +4001,7 @@
           <a:p>
             <a:fld id="{02AC24A9-CCB6-4F8D-B8DB-C2F3692CFA5A}" type="datetimeFigureOut">
               <a:rPr lang="en-US" smtClean="0"/>
-              <a:t>5/15/2020</a:t>
+              <a:t>5/29/2020</a:t>
             </a:fld>
             <a:endParaRPr lang="en-US"/>
           </a:p>
@@ -4078,7 +4096,7 @@
           <a:p>
             <a:fld id="{02AC24A9-CCB6-4F8D-B8DB-C2F3692CFA5A}" type="datetimeFigureOut">
               <a:rPr lang="en-US" smtClean="0"/>
-              <a:t>5/15/2020</a:t>
+              <a:t>5/29/2020</a:t>
             </a:fld>
             <a:endParaRPr lang="en-US"/>
           </a:p>
@@ -4333,7 +4351,7 @@
           <a:p>
             <a:fld id="{02AC24A9-CCB6-4F8D-B8DB-C2F3692CFA5A}" type="datetimeFigureOut">
               <a:rPr lang="en-US" smtClean="0"/>
-              <a:t>5/15/2020</a:t>
+              <a:t>5/29/2020</a:t>
             </a:fld>
             <a:endParaRPr lang="en-US" dirty="0"/>
           </a:p>
@@ -4596,7 +4614,7 @@
           <a:p>
             <a:fld id="{02AC24A9-CCB6-4F8D-B8DB-C2F3692CFA5A}" type="datetimeFigureOut">
               <a:rPr lang="en-US" smtClean="0"/>
-              <a:t>5/15/2020</a:t>
+              <a:t>5/29/2020</a:t>
             </a:fld>
             <a:endParaRPr lang="en-US"/>
           </a:p>
@@ -5339,7 +5357,7 @@
           <a:p>
             <a:fld id="{02AC24A9-CCB6-4F8D-B8DB-C2F3692CFA5A}" type="datetimeFigureOut">
               <a:rPr lang="en-US" smtClean="0"/>
-              <a:t>5/15/2020</a:t>
+              <a:t>5/29/2020</a:t>
             </a:fld>
             <a:endParaRPr lang="en-US"/>
           </a:p>
@@ -7382,7 +7400,7 @@
         <p:spPr>
           <a:xfrm>
             <a:off x="752200" y="1042136"/>
-            <a:ext cx="4959487" cy="3600986"/>
+            <a:ext cx="6364549" cy="3847207"/>
           </a:xfrm>
           <a:prstGeom prst="rect">
             <a:avLst/>
@@ -7427,6 +7445,21 @@
               <a:rPr lang="en-US" sz="3600" dirty="0"/>
               <a:t>K.Kirishikesan</a:t>
             </a:r>
+          </a:p>
+          <a:p>
+            <a:r>
+              <a:rPr lang="en-US" sz="1600" dirty="0">
+                <a:hlinkClick r:id="rId3">
+                  <a:extLst>
+                    <a:ext uri="{A12FA001-AC4F-418D-AE19-62706E023703}">
+                      <ahyp:hlinkClr xmlns:ahyp="http://schemas.microsoft.com/office/drawing/2018/hyperlinkcolor" val="tx"/>
+                    </a:ext>
+                  </a:extLst>
+                </a:hlinkClick>
+              </a:rPr>
+              <a:t>https://github.com/Kirishikesan/Smart-plant-monitoring-system</a:t>
+            </a:r>
+            <a:endParaRPr lang="en-US" sz="1600" dirty="0"/>
           </a:p>
           <a:p>
             <a:endParaRPr lang="en-US" sz="3600" dirty="0">
@@ -10461,7 +10494,7 @@
           <a:graphicData uri="http://schemas.openxmlformats.org/presentationml/2006/ole">
             <mc:AlternateContent xmlns:mc="http://schemas.openxmlformats.org/markup-compatibility/2006">
               <mc:Choice xmlns:v="urn:schemas-microsoft-com:vml" Requires="v">
-                <p:oleObj spid="_x0000_s1035" name="Acrobat Document" showAsIcon="1" r:id="rId4" imgW="914400" imgH="771480" progId="AcroExch.Document.DC">
+                <p:oleObj spid="_x0000_s1057" name="Acrobat Document" showAsIcon="1" r:id="rId4" imgW="914400" imgH="771480" progId="AcroExch.Document.DC">
                   <p:embed/>
                 </p:oleObj>
               </mc:Choice>
@@ -12370,6 +12403,4909 @@
 </file>
 
 <file path=ppt/slides/slide35.xml><?xml version="1.0" encoding="utf-8"?>
+<p:sld xmlns:a="http://schemas.openxmlformats.org/drawingml/2006/main" xmlns:r="http://schemas.openxmlformats.org/officeDocument/2006/relationships" xmlns:p="http://schemas.openxmlformats.org/presentationml/2006/main">
+  <p:cSld>
+    <p:spTree>
+      <p:nvGrpSpPr>
+        <p:cNvPr id="1" name=""/>
+        <p:cNvGrpSpPr/>
+        <p:nvPr/>
+      </p:nvGrpSpPr>
+      <p:grpSpPr>
+        <a:xfrm>
+          <a:off x="0" y="0"/>
+          <a:ext cx="0" cy="0"/>
+          <a:chOff x="0" y="0"/>
+          <a:chExt cx="0" cy="0"/>
+        </a:xfrm>
+      </p:grpSpPr>
+      <p:sp>
+        <p:nvSpPr>
+          <p:cNvPr id="2" name="Title 1">
+            <a:extLst>
+              <a:ext uri="{FF2B5EF4-FFF2-40B4-BE49-F238E27FC236}">
+                <a16:creationId xmlns:a16="http://schemas.microsoft.com/office/drawing/2014/main" id="{8BD06653-9412-4566-A232-3521A54BA110}"/>
+              </a:ext>
+            </a:extLst>
+          </p:cNvPr>
+          <p:cNvSpPr>
+            <a:spLocks noGrp="1"/>
+          </p:cNvSpPr>
+          <p:nvPr>
+            <p:ph type="title"/>
+          </p:nvPr>
+        </p:nvSpPr>
+        <p:spPr/>
+        <p:txBody>
+          <a:bodyPr/>
+          <a:lstStyle/>
+          <a:p>
+            <a:r>
+              <a:rPr lang="en-US" dirty="0"/>
+              <a:t>Week 11</a:t>
+            </a:r>
+          </a:p>
+        </p:txBody>
+      </p:sp>
+      <p:sp>
+        <p:nvSpPr>
+          <p:cNvPr id="3" name="Content Placeholder 2">
+            <a:extLst>
+              <a:ext uri="{FF2B5EF4-FFF2-40B4-BE49-F238E27FC236}">
+                <a16:creationId xmlns:a16="http://schemas.microsoft.com/office/drawing/2014/main" id="{71BE7242-5254-425E-B2B0-1FD3A5151D36}"/>
+              </a:ext>
+            </a:extLst>
+          </p:cNvPr>
+          <p:cNvSpPr>
+            <a:spLocks noGrp="1"/>
+          </p:cNvSpPr>
+          <p:nvPr>
+            <p:ph idx="1"/>
+          </p:nvPr>
+        </p:nvSpPr>
+        <p:spPr/>
+        <p:txBody>
+          <a:bodyPr/>
+          <a:lstStyle/>
+          <a:p>
+            <a:r>
+              <a:rPr lang="en-US" dirty="0"/>
+              <a:t>Objectives:</a:t>
+            </a:r>
+          </a:p>
+          <a:p>
+            <a:pPr lvl="1"/>
+            <a:r>
+              <a:rPr lang="en-US" dirty="0"/>
+              <a:t>Design Mesh network………………………………………………………………………Complete</a:t>
+            </a:r>
+          </a:p>
+          <a:p>
+            <a:pPr lvl="1"/>
+            <a:r>
+              <a:rPr lang="en-US" dirty="0"/>
+              <a:t>Design Communication protocol between node and drone…………..Complete</a:t>
+            </a:r>
+          </a:p>
+          <a:p>
+            <a:pPr lvl="1"/>
+            <a:r>
+              <a:rPr lang="en-US" dirty="0"/>
+              <a:t>Simulate Mesh network…………………………………………………………………..On Progress</a:t>
+            </a:r>
+          </a:p>
+          <a:p>
+            <a:pPr lvl="1"/>
+            <a:r>
+              <a:rPr lang="en-US" dirty="0"/>
+              <a:t>Simulate Communication protocol………………………………………………….On Progress</a:t>
+            </a:r>
+          </a:p>
+          <a:p>
+            <a:pPr lvl="1"/>
+            <a:r>
+              <a:rPr lang="en-US" dirty="0"/>
+              <a:t>Combine Simulations……………………………………………………………………….Incomplete</a:t>
+            </a:r>
+          </a:p>
+          <a:p>
+            <a:pPr lvl="1"/>
+            <a:r>
+              <a:rPr lang="en-US" dirty="0"/>
+              <a:t>Include power consumption calculation with the simulation…………Incomplete</a:t>
+            </a:r>
+          </a:p>
+          <a:p>
+            <a:pPr lvl="1"/>
+            <a:r>
+              <a:rPr lang="en-US" dirty="0"/>
+              <a:t>Prepare an RFC…………………………………………………………………………………Incomplete</a:t>
+            </a:r>
+          </a:p>
+          <a:p>
+            <a:pPr lvl="1"/>
+            <a:endParaRPr lang="en-US" dirty="0"/>
+          </a:p>
+        </p:txBody>
+      </p:sp>
+      <p:sp>
+        <p:nvSpPr>
+          <p:cNvPr id="4" name="TextBox 3">
+            <a:extLst>
+              <a:ext uri="{FF2B5EF4-FFF2-40B4-BE49-F238E27FC236}">
+                <a16:creationId xmlns:a16="http://schemas.microsoft.com/office/drawing/2014/main" id="{D4882996-CF59-47E8-B01C-E02A93D975D1}"/>
+              </a:ext>
+            </a:extLst>
+          </p:cNvPr>
+          <p:cNvSpPr txBox="1"/>
+          <p:nvPr/>
+        </p:nvSpPr>
+        <p:spPr>
+          <a:xfrm>
+            <a:off x="448733" y="6377940"/>
+            <a:ext cx="2029424" cy="369332"/>
+          </a:xfrm>
+          <a:prstGeom prst="rect">
+            <a:avLst/>
+          </a:prstGeom>
+          <a:noFill/>
+        </p:spPr>
+        <p:txBody>
+          <a:bodyPr wrap="square" rtlCol="0">
+            <a:spAutoFit/>
+          </a:bodyPr>
+          <a:lstStyle/>
+          <a:p>
+            <a:r>
+              <a:rPr lang="en-US" dirty="0"/>
+              <a:t>22/05/2020</a:t>
+            </a:r>
+          </a:p>
+        </p:txBody>
+      </p:sp>
+    </p:spTree>
+    <p:extLst>
+      <p:ext uri="{BB962C8B-B14F-4D97-AF65-F5344CB8AC3E}">
+        <p14:creationId xmlns:p14="http://schemas.microsoft.com/office/powerpoint/2010/main" val="2794145341"/>
+      </p:ext>
+    </p:extLst>
+  </p:cSld>
+  <p:clrMapOvr>
+    <a:masterClrMapping/>
+  </p:clrMapOvr>
+</p:sld>
+</file>
+
+<file path=ppt/slides/slide36.xml><?xml version="1.0" encoding="utf-8"?>
+<p:sld xmlns:a="http://schemas.openxmlformats.org/drawingml/2006/main" xmlns:r="http://schemas.openxmlformats.org/officeDocument/2006/relationships" xmlns:p="http://schemas.openxmlformats.org/presentationml/2006/main">
+  <p:cSld>
+    <p:spTree>
+      <p:nvGrpSpPr>
+        <p:cNvPr id="1" name=""/>
+        <p:cNvGrpSpPr/>
+        <p:nvPr/>
+      </p:nvGrpSpPr>
+      <p:grpSpPr>
+        <a:xfrm>
+          <a:off x="0" y="0"/>
+          <a:ext cx="0" cy="0"/>
+          <a:chOff x="0" y="0"/>
+          <a:chExt cx="0" cy="0"/>
+        </a:xfrm>
+      </p:grpSpPr>
+      <p:sp>
+        <p:nvSpPr>
+          <p:cNvPr id="2" name="Title 1">
+            <a:extLst>
+              <a:ext uri="{FF2B5EF4-FFF2-40B4-BE49-F238E27FC236}">
+                <a16:creationId xmlns:a16="http://schemas.microsoft.com/office/drawing/2014/main" id="{8BD06653-9412-4566-A232-3521A54BA110}"/>
+              </a:ext>
+            </a:extLst>
+          </p:cNvPr>
+          <p:cNvSpPr>
+            <a:spLocks noGrp="1"/>
+          </p:cNvSpPr>
+          <p:nvPr>
+            <p:ph type="title"/>
+          </p:nvPr>
+        </p:nvSpPr>
+        <p:spPr/>
+        <p:txBody>
+          <a:bodyPr/>
+          <a:lstStyle/>
+          <a:p>
+            <a:r>
+              <a:rPr lang="en-US" dirty="0"/>
+              <a:t>This week’s progress</a:t>
+            </a:r>
+          </a:p>
+        </p:txBody>
+      </p:sp>
+      <p:sp>
+        <p:nvSpPr>
+          <p:cNvPr id="3" name="Content Placeholder 2">
+            <a:extLst>
+              <a:ext uri="{FF2B5EF4-FFF2-40B4-BE49-F238E27FC236}">
+                <a16:creationId xmlns:a16="http://schemas.microsoft.com/office/drawing/2014/main" id="{71BE7242-5254-425E-B2B0-1FD3A5151D36}"/>
+              </a:ext>
+            </a:extLst>
+          </p:cNvPr>
+          <p:cNvSpPr>
+            <a:spLocks noGrp="1"/>
+          </p:cNvSpPr>
+          <p:nvPr>
+            <p:ph idx="1"/>
+          </p:nvPr>
+        </p:nvSpPr>
+        <p:spPr/>
+        <p:txBody>
+          <a:bodyPr/>
+          <a:lstStyle/>
+          <a:p>
+            <a:pPr lvl="2"/>
+            <a:r>
+              <a:rPr lang="en-US" dirty="0"/>
+              <a:t>Analyzed a wireless node, trying to reverse engineer the node and add the components in it.</a:t>
+            </a:r>
+          </a:p>
+          <a:p>
+            <a:pPr lvl="2"/>
+            <a:r>
+              <a:rPr lang="en-US" dirty="0"/>
+              <a:t>Started implementing the mesh network in NRF24L01 modules.</a:t>
+            </a:r>
+          </a:p>
+          <a:p>
+            <a:pPr lvl="2"/>
+            <a:r>
+              <a:rPr lang="en-US" dirty="0"/>
+              <a:t>Analyzed enhanced </a:t>
+            </a:r>
+            <a:r>
+              <a:rPr lang="en-US" dirty="0" err="1"/>
+              <a:t>shockburst</a:t>
+            </a:r>
+            <a:r>
+              <a:rPr lang="en-US" dirty="0"/>
+              <a:t> protocol </a:t>
+            </a:r>
+          </a:p>
+          <a:p>
+            <a:pPr lvl="2"/>
+            <a:r>
+              <a:rPr lang="en-US" dirty="0" err="1"/>
+              <a:t>RFMesh</a:t>
+            </a:r>
+            <a:r>
+              <a:rPr lang="en-US" dirty="0"/>
+              <a:t> network </a:t>
+            </a:r>
+          </a:p>
+          <a:p>
+            <a:pPr lvl="2"/>
+            <a:endParaRPr lang="en-US" dirty="0"/>
+          </a:p>
+        </p:txBody>
+      </p:sp>
+      <p:sp>
+        <p:nvSpPr>
+          <p:cNvPr id="4" name="TextBox 3">
+            <a:extLst>
+              <a:ext uri="{FF2B5EF4-FFF2-40B4-BE49-F238E27FC236}">
+                <a16:creationId xmlns:a16="http://schemas.microsoft.com/office/drawing/2014/main" id="{D4882996-CF59-47E8-B01C-E02A93D975D1}"/>
+              </a:ext>
+            </a:extLst>
+          </p:cNvPr>
+          <p:cNvSpPr txBox="1"/>
+          <p:nvPr/>
+        </p:nvSpPr>
+        <p:spPr>
+          <a:xfrm>
+            <a:off x="448733" y="6377940"/>
+            <a:ext cx="2029424" cy="369332"/>
+          </a:xfrm>
+          <a:prstGeom prst="rect">
+            <a:avLst/>
+          </a:prstGeom>
+          <a:noFill/>
+        </p:spPr>
+        <p:txBody>
+          <a:bodyPr wrap="square" rtlCol="0">
+            <a:spAutoFit/>
+          </a:bodyPr>
+          <a:lstStyle/>
+          <a:p>
+            <a:r>
+              <a:rPr lang="en-US" dirty="0"/>
+              <a:t>22/05/2020</a:t>
+            </a:r>
+          </a:p>
+        </p:txBody>
+      </p:sp>
+      <p:pic>
+        <p:nvPicPr>
+          <p:cNvPr id="5" name="Picture 4" descr="A picture containing indoor, computer, laptop, sitting&#10;&#10;Description automatically generated">
+            <a:extLst>
+              <a:ext uri="{FF2B5EF4-FFF2-40B4-BE49-F238E27FC236}">
+                <a16:creationId xmlns:a16="http://schemas.microsoft.com/office/drawing/2014/main" id="{2B69105C-A9BA-46D2-B5EC-61638DEB3CB0}"/>
+              </a:ext>
+            </a:extLst>
+          </p:cNvPr>
+          <p:cNvPicPr>
+            <a:picLocks noChangeAspect="1"/>
+          </p:cNvPicPr>
+          <p:nvPr/>
+        </p:nvPicPr>
+        <p:blipFill>
+          <a:blip r:embed="rId2">
+            <a:extLst>
+              <a:ext uri="{28A0092B-C50C-407E-A947-70E740481C1C}">
+                <a14:useLocalDpi xmlns:a14="http://schemas.microsoft.com/office/drawing/2010/main" val="0"/>
+              </a:ext>
+            </a:extLst>
+          </a:blip>
+          <a:stretch>
+            <a:fillRect/>
+          </a:stretch>
+        </p:blipFill>
+        <p:spPr>
+          <a:xfrm>
+            <a:off x="5538221" y="3511408"/>
+            <a:ext cx="3969678" cy="2977259"/>
+          </a:xfrm>
+          <a:prstGeom prst="rect">
+            <a:avLst/>
+          </a:prstGeom>
+        </p:spPr>
+      </p:pic>
+    </p:spTree>
+    <p:extLst>
+      <p:ext uri="{BB962C8B-B14F-4D97-AF65-F5344CB8AC3E}">
+        <p14:creationId xmlns:p14="http://schemas.microsoft.com/office/powerpoint/2010/main" val="4176910507"/>
+      </p:ext>
+    </p:extLst>
+  </p:cSld>
+  <p:clrMapOvr>
+    <a:masterClrMapping/>
+  </p:clrMapOvr>
+</p:sld>
+</file>
+
+<file path=ppt/slides/slide37.xml><?xml version="1.0" encoding="utf-8"?>
+<p:sld xmlns:a="http://schemas.openxmlformats.org/drawingml/2006/main" xmlns:r="http://schemas.openxmlformats.org/officeDocument/2006/relationships" xmlns:p="http://schemas.openxmlformats.org/presentationml/2006/main">
+  <p:cSld>
+    <p:spTree>
+      <p:nvGrpSpPr>
+        <p:cNvPr id="1" name=""/>
+        <p:cNvGrpSpPr/>
+        <p:nvPr/>
+      </p:nvGrpSpPr>
+      <p:grpSpPr>
+        <a:xfrm>
+          <a:off x="0" y="0"/>
+          <a:ext cx="0" cy="0"/>
+          <a:chOff x="0" y="0"/>
+          <a:chExt cx="0" cy="0"/>
+        </a:xfrm>
+      </p:grpSpPr>
+      <p:sp>
+        <p:nvSpPr>
+          <p:cNvPr id="2" name="Title 1">
+            <a:extLst>
+              <a:ext uri="{FF2B5EF4-FFF2-40B4-BE49-F238E27FC236}">
+                <a16:creationId xmlns:a16="http://schemas.microsoft.com/office/drawing/2014/main" id="{8BD06653-9412-4566-A232-3521A54BA110}"/>
+              </a:ext>
+            </a:extLst>
+          </p:cNvPr>
+          <p:cNvSpPr>
+            <a:spLocks noGrp="1"/>
+          </p:cNvSpPr>
+          <p:nvPr>
+            <p:ph type="title"/>
+          </p:nvPr>
+        </p:nvSpPr>
+        <p:spPr>
+          <a:xfrm>
+            <a:off x="169334" y="470456"/>
+            <a:ext cx="4460723" cy="1320800"/>
+          </a:xfrm>
+        </p:spPr>
+        <p:txBody>
+          <a:bodyPr/>
+          <a:lstStyle/>
+          <a:p>
+            <a:r>
+              <a:rPr lang="en-US" dirty="0"/>
+              <a:t>Wireless node modification </a:t>
+            </a:r>
+          </a:p>
+        </p:txBody>
+      </p:sp>
+      <p:sp>
+        <p:nvSpPr>
+          <p:cNvPr id="4" name="TextBox 3">
+            <a:extLst>
+              <a:ext uri="{FF2B5EF4-FFF2-40B4-BE49-F238E27FC236}">
+                <a16:creationId xmlns:a16="http://schemas.microsoft.com/office/drawing/2014/main" id="{D4882996-CF59-47E8-B01C-E02A93D975D1}"/>
+              </a:ext>
+            </a:extLst>
+          </p:cNvPr>
+          <p:cNvSpPr txBox="1"/>
+          <p:nvPr/>
+        </p:nvSpPr>
+        <p:spPr>
+          <a:xfrm>
+            <a:off x="448733" y="6377940"/>
+            <a:ext cx="2029424" cy="369332"/>
+          </a:xfrm>
+          <a:prstGeom prst="rect">
+            <a:avLst/>
+          </a:prstGeom>
+          <a:noFill/>
+        </p:spPr>
+        <p:txBody>
+          <a:bodyPr wrap="square" rtlCol="0">
+            <a:spAutoFit/>
+          </a:bodyPr>
+          <a:lstStyle/>
+          <a:p>
+            <a:r>
+              <a:rPr lang="en-US"/>
+              <a:t>22/05/2020</a:t>
+            </a:r>
+            <a:endParaRPr lang="en-US" dirty="0"/>
+          </a:p>
+        </p:txBody>
+      </p:sp>
+      <p:sp>
+        <p:nvSpPr>
+          <p:cNvPr id="23" name="Content Placeholder 2">
+            <a:extLst>
+              <a:ext uri="{FF2B5EF4-FFF2-40B4-BE49-F238E27FC236}">
+                <a16:creationId xmlns:a16="http://schemas.microsoft.com/office/drawing/2014/main" id="{CBD4940B-7BEE-40CA-8846-CEA0A163676C}"/>
+              </a:ext>
+            </a:extLst>
+          </p:cNvPr>
+          <p:cNvSpPr txBox="1">
+            <a:spLocks/>
+          </p:cNvSpPr>
+          <p:nvPr/>
+        </p:nvSpPr>
+        <p:spPr>
+          <a:xfrm>
+            <a:off x="677334" y="2160589"/>
+            <a:ext cx="8596668" cy="3880773"/>
+          </a:xfrm>
+          <a:prstGeom prst="rect">
+            <a:avLst/>
+          </a:prstGeom>
+        </p:spPr>
+        <p:txBody>
+          <a:bodyPr vert="horz" lIns="91440" tIns="45720" rIns="91440" bIns="45720" rtlCol="0">
+            <a:normAutofit/>
+          </a:bodyPr>
+          <a:lstStyle>
+            <a:lvl1pPr marL="342900" indent="-342900" algn="l" defTabSz="457200" rtl="0" eaLnBrk="1" latinLnBrk="0" hangingPunct="1">
+              <a:spcBef>
+                <a:spcPts val="1000"/>
+              </a:spcBef>
+              <a:spcAft>
+                <a:spcPts val="0"/>
+              </a:spcAft>
+              <a:buClr>
+                <a:schemeClr val="accent1"/>
+              </a:buClr>
+              <a:buSzPct val="80000"/>
+              <a:buFont typeface="Wingdings 3" charset="2"/>
+              <a:buChar char=""/>
+              <a:defRPr sz="1800" kern="1200">
+                <a:solidFill>
+                  <a:schemeClr val="tx1">
+                    <a:lumMod val="75000"/>
+                    <a:lumOff val="25000"/>
+                  </a:schemeClr>
+                </a:solidFill>
+                <a:latin typeface="+mn-lt"/>
+                <a:ea typeface="+mn-ea"/>
+                <a:cs typeface="+mn-cs"/>
+              </a:defRPr>
+            </a:lvl1pPr>
+            <a:lvl2pPr marL="742950" indent="-285750" algn="l" defTabSz="457200" rtl="0" eaLnBrk="1" latinLnBrk="0" hangingPunct="1">
+              <a:spcBef>
+                <a:spcPts val="1000"/>
+              </a:spcBef>
+              <a:spcAft>
+                <a:spcPts val="0"/>
+              </a:spcAft>
+              <a:buClr>
+                <a:schemeClr val="accent1"/>
+              </a:buClr>
+              <a:buSzPct val="80000"/>
+              <a:buFont typeface="Wingdings 3" charset="2"/>
+              <a:buChar char=""/>
+              <a:defRPr sz="1600" kern="1200">
+                <a:solidFill>
+                  <a:schemeClr val="tx1">
+                    <a:lumMod val="75000"/>
+                    <a:lumOff val="25000"/>
+                  </a:schemeClr>
+                </a:solidFill>
+                <a:latin typeface="+mn-lt"/>
+                <a:ea typeface="+mn-ea"/>
+                <a:cs typeface="+mn-cs"/>
+              </a:defRPr>
+            </a:lvl2pPr>
+            <a:lvl3pPr marL="1143000" indent="-228600" algn="l" defTabSz="457200" rtl="0" eaLnBrk="1" latinLnBrk="0" hangingPunct="1">
+              <a:spcBef>
+                <a:spcPts val="1000"/>
+              </a:spcBef>
+              <a:spcAft>
+                <a:spcPts val="0"/>
+              </a:spcAft>
+              <a:buClr>
+                <a:schemeClr val="accent1"/>
+              </a:buClr>
+              <a:buSzPct val="80000"/>
+              <a:buFont typeface="Wingdings 3" charset="2"/>
+              <a:buChar char=""/>
+              <a:defRPr sz="1400" kern="1200">
+                <a:solidFill>
+                  <a:schemeClr val="tx1">
+                    <a:lumMod val="75000"/>
+                    <a:lumOff val="25000"/>
+                  </a:schemeClr>
+                </a:solidFill>
+                <a:latin typeface="+mn-lt"/>
+                <a:ea typeface="+mn-ea"/>
+                <a:cs typeface="+mn-cs"/>
+              </a:defRPr>
+            </a:lvl3pPr>
+            <a:lvl4pPr marL="1600200" indent="-228600" algn="l" defTabSz="457200" rtl="0" eaLnBrk="1" latinLnBrk="0" hangingPunct="1">
+              <a:spcBef>
+                <a:spcPts val="1000"/>
+              </a:spcBef>
+              <a:spcAft>
+                <a:spcPts val="0"/>
+              </a:spcAft>
+              <a:buClr>
+                <a:schemeClr val="accent1"/>
+              </a:buClr>
+              <a:buSzPct val="80000"/>
+              <a:buFont typeface="Wingdings 3" charset="2"/>
+              <a:buChar char=""/>
+              <a:defRPr sz="1200" kern="1200">
+                <a:solidFill>
+                  <a:schemeClr val="tx1">
+                    <a:lumMod val="75000"/>
+                    <a:lumOff val="25000"/>
+                  </a:schemeClr>
+                </a:solidFill>
+                <a:latin typeface="+mn-lt"/>
+                <a:ea typeface="+mn-ea"/>
+                <a:cs typeface="+mn-cs"/>
+              </a:defRPr>
+            </a:lvl4pPr>
+            <a:lvl5pPr marL="2057400" indent="-228600" algn="l" defTabSz="457200" rtl="0" eaLnBrk="1" latinLnBrk="0" hangingPunct="1">
+              <a:spcBef>
+                <a:spcPts val="1000"/>
+              </a:spcBef>
+              <a:spcAft>
+                <a:spcPts val="0"/>
+              </a:spcAft>
+              <a:buClr>
+                <a:schemeClr val="accent1"/>
+              </a:buClr>
+              <a:buSzPct val="80000"/>
+              <a:buFont typeface="Wingdings 3" charset="2"/>
+              <a:buChar char=""/>
+              <a:defRPr sz="1200" kern="1200">
+                <a:solidFill>
+                  <a:schemeClr val="tx1">
+                    <a:lumMod val="75000"/>
+                    <a:lumOff val="25000"/>
+                  </a:schemeClr>
+                </a:solidFill>
+                <a:latin typeface="+mn-lt"/>
+                <a:ea typeface="+mn-ea"/>
+                <a:cs typeface="+mn-cs"/>
+              </a:defRPr>
+            </a:lvl5pPr>
+            <a:lvl6pPr marL="2514600" indent="-228600" algn="l" defTabSz="457200" rtl="0" eaLnBrk="1" latinLnBrk="0" hangingPunct="1">
+              <a:spcBef>
+                <a:spcPts val="1000"/>
+              </a:spcBef>
+              <a:spcAft>
+                <a:spcPts val="0"/>
+              </a:spcAft>
+              <a:buClr>
+                <a:schemeClr val="accent1"/>
+              </a:buClr>
+              <a:buSzPct val="80000"/>
+              <a:buFont typeface="Wingdings 3" charset="2"/>
+              <a:buChar char=""/>
+              <a:defRPr sz="1200" kern="1200">
+                <a:solidFill>
+                  <a:schemeClr val="tx1">
+                    <a:lumMod val="75000"/>
+                    <a:lumOff val="25000"/>
+                  </a:schemeClr>
+                </a:solidFill>
+                <a:latin typeface="+mn-lt"/>
+                <a:ea typeface="+mn-ea"/>
+                <a:cs typeface="+mn-cs"/>
+              </a:defRPr>
+            </a:lvl6pPr>
+            <a:lvl7pPr marL="2971800" indent="-228600" algn="l" defTabSz="457200" rtl="0" eaLnBrk="1" latinLnBrk="0" hangingPunct="1">
+              <a:spcBef>
+                <a:spcPts val="1000"/>
+              </a:spcBef>
+              <a:spcAft>
+                <a:spcPts val="0"/>
+              </a:spcAft>
+              <a:buClr>
+                <a:schemeClr val="accent1"/>
+              </a:buClr>
+              <a:buSzPct val="80000"/>
+              <a:buFont typeface="Wingdings 3" charset="2"/>
+              <a:buChar char=""/>
+              <a:defRPr sz="1200" kern="1200">
+                <a:solidFill>
+                  <a:schemeClr val="tx1">
+                    <a:lumMod val="75000"/>
+                    <a:lumOff val="25000"/>
+                  </a:schemeClr>
+                </a:solidFill>
+                <a:latin typeface="+mn-lt"/>
+                <a:ea typeface="+mn-ea"/>
+                <a:cs typeface="+mn-cs"/>
+              </a:defRPr>
+            </a:lvl7pPr>
+            <a:lvl8pPr marL="3429000" indent="-228600" algn="l" defTabSz="457200" rtl="0" eaLnBrk="1" latinLnBrk="0" hangingPunct="1">
+              <a:spcBef>
+                <a:spcPts val="1000"/>
+              </a:spcBef>
+              <a:spcAft>
+                <a:spcPts val="0"/>
+              </a:spcAft>
+              <a:buClr>
+                <a:schemeClr val="accent1"/>
+              </a:buClr>
+              <a:buSzPct val="80000"/>
+              <a:buFont typeface="Wingdings 3" charset="2"/>
+              <a:buChar char=""/>
+              <a:defRPr sz="1200" kern="1200">
+                <a:solidFill>
+                  <a:schemeClr val="tx1">
+                    <a:lumMod val="75000"/>
+                    <a:lumOff val="25000"/>
+                  </a:schemeClr>
+                </a:solidFill>
+                <a:latin typeface="+mn-lt"/>
+                <a:ea typeface="+mn-ea"/>
+                <a:cs typeface="+mn-cs"/>
+              </a:defRPr>
+            </a:lvl8pPr>
+            <a:lvl9pPr marL="3886200" indent="-228600" algn="l" defTabSz="457200" rtl="0" eaLnBrk="1" latinLnBrk="0" hangingPunct="1">
+              <a:spcBef>
+                <a:spcPts val="1000"/>
+              </a:spcBef>
+              <a:spcAft>
+                <a:spcPts val="0"/>
+              </a:spcAft>
+              <a:buClr>
+                <a:schemeClr val="accent1"/>
+              </a:buClr>
+              <a:buSzPct val="80000"/>
+              <a:buFont typeface="Wingdings 3" charset="2"/>
+              <a:buChar char=""/>
+              <a:defRPr sz="1200" kern="1200">
+                <a:solidFill>
+                  <a:schemeClr val="tx1">
+                    <a:lumMod val="75000"/>
+                    <a:lumOff val="25000"/>
+                  </a:schemeClr>
+                </a:solidFill>
+                <a:latin typeface="+mn-lt"/>
+                <a:ea typeface="+mn-ea"/>
+                <a:cs typeface="+mn-cs"/>
+              </a:defRPr>
+            </a:lvl9pPr>
+          </a:lstStyle>
+          <a:p>
+            <a:pPr lvl="2"/>
+            <a:endParaRPr lang="en-US" dirty="0"/>
+          </a:p>
+        </p:txBody>
+      </p:sp>
+      <p:sp>
+        <p:nvSpPr>
+          <p:cNvPr id="24" name="Content Placeholder 2">
+            <a:extLst>
+              <a:ext uri="{FF2B5EF4-FFF2-40B4-BE49-F238E27FC236}">
+                <a16:creationId xmlns:a16="http://schemas.microsoft.com/office/drawing/2014/main" id="{289D782D-6286-43D8-9D27-F02AEF10444B}"/>
+              </a:ext>
+            </a:extLst>
+          </p:cNvPr>
+          <p:cNvSpPr txBox="1">
+            <a:spLocks/>
+          </p:cNvSpPr>
+          <p:nvPr/>
+        </p:nvSpPr>
+        <p:spPr>
+          <a:xfrm>
+            <a:off x="677334" y="5075126"/>
+            <a:ext cx="8596668" cy="3880773"/>
+          </a:xfrm>
+          <a:prstGeom prst="rect">
+            <a:avLst/>
+          </a:prstGeom>
+        </p:spPr>
+        <p:txBody>
+          <a:bodyPr vert="horz" lIns="91440" tIns="45720" rIns="91440" bIns="45720" rtlCol="0">
+            <a:normAutofit/>
+          </a:bodyPr>
+          <a:lstStyle>
+            <a:lvl1pPr marL="342900" indent="-342900" algn="l" defTabSz="457200" rtl="0" eaLnBrk="1" latinLnBrk="0" hangingPunct="1">
+              <a:spcBef>
+                <a:spcPts val="1000"/>
+              </a:spcBef>
+              <a:spcAft>
+                <a:spcPts val="0"/>
+              </a:spcAft>
+              <a:buClr>
+                <a:schemeClr val="accent1"/>
+              </a:buClr>
+              <a:buSzPct val="80000"/>
+              <a:buFont typeface="Wingdings 3" charset="2"/>
+              <a:buChar char=""/>
+              <a:defRPr sz="1800" kern="1200">
+                <a:solidFill>
+                  <a:schemeClr val="tx1">
+                    <a:lumMod val="75000"/>
+                    <a:lumOff val="25000"/>
+                  </a:schemeClr>
+                </a:solidFill>
+                <a:latin typeface="+mn-lt"/>
+                <a:ea typeface="+mn-ea"/>
+                <a:cs typeface="+mn-cs"/>
+              </a:defRPr>
+            </a:lvl1pPr>
+            <a:lvl2pPr marL="742950" indent="-285750" algn="l" defTabSz="457200" rtl="0" eaLnBrk="1" latinLnBrk="0" hangingPunct="1">
+              <a:spcBef>
+                <a:spcPts val="1000"/>
+              </a:spcBef>
+              <a:spcAft>
+                <a:spcPts val="0"/>
+              </a:spcAft>
+              <a:buClr>
+                <a:schemeClr val="accent1"/>
+              </a:buClr>
+              <a:buSzPct val="80000"/>
+              <a:buFont typeface="Wingdings 3" charset="2"/>
+              <a:buChar char=""/>
+              <a:defRPr sz="1600" kern="1200">
+                <a:solidFill>
+                  <a:schemeClr val="tx1">
+                    <a:lumMod val="75000"/>
+                    <a:lumOff val="25000"/>
+                  </a:schemeClr>
+                </a:solidFill>
+                <a:latin typeface="+mn-lt"/>
+                <a:ea typeface="+mn-ea"/>
+                <a:cs typeface="+mn-cs"/>
+              </a:defRPr>
+            </a:lvl2pPr>
+            <a:lvl3pPr marL="1143000" indent="-228600" algn="l" defTabSz="457200" rtl="0" eaLnBrk="1" latinLnBrk="0" hangingPunct="1">
+              <a:spcBef>
+                <a:spcPts val="1000"/>
+              </a:spcBef>
+              <a:spcAft>
+                <a:spcPts val="0"/>
+              </a:spcAft>
+              <a:buClr>
+                <a:schemeClr val="accent1"/>
+              </a:buClr>
+              <a:buSzPct val="80000"/>
+              <a:buFont typeface="Wingdings 3" charset="2"/>
+              <a:buChar char=""/>
+              <a:defRPr sz="1400" kern="1200">
+                <a:solidFill>
+                  <a:schemeClr val="tx1">
+                    <a:lumMod val="75000"/>
+                    <a:lumOff val="25000"/>
+                  </a:schemeClr>
+                </a:solidFill>
+                <a:latin typeface="+mn-lt"/>
+                <a:ea typeface="+mn-ea"/>
+                <a:cs typeface="+mn-cs"/>
+              </a:defRPr>
+            </a:lvl3pPr>
+            <a:lvl4pPr marL="1600200" indent="-228600" algn="l" defTabSz="457200" rtl="0" eaLnBrk="1" latinLnBrk="0" hangingPunct="1">
+              <a:spcBef>
+                <a:spcPts val="1000"/>
+              </a:spcBef>
+              <a:spcAft>
+                <a:spcPts val="0"/>
+              </a:spcAft>
+              <a:buClr>
+                <a:schemeClr val="accent1"/>
+              </a:buClr>
+              <a:buSzPct val="80000"/>
+              <a:buFont typeface="Wingdings 3" charset="2"/>
+              <a:buChar char=""/>
+              <a:defRPr sz="1200" kern="1200">
+                <a:solidFill>
+                  <a:schemeClr val="tx1">
+                    <a:lumMod val="75000"/>
+                    <a:lumOff val="25000"/>
+                  </a:schemeClr>
+                </a:solidFill>
+                <a:latin typeface="+mn-lt"/>
+                <a:ea typeface="+mn-ea"/>
+                <a:cs typeface="+mn-cs"/>
+              </a:defRPr>
+            </a:lvl4pPr>
+            <a:lvl5pPr marL="2057400" indent="-228600" algn="l" defTabSz="457200" rtl="0" eaLnBrk="1" latinLnBrk="0" hangingPunct="1">
+              <a:spcBef>
+                <a:spcPts val="1000"/>
+              </a:spcBef>
+              <a:spcAft>
+                <a:spcPts val="0"/>
+              </a:spcAft>
+              <a:buClr>
+                <a:schemeClr val="accent1"/>
+              </a:buClr>
+              <a:buSzPct val="80000"/>
+              <a:buFont typeface="Wingdings 3" charset="2"/>
+              <a:buChar char=""/>
+              <a:defRPr sz="1200" kern="1200">
+                <a:solidFill>
+                  <a:schemeClr val="tx1">
+                    <a:lumMod val="75000"/>
+                    <a:lumOff val="25000"/>
+                  </a:schemeClr>
+                </a:solidFill>
+                <a:latin typeface="+mn-lt"/>
+                <a:ea typeface="+mn-ea"/>
+                <a:cs typeface="+mn-cs"/>
+              </a:defRPr>
+            </a:lvl5pPr>
+            <a:lvl6pPr marL="2514600" indent="-228600" algn="l" defTabSz="457200" rtl="0" eaLnBrk="1" latinLnBrk="0" hangingPunct="1">
+              <a:spcBef>
+                <a:spcPts val="1000"/>
+              </a:spcBef>
+              <a:spcAft>
+                <a:spcPts val="0"/>
+              </a:spcAft>
+              <a:buClr>
+                <a:schemeClr val="accent1"/>
+              </a:buClr>
+              <a:buSzPct val="80000"/>
+              <a:buFont typeface="Wingdings 3" charset="2"/>
+              <a:buChar char=""/>
+              <a:defRPr sz="1200" kern="1200">
+                <a:solidFill>
+                  <a:schemeClr val="tx1">
+                    <a:lumMod val="75000"/>
+                    <a:lumOff val="25000"/>
+                  </a:schemeClr>
+                </a:solidFill>
+                <a:latin typeface="+mn-lt"/>
+                <a:ea typeface="+mn-ea"/>
+                <a:cs typeface="+mn-cs"/>
+              </a:defRPr>
+            </a:lvl6pPr>
+            <a:lvl7pPr marL="2971800" indent="-228600" algn="l" defTabSz="457200" rtl="0" eaLnBrk="1" latinLnBrk="0" hangingPunct="1">
+              <a:spcBef>
+                <a:spcPts val="1000"/>
+              </a:spcBef>
+              <a:spcAft>
+                <a:spcPts val="0"/>
+              </a:spcAft>
+              <a:buClr>
+                <a:schemeClr val="accent1"/>
+              </a:buClr>
+              <a:buSzPct val="80000"/>
+              <a:buFont typeface="Wingdings 3" charset="2"/>
+              <a:buChar char=""/>
+              <a:defRPr sz="1200" kern="1200">
+                <a:solidFill>
+                  <a:schemeClr val="tx1">
+                    <a:lumMod val="75000"/>
+                    <a:lumOff val="25000"/>
+                  </a:schemeClr>
+                </a:solidFill>
+                <a:latin typeface="+mn-lt"/>
+                <a:ea typeface="+mn-ea"/>
+                <a:cs typeface="+mn-cs"/>
+              </a:defRPr>
+            </a:lvl7pPr>
+            <a:lvl8pPr marL="3429000" indent="-228600" algn="l" defTabSz="457200" rtl="0" eaLnBrk="1" latinLnBrk="0" hangingPunct="1">
+              <a:spcBef>
+                <a:spcPts val="1000"/>
+              </a:spcBef>
+              <a:spcAft>
+                <a:spcPts val="0"/>
+              </a:spcAft>
+              <a:buClr>
+                <a:schemeClr val="accent1"/>
+              </a:buClr>
+              <a:buSzPct val="80000"/>
+              <a:buFont typeface="Wingdings 3" charset="2"/>
+              <a:buChar char=""/>
+              <a:defRPr sz="1200" kern="1200">
+                <a:solidFill>
+                  <a:schemeClr val="tx1">
+                    <a:lumMod val="75000"/>
+                    <a:lumOff val="25000"/>
+                  </a:schemeClr>
+                </a:solidFill>
+                <a:latin typeface="+mn-lt"/>
+                <a:ea typeface="+mn-ea"/>
+                <a:cs typeface="+mn-cs"/>
+              </a:defRPr>
+            </a:lvl8pPr>
+            <a:lvl9pPr marL="3886200" indent="-228600" algn="l" defTabSz="457200" rtl="0" eaLnBrk="1" latinLnBrk="0" hangingPunct="1">
+              <a:spcBef>
+                <a:spcPts val="1000"/>
+              </a:spcBef>
+              <a:spcAft>
+                <a:spcPts val="0"/>
+              </a:spcAft>
+              <a:buClr>
+                <a:schemeClr val="accent1"/>
+              </a:buClr>
+              <a:buSzPct val="80000"/>
+              <a:buFont typeface="Wingdings 3" charset="2"/>
+              <a:buChar char=""/>
+              <a:defRPr sz="1200" kern="1200">
+                <a:solidFill>
+                  <a:schemeClr val="tx1">
+                    <a:lumMod val="75000"/>
+                    <a:lumOff val="25000"/>
+                  </a:schemeClr>
+                </a:solidFill>
+                <a:latin typeface="+mn-lt"/>
+                <a:ea typeface="+mn-ea"/>
+                <a:cs typeface="+mn-cs"/>
+              </a:defRPr>
+            </a:lvl9pPr>
+          </a:lstStyle>
+          <a:p>
+            <a:r>
+              <a:rPr lang="en-US" dirty="0"/>
+              <a:t>Segmentation fault</a:t>
+            </a:r>
+          </a:p>
+        </p:txBody>
+      </p:sp>
+      <p:pic>
+        <p:nvPicPr>
+          <p:cNvPr id="11" name="Picture 10" descr="A screenshot of a social media post&#10;&#10;Description automatically generated">
+            <a:extLst>
+              <a:ext uri="{FF2B5EF4-FFF2-40B4-BE49-F238E27FC236}">
+                <a16:creationId xmlns:a16="http://schemas.microsoft.com/office/drawing/2014/main" id="{0392D918-577F-4009-A182-D797AAABD5F8}"/>
+              </a:ext>
+            </a:extLst>
+          </p:cNvPr>
+          <p:cNvPicPr>
+            <a:picLocks noChangeAspect="1"/>
+          </p:cNvPicPr>
+          <p:nvPr/>
+        </p:nvPicPr>
+        <p:blipFill>
+          <a:blip r:embed="rId2">
+            <a:extLst>
+              <a:ext uri="{28A0092B-C50C-407E-A947-70E740481C1C}">
+                <a14:useLocalDpi xmlns:a14="http://schemas.microsoft.com/office/drawing/2010/main" val="0"/>
+              </a:ext>
+            </a:extLst>
+          </a:blip>
+          <a:stretch>
+            <a:fillRect/>
+          </a:stretch>
+        </p:blipFill>
+        <p:spPr>
+          <a:xfrm>
+            <a:off x="-1" y="1943046"/>
+            <a:ext cx="12192001" cy="2947414"/>
+          </a:xfrm>
+          <a:prstGeom prst="rect">
+            <a:avLst/>
+          </a:prstGeom>
+        </p:spPr>
+      </p:pic>
+    </p:spTree>
+    <p:extLst>
+      <p:ext uri="{BB962C8B-B14F-4D97-AF65-F5344CB8AC3E}">
+        <p14:creationId xmlns:p14="http://schemas.microsoft.com/office/powerpoint/2010/main" val="2434737018"/>
+      </p:ext>
+    </p:extLst>
+  </p:cSld>
+  <p:clrMapOvr>
+    <a:masterClrMapping/>
+  </p:clrMapOvr>
+</p:sld>
+</file>
+
+<file path=ppt/slides/slide38.xml><?xml version="1.0" encoding="utf-8"?>
+<p:sld xmlns:a="http://schemas.openxmlformats.org/drawingml/2006/main" xmlns:r="http://schemas.openxmlformats.org/officeDocument/2006/relationships" xmlns:p="http://schemas.openxmlformats.org/presentationml/2006/main">
+  <p:cSld>
+    <p:spTree>
+      <p:nvGrpSpPr>
+        <p:cNvPr id="1" name=""/>
+        <p:cNvGrpSpPr/>
+        <p:nvPr/>
+      </p:nvGrpSpPr>
+      <p:grpSpPr>
+        <a:xfrm>
+          <a:off x="0" y="0"/>
+          <a:ext cx="0" cy="0"/>
+          <a:chOff x="0" y="0"/>
+          <a:chExt cx="0" cy="0"/>
+        </a:xfrm>
+      </p:grpSpPr>
+      <p:sp>
+        <p:nvSpPr>
+          <p:cNvPr id="2" name="Title 1">
+            <a:extLst>
+              <a:ext uri="{FF2B5EF4-FFF2-40B4-BE49-F238E27FC236}">
+                <a16:creationId xmlns:a16="http://schemas.microsoft.com/office/drawing/2014/main" id="{8BD06653-9412-4566-A232-3521A54BA110}"/>
+              </a:ext>
+            </a:extLst>
+          </p:cNvPr>
+          <p:cNvSpPr>
+            <a:spLocks noGrp="1"/>
+          </p:cNvSpPr>
+          <p:nvPr>
+            <p:ph type="title"/>
+          </p:nvPr>
+        </p:nvSpPr>
+        <p:spPr>
+          <a:xfrm>
+            <a:off x="169334" y="470456"/>
+            <a:ext cx="4460723" cy="1320800"/>
+          </a:xfrm>
+        </p:spPr>
+        <p:txBody>
+          <a:bodyPr/>
+          <a:lstStyle/>
+          <a:p>
+            <a:r>
+              <a:rPr lang="en-US" dirty="0"/>
+              <a:t>Enhanced </a:t>
+            </a:r>
+            <a:r>
+              <a:rPr lang="en-US" dirty="0" err="1"/>
+              <a:t>Shockburst</a:t>
+            </a:r>
+            <a:r>
+              <a:rPr lang="en-US" dirty="0"/>
+              <a:t> Overview</a:t>
+            </a:r>
+          </a:p>
+        </p:txBody>
+      </p:sp>
+      <p:pic>
+        <p:nvPicPr>
+          <p:cNvPr id="7" name="Content Placeholder 6" descr="A screenshot of a cell phone&#10;&#10;Description automatically generated">
+            <a:extLst>
+              <a:ext uri="{FF2B5EF4-FFF2-40B4-BE49-F238E27FC236}">
+                <a16:creationId xmlns:a16="http://schemas.microsoft.com/office/drawing/2014/main" id="{360AC63E-38C0-416B-A858-25D6922889B5}"/>
+              </a:ext>
+            </a:extLst>
+          </p:cNvPr>
+          <p:cNvPicPr>
+            <a:picLocks noGrp="1" noChangeAspect="1"/>
+          </p:cNvPicPr>
+          <p:nvPr>
+            <p:ph idx="1"/>
+          </p:nvPr>
+        </p:nvPicPr>
+        <p:blipFill>
+          <a:blip r:embed="rId2">
+            <a:extLst>
+              <a:ext uri="{28A0092B-C50C-407E-A947-70E740481C1C}">
+                <a14:useLocalDpi xmlns:a14="http://schemas.microsoft.com/office/drawing/2010/main" val="0"/>
+              </a:ext>
+            </a:extLst>
+          </a:blip>
+          <a:stretch>
+            <a:fillRect/>
+          </a:stretch>
+        </p:blipFill>
+        <p:spPr>
+          <a:xfrm>
+            <a:off x="5371809" y="262211"/>
+            <a:ext cx="6142857" cy="2066667"/>
+          </a:xfrm>
+        </p:spPr>
+      </p:pic>
+      <p:sp>
+        <p:nvSpPr>
+          <p:cNvPr id="4" name="TextBox 3">
+            <a:extLst>
+              <a:ext uri="{FF2B5EF4-FFF2-40B4-BE49-F238E27FC236}">
+                <a16:creationId xmlns:a16="http://schemas.microsoft.com/office/drawing/2014/main" id="{D4882996-CF59-47E8-B01C-E02A93D975D1}"/>
+              </a:ext>
+            </a:extLst>
+          </p:cNvPr>
+          <p:cNvSpPr txBox="1"/>
+          <p:nvPr/>
+        </p:nvSpPr>
+        <p:spPr>
+          <a:xfrm>
+            <a:off x="448733" y="6377940"/>
+            <a:ext cx="2029424" cy="369332"/>
+          </a:xfrm>
+          <a:prstGeom prst="rect">
+            <a:avLst/>
+          </a:prstGeom>
+          <a:noFill/>
+        </p:spPr>
+        <p:txBody>
+          <a:bodyPr wrap="square" rtlCol="0">
+            <a:spAutoFit/>
+          </a:bodyPr>
+          <a:lstStyle/>
+          <a:p>
+            <a:r>
+              <a:rPr lang="en-US"/>
+              <a:t>22/05/2020</a:t>
+            </a:r>
+            <a:endParaRPr lang="en-US" dirty="0"/>
+          </a:p>
+        </p:txBody>
+      </p:sp>
+      <p:sp>
+        <p:nvSpPr>
+          <p:cNvPr id="23" name="Content Placeholder 2">
+            <a:extLst>
+              <a:ext uri="{FF2B5EF4-FFF2-40B4-BE49-F238E27FC236}">
+                <a16:creationId xmlns:a16="http://schemas.microsoft.com/office/drawing/2014/main" id="{CBD4940B-7BEE-40CA-8846-CEA0A163676C}"/>
+              </a:ext>
+            </a:extLst>
+          </p:cNvPr>
+          <p:cNvSpPr txBox="1">
+            <a:spLocks/>
+          </p:cNvSpPr>
+          <p:nvPr/>
+        </p:nvSpPr>
+        <p:spPr>
+          <a:xfrm>
+            <a:off x="677334" y="2160589"/>
+            <a:ext cx="8596668" cy="3880773"/>
+          </a:xfrm>
+          <a:prstGeom prst="rect">
+            <a:avLst/>
+          </a:prstGeom>
+        </p:spPr>
+        <p:txBody>
+          <a:bodyPr vert="horz" lIns="91440" tIns="45720" rIns="91440" bIns="45720" rtlCol="0">
+            <a:normAutofit/>
+          </a:bodyPr>
+          <a:lstStyle>
+            <a:lvl1pPr marL="342900" indent="-342900" algn="l" defTabSz="457200" rtl="0" eaLnBrk="1" latinLnBrk="0" hangingPunct="1">
+              <a:spcBef>
+                <a:spcPts val="1000"/>
+              </a:spcBef>
+              <a:spcAft>
+                <a:spcPts val="0"/>
+              </a:spcAft>
+              <a:buClr>
+                <a:schemeClr val="accent1"/>
+              </a:buClr>
+              <a:buSzPct val="80000"/>
+              <a:buFont typeface="Wingdings 3" charset="2"/>
+              <a:buChar char=""/>
+              <a:defRPr sz="1800" kern="1200">
+                <a:solidFill>
+                  <a:schemeClr val="tx1">
+                    <a:lumMod val="75000"/>
+                    <a:lumOff val="25000"/>
+                  </a:schemeClr>
+                </a:solidFill>
+                <a:latin typeface="+mn-lt"/>
+                <a:ea typeface="+mn-ea"/>
+                <a:cs typeface="+mn-cs"/>
+              </a:defRPr>
+            </a:lvl1pPr>
+            <a:lvl2pPr marL="742950" indent="-285750" algn="l" defTabSz="457200" rtl="0" eaLnBrk="1" latinLnBrk="0" hangingPunct="1">
+              <a:spcBef>
+                <a:spcPts val="1000"/>
+              </a:spcBef>
+              <a:spcAft>
+                <a:spcPts val="0"/>
+              </a:spcAft>
+              <a:buClr>
+                <a:schemeClr val="accent1"/>
+              </a:buClr>
+              <a:buSzPct val="80000"/>
+              <a:buFont typeface="Wingdings 3" charset="2"/>
+              <a:buChar char=""/>
+              <a:defRPr sz="1600" kern="1200">
+                <a:solidFill>
+                  <a:schemeClr val="tx1">
+                    <a:lumMod val="75000"/>
+                    <a:lumOff val="25000"/>
+                  </a:schemeClr>
+                </a:solidFill>
+                <a:latin typeface="+mn-lt"/>
+                <a:ea typeface="+mn-ea"/>
+                <a:cs typeface="+mn-cs"/>
+              </a:defRPr>
+            </a:lvl2pPr>
+            <a:lvl3pPr marL="1143000" indent="-228600" algn="l" defTabSz="457200" rtl="0" eaLnBrk="1" latinLnBrk="0" hangingPunct="1">
+              <a:spcBef>
+                <a:spcPts val="1000"/>
+              </a:spcBef>
+              <a:spcAft>
+                <a:spcPts val="0"/>
+              </a:spcAft>
+              <a:buClr>
+                <a:schemeClr val="accent1"/>
+              </a:buClr>
+              <a:buSzPct val="80000"/>
+              <a:buFont typeface="Wingdings 3" charset="2"/>
+              <a:buChar char=""/>
+              <a:defRPr sz="1400" kern="1200">
+                <a:solidFill>
+                  <a:schemeClr val="tx1">
+                    <a:lumMod val="75000"/>
+                    <a:lumOff val="25000"/>
+                  </a:schemeClr>
+                </a:solidFill>
+                <a:latin typeface="+mn-lt"/>
+                <a:ea typeface="+mn-ea"/>
+                <a:cs typeface="+mn-cs"/>
+              </a:defRPr>
+            </a:lvl3pPr>
+            <a:lvl4pPr marL="1600200" indent="-228600" algn="l" defTabSz="457200" rtl="0" eaLnBrk="1" latinLnBrk="0" hangingPunct="1">
+              <a:spcBef>
+                <a:spcPts val="1000"/>
+              </a:spcBef>
+              <a:spcAft>
+                <a:spcPts val="0"/>
+              </a:spcAft>
+              <a:buClr>
+                <a:schemeClr val="accent1"/>
+              </a:buClr>
+              <a:buSzPct val="80000"/>
+              <a:buFont typeface="Wingdings 3" charset="2"/>
+              <a:buChar char=""/>
+              <a:defRPr sz="1200" kern="1200">
+                <a:solidFill>
+                  <a:schemeClr val="tx1">
+                    <a:lumMod val="75000"/>
+                    <a:lumOff val="25000"/>
+                  </a:schemeClr>
+                </a:solidFill>
+                <a:latin typeface="+mn-lt"/>
+                <a:ea typeface="+mn-ea"/>
+                <a:cs typeface="+mn-cs"/>
+              </a:defRPr>
+            </a:lvl4pPr>
+            <a:lvl5pPr marL="2057400" indent="-228600" algn="l" defTabSz="457200" rtl="0" eaLnBrk="1" latinLnBrk="0" hangingPunct="1">
+              <a:spcBef>
+                <a:spcPts val="1000"/>
+              </a:spcBef>
+              <a:spcAft>
+                <a:spcPts val="0"/>
+              </a:spcAft>
+              <a:buClr>
+                <a:schemeClr val="accent1"/>
+              </a:buClr>
+              <a:buSzPct val="80000"/>
+              <a:buFont typeface="Wingdings 3" charset="2"/>
+              <a:buChar char=""/>
+              <a:defRPr sz="1200" kern="1200">
+                <a:solidFill>
+                  <a:schemeClr val="tx1">
+                    <a:lumMod val="75000"/>
+                    <a:lumOff val="25000"/>
+                  </a:schemeClr>
+                </a:solidFill>
+                <a:latin typeface="+mn-lt"/>
+                <a:ea typeface="+mn-ea"/>
+                <a:cs typeface="+mn-cs"/>
+              </a:defRPr>
+            </a:lvl5pPr>
+            <a:lvl6pPr marL="2514600" indent="-228600" algn="l" defTabSz="457200" rtl="0" eaLnBrk="1" latinLnBrk="0" hangingPunct="1">
+              <a:spcBef>
+                <a:spcPts val="1000"/>
+              </a:spcBef>
+              <a:spcAft>
+                <a:spcPts val="0"/>
+              </a:spcAft>
+              <a:buClr>
+                <a:schemeClr val="accent1"/>
+              </a:buClr>
+              <a:buSzPct val="80000"/>
+              <a:buFont typeface="Wingdings 3" charset="2"/>
+              <a:buChar char=""/>
+              <a:defRPr sz="1200" kern="1200">
+                <a:solidFill>
+                  <a:schemeClr val="tx1">
+                    <a:lumMod val="75000"/>
+                    <a:lumOff val="25000"/>
+                  </a:schemeClr>
+                </a:solidFill>
+                <a:latin typeface="+mn-lt"/>
+                <a:ea typeface="+mn-ea"/>
+                <a:cs typeface="+mn-cs"/>
+              </a:defRPr>
+            </a:lvl6pPr>
+            <a:lvl7pPr marL="2971800" indent="-228600" algn="l" defTabSz="457200" rtl="0" eaLnBrk="1" latinLnBrk="0" hangingPunct="1">
+              <a:spcBef>
+                <a:spcPts val="1000"/>
+              </a:spcBef>
+              <a:spcAft>
+                <a:spcPts val="0"/>
+              </a:spcAft>
+              <a:buClr>
+                <a:schemeClr val="accent1"/>
+              </a:buClr>
+              <a:buSzPct val="80000"/>
+              <a:buFont typeface="Wingdings 3" charset="2"/>
+              <a:buChar char=""/>
+              <a:defRPr sz="1200" kern="1200">
+                <a:solidFill>
+                  <a:schemeClr val="tx1">
+                    <a:lumMod val="75000"/>
+                    <a:lumOff val="25000"/>
+                  </a:schemeClr>
+                </a:solidFill>
+                <a:latin typeface="+mn-lt"/>
+                <a:ea typeface="+mn-ea"/>
+                <a:cs typeface="+mn-cs"/>
+              </a:defRPr>
+            </a:lvl7pPr>
+            <a:lvl8pPr marL="3429000" indent="-228600" algn="l" defTabSz="457200" rtl="0" eaLnBrk="1" latinLnBrk="0" hangingPunct="1">
+              <a:spcBef>
+                <a:spcPts val="1000"/>
+              </a:spcBef>
+              <a:spcAft>
+                <a:spcPts val="0"/>
+              </a:spcAft>
+              <a:buClr>
+                <a:schemeClr val="accent1"/>
+              </a:buClr>
+              <a:buSzPct val="80000"/>
+              <a:buFont typeface="Wingdings 3" charset="2"/>
+              <a:buChar char=""/>
+              <a:defRPr sz="1200" kern="1200">
+                <a:solidFill>
+                  <a:schemeClr val="tx1">
+                    <a:lumMod val="75000"/>
+                    <a:lumOff val="25000"/>
+                  </a:schemeClr>
+                </a:solidFill>
+                <a:latin typeface="+mn-lt"/>
+                <a:ea typeface="+mn-ea"/>
+                <a:cs typeface="+mn-cs"/>
+              </a:defRPr>
+            </a:lvl8pPr>
+            <a:lvl9pPr marL="3886200" indent="-228600" algn="l" defTabSz="457200" rtl="0" eaLnBrk="1" latinLnBrk="0" hangingPunct="1">
+              <a:spcBef>
+                <a:spcPts val="1000"/>
+              </a:spcBef>
+              <a:spcAft>
+                <a:spcPts val="0"/>
+              </a:spcAft>
+              <a:buClr>
+                <a:schemeClr val="accent1"/>
+              </a:buClr>
+              <a:buSzPct val="80000"/>
+              <a:buFont typeface="Wingdings 3" charset="2"/>
+              <a:buChar char=""/>
+              <a:defRPr sz="1200" kern="1200">
+                <a:solidFill>
+                  <a:schemeClr val="tx1">
+                    <a:lumMod val="75000"/>
+                    <a:lumOff val="25000"/>
+                  </a:schemeClr>
+                </a:solidFill>
+                <a:latin typeface="+mn-lt"/>
+                <a:ea typeface="+mn-ea"/>
+                <a:cs typeface="+mn-cs"/>
+              </a:defRPr>
+            </a:lvl9pPr>
+          </a:lstStyle>
+          <a:p>
+            <a:pPr lvl="2"/>
+            <a:endParaRPr lang="en-US" dirty="0"/>
+          </a:p>
+        </p:txBody>
+      </p:sp>
+      <p:sp>
+        <p:nvSpPr>
+          <p:cNvPr id="24" name="Content Placeholder 2">
+            <a:extLst>
+              <a:ext uri="{FF2B5EF4-FFF2-40B4-BE49-F238E27FC236}">
+                <a16:creationId xmlns:a16="http://schemas.microsoft.com/office/drawing/2014/main" id="{289D782D-6286-43D8-9D27-F02AEF10444B}"/>
+              </a:ext>
+            </a:extLst>
+          </p:cNvPr>
+          <p:cNvSpPr txBox="1">
+            <a:spLocks/>
+          </p:cNvSpPr>
+          <p:nvPr/>
+        </p:nvSpPr>
+        <p:spPr>
+          <a:xfrm>
+            <a:off x="677334" y="2866499"/>
+            <a:ext cx="8596668" cy="3880773"/>
+          </a:xfrm>
+          <a:prstGeom prst="rect">
+            <a:avLst/>
+          </a:prstGeom>
+        </p:spPr>
+        <p:txBody>
+          <a:bodyPr vert="horz" lIns="91440" tIns="45720" rIns="91440" bIns="45720" rtlCol="0">
+            <a:normAutofit/>
+          </a:bodyPr>
+          <a:lstStyle>
+            <a:lvl1pPr marL="342900" indent="-342900" algn="l" defTabSz="457200" rtl="0" eaLnBrk="1" latinLnBrk="0" hangingPunct="1">
+              <a:spcBef>
+                <a:spcPts val="1000"/>
+              </a:spcBef>
+              <a:spcAft>
+                <a:spcPts val="0"/>
+              </a:spcAft>
+              <a:buClr>
+                <a:schemeClr val="accent1"/>
+              </a:buClr>
+              <a:buSzPct val="80000"/>
+              <a:buFont typeface="Wingdings 3" charset="2"/>
+              <a:buChar char=""/>
+              <a:defRPr sz="1800" kern="1200">
+                <a:solidFill>
+                  <a:schemeClr val="tx1">
+                    <a:lumMod val="75000"/>
+                    <a:lumOff val="25000"/>
+                  </a:schemeClr>
+                </a:solidFill>
+                <a:latin typeface="+mn-lt"/>
+                <a:ea typeface="+mn-ea"/>
+                <a:cs typeface="+mn-cs"/>
+              </a:defRPr>
+            </a:lvl1pPr>
+            <a:lvl2pPr marL="742950" indent="-285750" algn="l" defTabSz="457200" rtl="0" eaLnBrk="1" latinLnBrk="0" hangingPunct="1">
+              <a:spcBef>
+                <a:spcPts val="1000"/>
+              </a:spcBef>
+              <a:spcAft>
+                <a:spcPts val="0"/>
+              </a:spcAft>
+              <a:buClr>
+                <a:schemeClr val="accent1"/>
+              </a:buClr>
+              <a:buSzPct val="80000"/>
+              <a:buFont typeface="Wingdings 3" charset="2"/>
+              <a:buChar char=""/>
+              <a:defRPr sz="1600" kern="1200">
+                <a:solidFill>
+                  <a:schemeClr val="tx1">
+                    <a:lumMod val="75000"/>
+                    <a:lumOff val="25000"/>
+                  </a:schemeClr>
+                </a:solidFill>
+                <a:latin typeface="+mn-lt"/>
+                <a:ea typeface="+mn-ea"/>
+                <a:cs typeface="+mn-cs"/>
+              </a:defRPr>
+            </a:lvl2pPr>
+            <a:lvl3pPr marL="1143000" indent="-228600" algn="l" defTabSz="457200" rtl="0" eaLnBrk="1" latinLnBrk="0" hangingPunct="1">
+              <a:spcBef>
+                <a:spcPts val="1000"/>
+              </a:spcBef>
+              <a:spcAft>
+                <a:spcPts val="0"/>
+              </a:spcAft>
+              <a:buClr>
+                <a:schemeClr val="accent1"/>
+              </a:buClr>
+              <a:buSzPct val="80000"/>
+              <a:buFont typeface="Wingdings 3" charset="2"/>
+              <a:buChar char=""/>
+              <a:defRPr sz="1400" kern="1200">
+                <a:solidFill>
+                  <a:schemeClr val="tx1">
+                    <a:lumMod val="75000"/>
+                    <a:lumOff val="25000"/>
+                  </a:schemeClr>
+                </a:solidFill>
+                <a:latin typeface="+mn-lt"/>
+                <a:ea typeface="+mn-ea"/>
+                <a:cs typeface="+mn-cs"/>
+              </a:defRPr>
+            </a:lvl3pPr>
+            <a:lvl4pPr marL="1600200" indent="-228600" algn="l" defTabSz="457200" rtl="0" eaLnBrk="1" latinLnBrk="0" hangingPunct="1">
+              <a:spcBef>
+                <a:spcPts val="1000"/>
+              </a:spcBef>
+              <a:spcAft>
+                <a:spcPts val="0"/>
+              </a:spcAft>
+              <a:buClr>
+                <a:schemeClr val="accent1"/>
+              </a:buClr>
+              <a:buSzPct val="80000"/>
+              <a:buFont typeface="Wingdings 3" charset="2"/>
+              <a:buChar char=""/>
+              <a:defRPr sz="1200" kern="1200">
+                <a:solidFill>
+                  <a:schemeClr val="tx1">
+                    <a:lumMod val="75000"/>
+                    <a:lumOff val="25000"/>
+                  </a:schemeClr>
+                </a:solidFill>
+                <a:latin typeface="+mn-lt"/>
+                <a:ea typeface="+mn-ea"/>
+                <a:cs typeface="+mn-cs"/>
+              </a:defRPr>
+            </a:lvl4pPr>
+            <a:lvl5pPr marL="2057400" indent="-228600" algn="l" defTabSz="457200" rtl="0" eaLnBrk="1" latinLnBrk="0" hangingPunct="1">
+              <a:spcBef>
+                <a:spcPts val="1000"/>
+              </a:spcBef>
+              <a:spcAft>
+                <a:spcPts val="0"/>
+              </a:spcAft>
+              <a:buClr>
+                <a:schemeClr val="accent1"/>
+              </a:buClr>
+              <a:buSzPct val="80000"/>
+              <a:buFont typeface="Wingdings 3" charset="2"/>
+              <a:buChar char=""/>
+              <a:defRPr sz="1200" kern="1200">
+                <a:solidFill>
+                  <a:schemeClr val="tx1">
+                    <a:lumMod val="75000"/>
+                    <a:lumOff val="25000"/>
+                  </a:schemeClr>
+                </a:solidFill>
+                <a:latin typeface="+mn-lt"/>
+                <a:ea typeface="+mn-ea"/>
+                <a:cs typeface="+mn-cs"/>
+              </a:defRPr>
+            </a:lvl5pPr>
+            <a:lvl6pPr marL="2514600" indent="-228600" algn="l" defTabSz="457200" rtl="0" eaLnBrk="1" latinLnBrk="0" hangingPunct="1">
+              <a:spcBef>
+                <a:spcPts val="1000"/>
+              </a:spcBef>
+              <a:spcAft>
+                <a:spcPts val="0"/>
+              </a:spcAft>
+              <a:buClr>
+                <a:schemeClr val="accent1"/>
+              </a:buClr>
+              <a:buSzPct val="80000"/>
+              <a:buFont typeface="Wingdings 3" charset="2"/>
+              <a:buChar char=""/>
+              <a:defRPr sz="1200" kern="1200">
+                <a:solidFill>
+                  <a:schemeClr val="tx1">
+                    <a:lumMod val="75000"/>
+                    <a:lumOff val="25000"/>
+                  </a:schemeClr>
+                </a:solidFill>
+                <a:latin typeface="+mn-lt"/>
+                <a:ea typeface="+mn-ea"/>
+                <a:cs typeface="+mn-cs"/>
+              </a:defRPr>
+            </a:lvl6pPr>
+            <a:lvl7pPr marL="2971800" indent="-228600" algn="l" defTabSz="457200" rtl="0" eaLnBrk="1" latinLnBrk="0" hangingPunct="1">
+              <a:spcBef>
+                <a:spcPts val="1000"/>
+              </a:spcBef>
+              <a:spcAft>
+                <a:spcPts val="0"/>
+              </a:spcAft>
+              <a:buClr>
+                <a:schemeClr val="accent1"/>
+              </a:buClr>
+              <a:buSzPct val="80000"/>
+              <a:buFont typeface="Wingdings 3" charset="2"/>
+              <a:buChar char=""/>
+              <a:defRPr sz="1200" kern="1200">
+                <a:solidFill>
+                  <a:schemeClr val="tx1">
+                    <a:lumMod val="75000"/>
+                    <a:lumOff val="25000"/>
+                  </a:schemeClr>
+                </a:solidFill>
+                <a:latin typeface="+mn-lt"/>
+                <a:ea typeface="+mn-ea"/>
+                <a:cs typeface="+mn-cs"/>
+              </a:defRPr>
+            </a:lvl7pPr>
+            <a:lvl8pPr marL="3429000" indent="-228600" algn="l" defTabSz="457200" rtl="0" eaLnBrk="1" latinLnBrk="0" hangingPunct="1">
+              <a:spcBef>
+                <a:spcPts val="1000"/>
+              </a:spcBef>
+              <a:spcAft>
+                <a:spcPts val="0"/>
+              </a:spcAft>
+              <a:buClr>
+                <a:schemeClr val="accent1"/>
+              </a:buClr>
+              <a:buSzPct val="80000"/>
+              <a:buFont typeface="Wingdings 3" charset="2"/>
+              <a:buChar char=""/>
+              <a:defRPr sz="1200" kern="1200">
+                <a:solidFill>
+                  <a:schemeClr val="tx1">
+                    <a:lumMod val="75000"/>
+                    <a:lumOff val="25000"/>
+                  </a:schemeClr>
+                </a:solidFill>
+                <a:latin typeface="+mn-lt"/>
+                <a:ea typeface="+mn-ea"/>
+                <a:cs typeface="+mn-cs"/>
+              </a:defRPr>
+            </a:lvl8pPr>
+            <a:lvl9pPr marL="3886200" indent="-228600" algn="l" defTabSz="457200" rtl="0" eaLnBrk="1" latinLnBrk="0" hangingPunct="1">
+              <a:spcBef>
+                <a:spcPts val="1000"/>
+              </a:spcBef>
+              <a:spcAft>
+                <a:spcPts val="0"/>
+              </a:spcAft>
+              <a:buClr>
+                <a:schemeClr val="accent1"/>
+              </a:buClr>
+              <a:buSzPct val="80000"/>
+              <a:buFont typeface="Wingdings 3" charset="2"/>
+              <a:buChar char=""/>
+              <a:defRPr sz="1200" kern="1200">
+                <a:solidFill>
+                  <a:schemeClr val="tx1">
+                    <a:lumMod val="75000"/>
+                    <a:lumOff val="25000"/>
+                  </a:schemeClr>
+                </a:solidFill>
+                <a:latin typeface="+mn-lt"/>
+                <a:ea typeface="+mn-ea"/>
+                <a:cs typeface="+mn-cs"/>
+              </a:defRPr>
+            </a:lvl9pPr>
+          </a:lstStyle>
+          <a:p>
+            <a:r>
+              <a:rPr lang="en-US" dirty="0"/>
+              <a:t>Supports a star network topology with typically one Primary Receiver and up to 8 Primary Transmitters </a:t>
+            </a:r>
+          </a:p>
+          <a:p>
+            <a:r>
+              <a:rPr lang="en-US" dirty="0"/>
+              <a:t>1 to 32 bytes dynamic payload length in legacy mode</a:t>
+            </a:r>
+          </a:p>
+          <a:p>
+            <a:r>
+              <a:rPr lang="en-US" dirty="0"/>
+              <a:t>1 to 252 bytes static payload length between nRF5 Series devices</a:t>
+            </a:r>
+          </a:p>
+          <a:p>
+            <a:r>
+              <a:rPr lang="en-US" dirty="0"/>
+              <a:t>Bidirectional data transfer between receiver and </a:t>
+            </a:r>
+            <a:r>
+              <a:rPr lang="en-US" dirty="0" err="1"/>
+              <a:t>tranceiver</a:t>
+            </a:r>
+            <a:endParaRPr lang="en-US" dirty="0"/>
+          </a:p>
+          <a:p>
+            <a:r>
+              <a:rPr lang="en-US" dirty="0"/>
+              <a:t>Packet acknowledgment and automatic packet retransmission</a:t>
+            </a:r>
+          </a:p>
+        </p:txBody>
+      </p:sp>
+    </p:spTree>
+    <p:extLst>
+      <p:ext uri="{BB962C8B-B14F-4D97-AF65-F5344CB8AC3E}">
+        <p14:creationId xmlns:p14="http://schemas.microsoft.com/office/powerpoint/2010/main" val="2955478686"/>
+      </p:ext>
+    </p:extLst>
+  </p:cSld>
+  <p:clrMapOvr>
+    <a:masterClrMapping/>
+  </p:clrMapOvr>
+</p:sld>
+</file>
+
+<file path=ppt/slides/slide39.xml><?xml version="1.0" encoding="utf-8"?>
+<p:sld xmlns:a="http://schemas.openxmlformats.org/drawingml/2006/main" xmlns:r="http://schemas.openxmlformats.org/officeDocument/2006/relationships" xmlns:p="http://schemas.openxmlformats.org/presentationml/2006/main">
+  <p:cSld>
+    <p:spTree>
+      <p:nvGrpSpPr>
+        <p:cNvPr id="1" name=""/>
+        <p:cNvGrpSpPr/>
+        <p:nvPr/>
+      </p:nvGrpSpPr>
+      <p:grpSpPr>
+        <a:xfrm>
+          <a:off x="0" y="0"/>
+          <a:ext cx="0" cy="0"/>
+          <a:chOff x="0" y="0"/>
+          <a:chExt cx="0" cy="0"/>
+        </a:xfrm>
+      </p:grpSpPr>
+      <p:sp>
+        <p:nvSpPr>
+          <p:cNvPr id="2" name="Title 1">
+            <a:extLst>
+              <a:ext uri="{FF2B5EF4-FFF2-40B4-BE49-F238E27FC236}">
+                <a16:creationId xmlns:a16="http://schemas.microsoft.com/office/drawing/2014/main" id="{8BD06653-9412-4566-A232-3521A54BA110}"/>
+              </a:ext>
+            </a:extLst>
+          </p:cNvPr>
+          <p:cNvSpPr>
+            <a:spLocks noGrp="1"/>
+          </p:cNvSpPr>
+          <p:nvPr>
+            <p:ph type="title"/>
+          </p:nvPr>
+        </p:nvSpPr>
+        <p:spPr/>
+        <p:txBody>
+          <a:bodyPr/>
+          <a:lstStyle/>
+          <a:p>
+            <a:r>
+              <a:rPr lang="en-US" dirty="0"/>
+              <a:t>Wireless Node vs </a:t>
+            </a:r>
+            <a:r>
+              <a:rPr lang="en-US" dirty="0" err="1"/>
+              <a:t>AgrIoT</a:t>
+            </a:r>
+            <a:r>
+              <a:rPr lang="en-US" dirty="0"/>
+              <a:t> Sensor Node</a:t>
+            </a:r>
+          </a:p>
+        </p:txBody>
+      </p:sp>
+      <p:graphicFrame>
+        <p:nvGraphicFramePr>
+          <p:cNvPr id="5" name="Table 5">
+            <a:extLst>
+              <a:ext uri="{FF2B5EF4-FFF2-40B4-BE49-F238E27FC236}">
+                <a16:creationId xmlns:a16="http://schemas.microsoft.com/office/drawing/2014/main" id="{53DACB4D-7553-4EC1-A627-3A065AA7AA6A}"/>
+              </a:ext>
+            </a:extLst>
+          </p:cNvPr>
+          <p:cNvGraphicFramePr>
+            <a:graphicFrameLocks noGrp="1"/>
+          </p:cNvGraphicFramePr>
+          <p:nvPr>
+            <p:ph idx="1"/>
+            <p:extLst>
+              <p:ext uri="{D42A27DB-BD31-4B8C-83A1-F6EECF244321}">
+                <p14:modId xmlns:p14="http://schemas.microsoft.com/office/powerpoint/2010/main" val="2811458189"/>
+              </p:ext>
+            </p:extLst>
+          </p:nvPr>
+        </p:nvGraphicFramePr>
+        <p:xfrm>
+          <a:off x="677690" y="1766693"/>
+          <a:ext cx="8596312" cy="1854200"/>
+        </p:xfrm>
+        <a:graphic>
+          <a:graphicData uri="http://schemas.openxmlformats.org/drawingml/2006/table">
+            <a:tbl>
+              <a:tblPr firstRow="1" bandRow="1">
+                <a:tableStyleId>{5C22544A-7EE6-4342-B048-85BDC9FD1C3A}</a:tableStyleId>
+              </a:tblPr>
+              <a:tblGrid>
+                <a:gridCol w="4298156">
+                  <a:extLst>
+                    <a:ext uri="{9D8B030D-6E8A-4147-A177-3AD203B41FA5}">
+                      <a16:colId xmlns:a16="http://schemas.microsoft.com/office/drawing/2014/main" val="4017160686"/>
+                    </a:ext>
+                  </a:extLst>
+                </a:gridCol>
+                <a:gridCol w="4298156">
+                  <a:extLst>
+                    <a:ext uri="{9D8B030D-6E8A-4147-A177-3AD203B41FA5}">
+                      <a16:colId xmlns:a16="http://schemas.microsoft.com/office/drawing/2014/main" val="3696898720"/>
+                    </a:ext>
+                  </a:extLst>
+                </a:gridCol>
+              </a:tblGrid>
+              <a:tr h="370840">
+                <a:tc>
+                  <a:txBody>
+                    <a:bodyPr/>
+                    <a:lstStyle/>
+                    <a:p>
+                      <a:r>
+                        <a:rPr lang="en-US" dirty="0"/>
+                        <a:t>Wireless Node</a:t>
+                      </a:r>
+                    </a:p>
+                  </a:txBody>
+                  <a:tcPr/>
+                </a:tc>
+                <a:tc>
+                  <a:txBody>
+                    <a:bodyPr/>
+                    <a:lstStyle/>
+                    <a:p>
+                      <a:r>
+                        <a:rPr lang="en-US" dirty="0" err="1"/>
+                        <a:t>AgrIoT</a:t>
+                      </a:r>
+                      <a:r>
+                        <a:rPr lang="en-US" dirty="0"/>
+                        <a:t> Sensor Node</a:t>
+                      </a:r>
+                    </a:p>
+                  </a:txBody>
+                  <a:tcPr/>
+                </a:tc>
+                <a:extLst>
+                  <a:ext uri="{0D108BD9-81ED-4DB2-BD59-A6C34878D82A}">
+                    <a16:rowId xmlns:a16="http://schemas.microsoft.com/office/drawing/2014/main" val="2867458549"/>
+                  </a:ext>
+                </a:extLst>
+              </a:tr>
+              <a:tr h="370840">
+                <a:tc>
+                  <a:txBody>
+                    <a:bodyPr/>
+                    <a:lstStyle/>
+                    <a:p>
+                      <a:r>
+                        <a:rPr lang="en-US" dirty="0"/>
+                        <a:t>BPSK modulation</a:t>
+                      </a:r>
+                    </a:p>
+                  </a:txBody>
+                  <a:tcPr/>
+                </a:tc>
+                <a:tc>
+                  <a:txBody>
+                    <a:bodyPr/>
+                    <a:lstStyle/>
+                    <a:p>
+                      <a:r>
+                        <a:rPr lang="en-US" dirty="0"/>
+                        <a:t>GFSK modulation</a:t>
+                      </a:r>
+                    </a:p>
+                  </a:txBody>
+                  <a:tcPr/>
+                </a:tc>
+                <a:extLst>
+                  <a:ext uri="{0D108BD9-81ED-4DB2-BD59-A6C34878D82A}">
+                    <a16:rowId xmlns:a16="http://schemas.microsoft.com/office/drawing/2014/main" val="3316195186"/>
+                  </a:ext>
+                </a:extLst>
+              </a:tr>
+              <a:tr h="370840">
+                <a:tc>
+                  <a:txBody>
+                    <a:bodyPr/>
+                    <a:lstStyle/>
+                    <a:p>
+                      <a:r>
+                        <a:rPr lang="en-US" dirty="0"/>
+                        <a:t>Dynamic software addressing</a:t>
+                      </a:r>
+                    </a:p>
+                  </a:txBody>
+                  <a:tcPr/>
+                </a:tc>
+                <a:tc>
+                  <a:txBody>
+                    <a:bodyPr/>
+                    <a:lstStyle/>
+                    <a:p>
+                      <a:r>
+                        <a:rPr lang="en-US" dirty="0"/>
+                        <a:t>Static software addressing</a:t>
+                      </a:r>
+                    </a:p>
+                  </a:txBody>
+                  <a:tcPr/>
+                </a:tc>
+                <a:extLst>
+                  <a:ext uri="{0D108BD9-81ED-4DB2-BD59-A6C34878D82A}">
+                    <a16:rowId xmlns:a16="http://schemas.microsoft.com/office/drawing/2014/main" val="3195423793"/>
+                  </a:ext>
+                </a:extLst>
+              </a:tr>
+              <a:tr h="370840">
+                <a:tc>
+                  <a:txBody>
+                    <a:bodyPr/>
+                    <a:lstStyle/>
+                    <a:p>
+                      <a:r>
+                        <a:rPr lang="en-US" dirty="0"/>
+                        <a:t>IEEE802.11</a:t>
+                      </a:r>
+                    </a:p>
+                  </a:txBody>
+                  <a:tcPr/>
+                </a:tc>
+                <a:tc>
+                  <a:txBody>
+                    <a:bodyPr/>
+                    <a:lstStyle/>
+                    <a:p>
+                      <a:r>
+                        <a:rPr lang="en-US" dirty="0"/>
+                        <a:t>Enhanced </a:t>
+                      </a:r>
+                      <a:r>
+                        <a:rPr lang="en-US" dirty="0" err="1"/>
+                        <a:t>Shockburst</a:t>
+                      </a:r>
+                      <a:endParaRPr lang="en-US" dirty="0"/>
+                    </a:p>
+                  </a:txBody>
+                  <a:tcPr/>
+                </a:tc>
+                <a:extLst>
+                  <a:ext uri="{0D108BD9-81ED-4DB2-BD59-A6C34878D82A}">
+                    <a16:rowId xmlns:a16="http://schemas.microsoft.com/office/drawing/2014/main" val="581717192"/>
+                  </a:ext>
+                </a:extLst>
+              </a:tr>
+              <a:tr h="370840">
+                <a:tc>
+                  <a:txBody>
+                    <a:bodyPr/>
+                    <a:lstStyle/>
+                    <a:p>
+                      <a:r>
+                        <a:rPr lang="en-US" dirty="0"/>
+                        <a:t>IP based networking</a:t>
+                      </a:r>
+                    </a:p>
+                  </a:txBody>
+                  <a:tcPr/>
+                </a:tc>
+                <a:tc>
+                  <a:txBody>
+                    <a:bodyPr/>
+                    <a:lstStyle/>
+                    <a:p>
+                      <a:r>
+                        <a:rPr lang="en-US" dirty="0"/>
+                        <a:t>Custom Mesh network protocol</a:t>
+                      </a:r>
+                    </a:p>
+                  </a:txBody>
+                  <a:tcPr/>
+                </a:tc>
+                <a:extLst>
+                  <a:ext uri="{0D108BD9-81ED-4DB2-BD59-A6C34878D82A}">
+                    <a16:rowId xmlns:a16="http://schemas.microsoft.com/office/drawing/2014/main" val="1928328126"/>
+                  </a:ext>
+                </a:extLst>
+              </a:tr>
+            </a:tbl>
+          </a:graphicData>
+        </a:graphic>
+      </p:graphicFrame>
+      <p:sp>
+        <p:nvSpPr>
+          <p:cNvPr id="4" name="TextBox 3">
+            <a:extLst>
+              <a:ext uri="{FF2B5EF4-FFF2-40B4-BE49-F238E27FC236}">
+                <a16:creationId xmlns:a16="http://schemas.microsoft.com/office/drawing/2014/main" id="{D4882996-CF59-47E8-B01C-E02A93D975D1}"/>
+              </a:ext>
+            </a:extLst>
+          </p:cNvPr>
+          <p:cNvSpPr txBox="1"/>
+          <p:nvPr/>
+        </p:nvSpPr>
+        <p:spPr>
+          <a:xfrm>
+            <a:off x="448733" y="6377940"/>
+            <a:ext cx="2029424" cy="369332"/>
+          </a:xfrm>
+          <a:prstGeom prst="rect">
+            <a:avLst/>
+          </a:prstGeom>
+          <a:noFill/>
+        </p:spPr>
+        <p:txBody>
+          <a:bodyPr wrap="square" rtlCol="0">
+            <a:spAutoFit/>
+          </a:bodyPr>
+          <a:lstStyle/>
+          <a:p>
+            <a:r>
+              <a:rPr lang="en-US" dirty="0"/>
+              <a:t>22/05/2020</a:t>
+            </a:r>
+          </a:p>
+        </p:txBody>
+      </p:sp>
+    </p:spTree>
+    <p:extLst>
+      <p:ext uri="{BB962C8B-B14F-4D97-AF65-F5344CB8AC3E}">
+        <p14:creationId xmlns:p14="http://schemas.microsoft.com/office/powerpoint/2010/main" val="238582756"/>
+      </p:ext>
+    </p:extLst>
+  </p:cSld>
+  <p:clrMapOvr>
+    <a:masterClrMapping/>
+  </p:clrMapOvr>
+</p:sld>
+</file>
+
+<file path=ppt/slides/slide4.xml><?xml version="1.0" encoding="utf-8"?>
+<p:sld xmlns:a="http://schemas.openxmlformats.org/drawingml/2006/main" xmlns:r="http://schemas.openxmlformats.org/officeDocument/2006/relationships" xmlns:p="http://schemas.openxmlformats.org/presentationml/2006/main">
+  <p:cSld>
+    <p:spTree>
+      <p:nvGrpSpPr>
+        <p:cNvPr id="1" name=""/>
+        <p:cNvGrpSpPr/>
+        <p:nvPr/>
+      </p:nvGrpSpPr>
+      <p:grpSpPr>
+        <a:xfrm>
+          <a:off x="0" y="0"/>
+          <a:ext cx="0" cy="0"/>
+          <a:chOff x="0" y="0"/>
+          <a:chExt cx="0" cy="0"/>
+        </a:xfrm>
+      </p:grpSpPr>
+      <p:sp>
+        <p:nvSpPr>
+          <p:cNvPr id="2" name="Title 1">
+            <a:extLst>
+              <a:ext uri="{FF2B5EF4-FFF2-40B4-BE49-F238E27FC236}">
+                <a16:creationId xmlns:a16="http://schemas.microsoft.com/office/drawing/2014/main" id="{7E9FEDF5-2D73-48A6-A5B1-81F7CDEF2E7B}"/>
+              </a:ext>
+            </a:extLst>
+          </p:cNvPr>
+          <p:cNvSpPr>
+            <a:spLocks noGrp="1"/>
+          </p:cNvSpPr>
+          <p:nvPr>
+            <p:ph type="title"/>
+          </p:nvPr>
+        </p:nvSpPr>
+        <p:spPr/>
+        <p:txBody>
+          <a:bodyPr/>
+          <a:lstStyle/>
+          <a:p>
+            <a:r>
+              <a:rPr lang="en-US" dirty="0"/>
+              <a:t>Phase 2</a:t>
+            </a:r>
+          </a:p>
+        </p:txBody>
+      </p:sp>
+      <p:sp>
+        <p:nvSpPr>
+          <p:cNvPr id="3" name="Content Placeholder 2">
+            <a:extLst>
+              <a:ext uri="{FF2B5EF4-FFF2-40B4-BE49-F238E27FC236}">
+                <a16:creationId xmlns:a16="http://schemas.microsoft.com/office/drawing/2014/main" id="{01E20B41-F535-4791-A080-1DD48CDAE6D8}"/>
+              </a:ext>
+            </a:extLst>
+          </p:cNvPr>
+          <p:cNvSpPr>
+            <a:spLocks noGrp="1"/>
+          </p:cNvSpPr>
+          <p:nvPr>
+            <p:ph idx="1"/>
+          </p:nvPr>
+        </p:nvSpPr>
+        <p:spPr/>
+        <p:txBody>
+          <a:bodyPr/>
+          <a:lstStyle/>
+          <a:p>
+            <a:pPr lvl="1"/>
+            <a:r>
+              <a:rPr lang="en-US" dirty="0"/>
+              <a:t>Done by:</a:t>
+            </a:r>
+          </a:p>
+          <a:p>
+            <a:pPr lvl="2">
+              <a:buFont typeface="Arial" panose="020B0604020202020204" pitchFamily="34" charset="0"/>
+              <a:buChar char="•"/>
+            </a:pPr>
+            <a:r>
+              <a:rPr lang="en-US" dirty="0"/>
+              <a:t>A.L.D.S. Liyanage</a:t>
+            </a:r>
+          </a:p>
+          <a:p>
+            <a:pPr lvl="2">
+              <a:buFont typeface="Arial" panose="020B0604020202020204" pitchFamily="34" charset="0"/>
+              <a:buChar char="•"/>
+            </a:pPr>
+            <a:r>
+              <a:rPr lang="en-US" dirty="0"/>
+              <a:t>K.Kirishikesan</a:t>
+            </a:r>
+          </a:p>
+          <a:p>
+            <a:pPr lvl="1">
+              <a:buFont typeface="Arial" panose="020B0604020202020204" pitchFamily="34" charset="0"/>
+              <a:buChar char="•"/>
+            </a:pPr>
+            <a:endParaRPr lang="en-US" dirty="0"/>
+          </a:p>
+          <a:p>
+            <a:pPr lvl="1"/>
+            <a:r>
+              <a:rPr lang="en-US" dirty="0"/>
+              <a:t>A communication protocol between sensor nodes and the drone</a:t>
+            </a:r>
+          </a:p>
+          <a:p>
+            <a:pPr lvl="1"/>
+            <a:r>
+              <a:rPr lang="en-US" dirty="0"/>
+              <a:t>Mesh network of nodes</a:t>
+            </a:r>
+          </a:p>
+          <a:p>
+            <a:pPr lvl="1">
+              <a:buFont typeface="Arial" panose="020B0604020202020204" pitchFamily="34" charset="0"/>
+              <a:buChar char="•"/>
+            </a:pPr>
+            <a:endParaRPr lang="en-US" dirty="0"/>
+          </a:p>
+          <a:p>
+            <a:endParaRPr lang="en-US" dirty="0"/>
+          </a:p>
+        </p:txBody>
+      </p:sp>
+      <p:sp>
+        <p:nvSpPr>
+          <p:cNvPr id="4" name="TextBox 3">
+            <a:extLst>
+              <a:ext uri="{FF2B5EF4-FFF2-40B4-BE49-F238E27FC236}">
+                <a16:creationId xmlns:a16="http://schemas.microsoft.com/office/drawing/2014/main" id="{CAB4A908-153C-4510-9574-44603F4709E0}"/>
+              </a:ext>
+            </a:extLst>
+          </p:cNvPr>
+          <p:cNvSpPr txBox="1"/>
+          <p:nvPr/>
+        </p:nvSpPr>
+        <p:spPr>
+          <a:xfrm>
+            <a:off x="448733" y="6377940"/>
+            <a:ext cx="2029424" cy="369332"/>
+          </a:xfrm>
+          <a:prstGeom prst="rect">
+            <a:avLst/>
+          </a:prstGeom>
+          <a:noFill/>
+        </p:spPr>
+        <p:txBody>
+          <a:bodyPr wrap="square" rtlCol="0">
+            <a:spAutoFit/>
+          </a:bodyPr>
+          <a:lstStyle/>
+          <a:p>
+            <a:r>
+              <a:rPr lang="en-US" dirty="0"/>
+              <a:t>01/05/2020</a:t>
+            </a:r>
+          </a:p>
+        </p:txBody>
+      </p:sp>
+    </p:spTree>
+    <p:extLst>
+      <p:ext uri="{BB962C8B-B14F-4D97-AF65-F5344CB8AC3E}">
+        <p14:creationId xmlns:p14="http://schemas.microsoft.com/office/powerpoint/2010/main" val="1908332860"/>
+      </p:ext>
+    </p:extLst>
+  </p:cSld>
+  <p:clrMapOvr>
+    <a:masterClrMapping/>
+  </p:clrMapOvr>
+</p:sld>
+</file>
+
+<file path=ppt/slides/slide40.xml><?xml version="1.0" encoding="utf-8"?>
+<p:sld xmlns:a="http://schemas.openxmlformats.org/drawingml/2006/main" xmlns:r="http://schemas.openxmlformats.org/officeDocument/2006/relationships" xmlns:p="http://schemas.openxmlformats.org/presentationml/2006/main">
+  <p:cSld>
+    <p:spTree>
+      <p:nvGrpSpPr>
+        <p:cNvPr id="1" name=""/>
+        <p:cNvGrpSpPr/>
+        <p:nvPr/>
+      </p:nvGrpSpPr>
+      <p:grpSpPr>
+        <a:xfrm>
+          <a:off x="0" y="0"/>
+          <a:ext cx="0" cy="0"/>
+          <a:chOff x="0" y="0"/>
+          <a:chExt cx="0" cy="0"/>
+        </a:xfrm>
+      </p:grpSpPr>
+      <p:sp>
+        <p:nvSpPr>
+          <p:cNvPr id="2" name="Title 1">
+            <a:extLst>
+              <a:ext uri="{FF2B5EF4-FFF2-40B4-BE49-F238E27FC236}">
+                <a16:creationId xmlns:a16="http://schemas.microsoft.com/office/drawing/2014/main" id="{8BD06653-9412-4566-A232-3521A54BA110}"/>
+              </a:ext>
+            </a:extLst>
+          </p:cNvPr>
+          <p:cNvSpPr>
+            <a:spLocks noGrp="1"/>
+          </p:cNvSpPr>
+          <p:nvPr>
+            <p:ph type="title"/>
+          </p:nvPr>
+        </p:nvSpPr>
+        <p:spPr/>
+        <p:txBody>
+          <a:bodyPr/>
+          <a:lstStyle/>
+          <a:p>
+            <a:r>
+              <a:rPr lang="en-US" dirty="0"/>
+              <a:t>Next Week Goals</a:t>
+            </a:r>
+          </a:p>
+        </p:txBody>
+      </p:sp>
+      <p:sp>
+        <p:nvSpPr>
+          <p:cNvPr id="3" name="Content Placeholder 2">
+            <a:extLst>
+              <a:ext uri="{FF2B5EF4-FFF2-40B4-BE49-F238E27FC236}">
+                <a16:creationId xmlns:a16="http://schemas.microsoft.com/office/drawing/2014/main" id="{71BE7242-5254-425E-B2B0-1FD3A5151D36}"/>
+              </a:ext>
+            </a:extLst>
+          </p:cNvPr>
+          <p:cNvSpPr>
+            <a:spLocks noGrp="1"/>
+          </p:cNvSpPr>
+          <p:nvPr>
+            <p:ph idx="1"/>
+          </p:nvPr>
+        </p:nvSpPr>
+        <p:spPr/>
+        <p:txBody>
+          <a:bodyPr/>
+          <a:lstStyle/>
+          <a:p>
+            <a:pPr lvl="1"/>
+            <a:r>
+              <a:rPr lang="en-US" dirty="0"/>
+              <a:t>Build a Node with the proposed structure</a:t>
+            </a:r>
+          </a:p>
+          <a:p>
+            <a:pPr lvl="2"/>
+            <a:endParaRPr lang="en-US" dirty="0"/>
+          </a:p>
+        </p:txBody>
+      </p:sp>
+      <p:sp>
+        <p:nvSpPr>
+          <p:cNvPr id="4" name="TextBox 3">
+            <a:extLst>
+              <a:ext uri="{FF2B5EF4-FFF2-40B4-BE49-F238E27FC236}">
+                <a16:creationId xmlns:a16="http://schemas.microsoft.com/office/drawing/2014/main" id="{D4882996-CF59-47E8-B01C-E02A93D975D1}"/>
+              </a:ext>
+            </a:extLst>
+          </p:cNvPr>
+          <p:cNvSpPr txBox="1"/>
+          <p:nvPr/>
+        </p:nvSpPr>
+        <p:spPr>
+          <a:xfrm>
+            <a:off x="448733" y="6377940"/>
+            <a:ext cx="2029424" cy="369332"/>
+          </a:xfrm>
+          <a:prstGeom prst="rect">
+            <a:avLst/>
+          </a:prstGeom>
+          <a:noFill/>
+        </p:spPr>
+        <p:txBody>
+          <a:bodyPr wrap="square" rtlCol="0">
+            <a:spAutoFit/>
+          </a:bodyPr>
+          <a:lstStyle/>
+          <a:p>
+            <a:r>
+              <a:rPr lang="en-US" dirty="0"/>
+              <a:t>22/05/2020</a:t>
+            </a:r>
+          </a:p>
+        </p:txBody>
+      </p:sp>
+    </p:spTree>
+    <p:extLst>
+      <p:ext uri="{BB962C8B-B14F-4D97-AF65-F5344CB8AC3E}">
+        <p14:creationId xmlns:p14="http://schemas.microsoft.com/office/powerpoint/2010/main" val="1139693164"/>
+      </p:ext>
+    </p:extLst>
+  </p:cSld>
+  <p:clrMapOvr>
+    <a:masterClrMapping/>
+  </p:clrMapOvr>
+</p:sld>
+</file>
+
+<file path=ppt/slides/slide41.xml><?xml version="1.0" encoding="utf-8"?>
+<p:sld xmlns:a="http://schemas.openxmlformats.org/drawingml/2006/main" xmlns:r="http://schemas.openxmlformats.org/officeDocument/2006/relationships" xmlns:p="http://schemas.openxmlformats.org/presentationml/2006/main">
+  <p:cSld>
+    <p:spTree>
+      <p:nvGrpSpPr>
+        <p:cNvPr id="1" name=""/>
+        <p:cNvGrpSpPr/>
+        <p:nvPr/>
+      </p:nvGrpSpPr>
+      <p:grpSpPr>
+        <a:xfrm>
+          <a:off x="0" y="0"/>
+          <a:ext cx="0" cy="0"/>
+          <a:chOff x="0" y="0"/>
+          <a:chExt cx="0" cy="0"/>
+        </a:xfrm>
+      </p:grpSpPr>
+      <p:sp>
+        <p:nvSpPr>
+          <p:cNvPr id="2" name="Title 1">
+            <a:extLst>
+              <a:ext uri="{FF2B5EF4-FFF2-40B4-BE49-F238E27FC236}">
+                <a16:creationId xmlns:a16="http://schemas.microsoft.com/office/drawing/2014/main" id="{8BD06653-9412-4566-A232-3521A54BA110}"/>
+              </a:ext>
+            </a:extLst>
+          </p:cNvPr>
+          <p:cNvSpPr>
+            <a:spLocks noGrp="1"/>
+          </p:cNvSpPr>
+          <p:nvPr>
+            <p:ph type="title"/>
+          </p:nvPr>
+        </p:nvSpPr>
+        <p:spPr/>
+        <p:txBody>
+          <a:bodyPr/>
+          <a:lstStyle/>
+          <a:p>
+            <a:r>
+              <a:rPr lang="en-US" dirty="0"/>
+              <a:t>This week progress</a:t>
+            </a:r>
+          </a:p>
+        </p:txBody>
+      </p:sp>
+      <p:sp>
+        <p:nvSpPr>
+          <p:cNvPr id="3" name="Content Placeholder 2">
+            <a:extLst>
+              <a:ext uri="{FF2B5EF4-FFF2-40B4-BE49-F238E27FC236}">
+                <a16:creationId xmlns:a16="http://schemas.microsoft.com/office/drawing/2014/main" id="{71BE7242-5254-425E-B2B0-1FD3A5151D36}"/>
+              </a:ext>
+            </a:extLst>
+          </p:cNvPr>
+          <p:cNvSpPr>
+            <a:spLocks noGrp="1"/>
+          </p:cNvSpPr>
+          <p:nvPr>
+            <p:ph idx="1"/>
+          </p:nvPr>
+        </p:nvSpPr>
+        <p:spPr/>
+        <p:txBody>
+          <a:bodyPr/>
+          <a:lstStyle/>
+          <a:p>
+            <a:pPr lvl="1"/>
+            <a:r>
+              <a:rPr lang="en-US" dirty="0"/>
+              <a:t>Modelled the radio medium.</a:t>
+            </a:r>
+          </a:p>
+          <a:p>
+            <a:pPr lvl="1"/>
+            <a:r>
+              <a:rPr lang="en-US" dirty="0"/>
+              <a:t>Modelled the radio</a:t>
+            </a:r>
+          </a:p>
+          <a:p>
+            <a:pPr lvl="1"/>
+            <a:r>
+              <a:rPr lang="en-US" dirty="0"/>
+              <a:t>Included a mobile node with a defined path………….. Using Integrated Visualizer</a:t>
+            </a:r>
+          </a:p>
+          <a:p>
+            <a:pPr lvl="1"/>
+            <a:r>
+              <a:rPr lang="en-US" dirty="0"/>
+              <a:t>Completed a 3D simulation the integration of the drone node……….. Using OSG Visualizer</a:t>
+            </a:r>
+          </a:p>
+          <a:p>
+            <a:pPr lvl="1"/>
+            <a:r>
+              <a:rPr lang="en-US" dirty="0"/>
+              <a:t>Completed the power module</a:t>
+            </a:r>
+          </a:p>
+          <a:p>
+            <a:pPr lvl="2"/>
+            <a:endParaRPr lang="en-US" dirty="0"/>
+          </a:p>
+        </p:txBody>
+      </p:sp>
+      <p:sp>
+        <p:nvSpPr>
+          <p:cNvPr id="4" name="TextBox 3">
+            <a:extLst>
+              <a:ext uri="{FF2B5EF4-FFF2-40B4-BE49-F238E27FC236}">
+                <a16:creationId xmlns:a16="http://schemas.microsoft.com/office/drawing/2014/main" id="{D4882996-CF59-47E8-B01C-E02A93D975D1}"/>
+              </a:ext>
+            </a:extLst>
+          </p:cNvPr>
+          <p:cNvSpPr txBox="1"/>
+          <p:nvPr/>
+        </p:nvSpPr>
+        <p:spPr>
+          <a:xfrm>
+            <a:off x="448733" y="6377940"/>
+            <a:ext cx="2029424" cy="369332"/>
+          </a:xfrm>
+          <a:prstGeom prst="rect">
+            <a:avLst/>
+          </a:prstGeom>
+          <a:noFill/>
+        </p:spPr>
+        <p:txBody>
+          <a:bodyPr wrap="square" rtlCol="0">
+            <a:spAutoFit/>
+          </a:bodyPr>
+          <a:lstStyle/>
+          <a:p>
+            <a:r>
+              <a:rPr lang="en-US" dirty="0"/>
+              <a:t>29/05/2020</a:t>
+            </a:r>
+          </a:p>
+        </p:txBody>
+      </p:sp>
+    </p:spTree>
+    <p:extLst>
+      <p:ext uri="{BB962C8B-B14F-4D97-AF65-F5344CB8AC3E}">
+        <p14:creationId xmlns:p14="http://schemas.microsoft.com/office/powerpoint/2010/main" val="22753593"/>
+      </p:ext>
+    </p:extLst>
+  </p:cSld>
+  <p:clrMapOvr>
+    <a:masterClrMapping/>
+  </p:clrMapOvr>
+</p:sld>
+</file>
+
+<file path=ppt/slides/slide42.xml><?xml version="1.0" encoding="utf-8"?>
+<p:sld xmlns:a="http://schemas.openxmlformats.org/drawingml/2006/main" xmlns:r="http://schemas.openxmlformats.org/officeDocument/2006/relationships" xmlns:p="http://schemas.openxmlformats.org/presentationml/2006/main">
+  <p:cSld>
+    <p:spTree>
+      <p:nvGrpSpPr>
+        <p:cNvPr id="1" name=""/>
+        <p:cNvGrpSpPr/>
+        <p:nvPr/>
+      </p:nvGrpSpPr>
+      <p:grpSpPr>
+        <a:xfrm>
+          <a:off x="0" y="0"/>
+          <a:ext cx="0" cy="0"/>
+          <a:chOff x="0" y="0"/>
+          <a:chExt cx="0" cy="0"/>
+        </a:xfrm>
+      </p:grpSpPr>
+      <p:sp>
+        <p:nvSpPr>
+          <p:cNvPr id="2" name="Title 1">
+            <a:extLst>
+              <a:ext uri="{FF2B5EF4-FFF2-40B4-BE49-F238E27FC236}">
+                <a16:creationId xmlns:a16="http://schemas.microsoft.com/office/drawing/2014/main" id="{8BD06653-9412-4566-A232-3521A54BA110}"/>
+              </a:ext>
+            </a:extLst>
+          </p:cNvPr>
+          <p:cNvSpPr>
+            <a:spLocks noGrp="1"/>
+          </p:cNvSpPr>
+          <p:nvPr>
+            <p:ph type="title"/>
+          </p:nvPr>
+        </p:nvSpPr>
+        <p:spPr/>
+        <p:txBody>
+          <a:bodyPr/>
+          <a:lstStyle/>
+          <a:p>
+            <a:r>
+              <a:rPr lang="en-US" dirty="0"/>
+              <a:t>Radio Medium Modelling</a:t>
+            </a:r>
+          </a:p>
+        </p:txBody>
+      </p:sp>
+      <p:sp>
+        <p:nvSpPr>
+          <p:cNvPr id="3" name="Content Placeholder 2">
+            <a:extLst>
+              <a:ext uri="{FF2B5EF4-FFF2-40B4-BE49-F238E27FC236}">
+                <a16:creationId xmlns:a16="http://schemas.microsoft.com/office/drawing/2014/main" id="{71BE7242-5254-425E-B2B0-1FD3A5151D36}"/>
+              </a:ext>
+            </a:extLst>
+          </p:cNvPr>
+          <p:cNvSpPr>
+            <a:spLocks noGrp="1"/>
+          </p:cNvSpPr>
+          <p:nvPr>
+            <p:ph idx="1"/>
+          </p:nvPr>
+        </p:nvSpPr>
+        <p:spPr>
+          <a:xfrm>
+            <a:off x="677334" y="1488613"/>
+            <a:ext cx="8596668" cy="4889327"/>
+          </a:xfrm>
+        </p:spPr>
+        <p:txBody>
+          <a:bodyPr/>
+          <a:lstStyle/>
+          <a:p>
+            <a:pPr lvl="1"/>
+            <a:r>
+              <a:rPr lang="en-US" dirty="0"/>
+              <a:t>Modelled the radio medium by considering</a:t>
+            </a:r>
+          </a:p>
+          <a:p>
+            <a:pPr lvl="2"/>
+            <a:r>
+              <a:rPr lang="en-US" dirty="0"/>
+              <a:t>Cache frequency: 2.4 GHz</a:t>
+            </a:r>
+          </a:p>
+          <a:p>
+            <a:pPr lvl="2"/>
+            <a:r>
+              <a:rPr lang="en-US" dirty="0"/>
+              <a:t>Collision</a:t>
+            </a:r>
+          </a:p>
+          <a:p>
+            <a:pPr lvl="2"/>
+            <a:r>
+              <a:rPr lang="en-US" dirty="0"/>
+              <a:t>Interference: Two Ray Ground Reflection</a:t>
+            </a:r>
+          </a:p>
+          <a:p>
+            <a:pPr lvl="2"/>
+            <a:r>
+              <a:rPr lang="en-US" dirty="0" err="1"/>
+              <a:t>BitErrorRate</a:t>
+            </a:r>
+            <a:r>
+              <a:rPr lang="en-US" dirty="0"/>
+              <a:t>: 1% Error Rate</a:t>
+            </a:r>
+          </a:p>
+          <a:p>
+            <a:pPr lvl="2"/>
+            <a:r>
+              <a:rPr lang="en-US" dirty="0"/>
+              <a:t>Attenuation</a:t>
+            </a:r>
+          </a:p>
+          <a:p>
+            <a:pPr lvl="2"/>
+            <a:r>
+              <a:rPr lang="en-US" dirty="0"/>
+              <a:t>Modulation: GFSK modulation should be implemented but currently APSK is used </a:t>
+            </a:r>
+          </a:p>
+          <a:p>
+            <a:pPr lvl="1"/>
+            <a:endParaRPr lang="en-US" dirty="0"/>
+          </a:p>
+          <a:p>
+            <a:pPr lvl="2"/>
+            <a:endParaRPr lang="en-US" dirty="0"/>
+          </a:p>
+        </p:txBody>
+      </p:sp>
+      <p:sp>
+        <p:nvSpPr>
+          <p:cNvPr id="4" name="TextBox 3">
+            <a:extLst>
+              <a:ext uri="{FF2B5EF4-FFF2-40B4-BE49-F238E27FC236}">
+                <a16:creationId xmlns:a16="http://schemas.microsoft.com/office/drawing/2014/main" id="{D4882996-CF59-47E8-B01C-E02A93D975D1}"/>
+              </a:ext>
+            </a:extLst>
+          </p:cNvPr>
+          <p:cNvSpPr txBox="1"/>
+          <p:nvPr/>
+        </p:nvSpPr>
+        <p:spPr>
+          <a:xfrm>
+            <a:off x="448733" y="6377940"/>
+            <a:ext cx="2029424" cy="646331"/>
+          </a:xfrm>
+          <a:prstGeom prst="rect">
+            <a:avLst/>
+          </a:prstGeom>
+          <a:noFill/>
+        </p:spPr>
+        <p:txBody>
+          <a:bodyPr wrap="square" rtlCol="0">
+            <a:spAutoFit/>
+          </a:bodyPr>
+          <a:lstStyle/>
+          <a:p>
+            <a:r>
+              <a:rPr lang="en-US" dirty="0"/>
+              <a:t>29/05/2020</a:t>
+            </a:r>
+          </a:p>
+          <a:p>
+            <a:endParaRPr lang="en-US" dirty="0"/>
+          </a:p>
+        </p:txBody>
+      </p:sp>
+    </p:spTree>
+    <p:extLst>
+      <p:ext uri="{BB962C8B-B14F-4D97-AF65-F5344CB8AC3E}">
+        <p14:creationId xmlns:p14="http://schemas.microsoft.com/office/powerpoint/2010/main" val="875366872"/>
+      </p:ext>
+    </p:extLst>
+  </p:cSld>
+  <p:clrMapOvr>
+    <a:masterClrMapping/>
+  </p:clrMapOvr>
+</p:sld>
+</file>
+
+<file path=ppt/slides/slide43.xml><?xml version="1.0" encoding="utf-8"?>
+<p:sld xmlns:a="http://schemas.openxmlformats.org/drawingml/2006/main" xmlns:r="http://schemas.openxmlformats.org/officeDocument/2006/relationships" xmlns:p="http://schemas.openxmlformats.org/presentationml/2006/main">
+  <p:cSld>
+    <p:spTree>
+      <p:nvGrpSpPr>
+        <p:cNvPr id="1" name=""/>
+        <p:cNvGrpSpPr/>
+        <p:nvPr/>
+      </p:nvGrpSpPr>
+      <p:grpSpPr>
+        <a:xfrm>
+          <a:off x="0" y="0"/>
+          <a:ext cx="0" cy="0"/>
+          <a:chOff x="0" y="0"/>
+          <a:chExt cx="0" cy="0"/>
+        </a:xfrm>
+      </p:grpSpPr>
+      <p:sp>
+        <p:nvSpPr>
+          <p:cNvPr id="2" name="Title 1">
+            <a:extLst>
+              <a:ext uri="{FF2B5EF4-FFF2-40B4-BE49-F238E27FC236}">
+                <a16:creationId xmlns:a16="http://schemas.microsoft.com/office/drawing/2014/main" id="{8BD06653-9412-4566-A232-3521A54BA110}"/>
+              </a:ext>
+            </a:extLst>
+          </p:cNvPr>
+          <p:cNvSpPr>
+            <a:spLocks noGrp="1"/>
+          </p:cNvSpPr>
+          <p:nvPr>
+            <p:ph type="title"/>
+          </p:nvPr>
+        </p:nvSpPr>
+        <p:spPr/>
+        <p:txBody>
+          <a:bodyPr/>
+          <a:lstStyle/>
+          <a:p>
+            <a:r>
+              <a:rPr lang="en-US" dirty="0"/>
+              <a:t>Two Ray Ground Reflection</a:t>
+            </a:r>
+          </a:p>
+        </p:txBody>
+      </p:sp>
+      <p:sp>
+        <p:nvSpPr>
+          <p:cNvPr id="3" name="Content Placeholder 2">
+            <a:extLst>
+              <a:ext uri="{FF2B5EF4-FFF2-40B4-BE49-F238E27FC236}">
+                <a16:creationId xmlns:a16="http://schemas.microsoft.com/office/drawing/2014/main" id="{71BE7242-5254-425E-B2B0-1FD3A5151D36}"/>
+              </a:ext>
+            </a:extLst>
+          </p:cNvPr>
+          <p:cNvSpPr>
+            <a:spLocks noGrp="1"/>
+          </p:cNvSpPr>
+          <p:nvPr>
+            <p:ph idx="1"/>
+          </p:nvPr>
+        </p:nvSpPr>
+        <p:spPr>
+          <a:xfrm>
+            <a:off x="677334" y="1488613"/>
+            <a:ext cx="8596668" cy="4889327"/>
+          </a:xfrm>
+        </p:spPr>
+        <p:txBody>
+          <a:bodyPr/>
+          <a:lstStyle/>
+          <a:p>
+            <a:pPr lvl="1"/>
+            <a:endParaRPr lang="en-US" dirty="0"/>
+          </a:p>
+          <a:p>
+            <a:pPr lvl="2"/>
+            <a:endParaRPr lang="en-US" dirty="0"/>
+          </a:p>
+        </p:txBody>
+      </p:sp>
+      <p:sp>
+        <p:nvSpPr>
+          <p:cNvPr id="4" name="TextBox 3">
+            <a:extLst>
+              <a:ext uri="{FF2B5EF4-FFF2-40B4-BE49-F238E27FC236}">
+                <a16:creationId xmlns:a16="http://schemas.microsoft.com/office/drawing/2014/main" id="{D4882996-CF59-47E8-B01C-E02A93D975D1}"/>
+              </a:ext>
+            </a:extLst>
+          </p:cNvPr>
+          <p:cNvSpPr txBox="1"/>
+          <p:nvPr/>
+        </p:nvSpPr>
+        <p:spPr>
+          <a:xfrm>
+            <a:off x="448733" y="6377940"/>
+            <a:ext cx="2029424" cy="646331"/>
+          </a:xfrm>
+          <a:prstGeom prst="rect">
+            <a:avLst/>
+          </a:prstGeom>
+          <a:noFill/>
+        </p:spPr>
+        <p:txBody>
+          <a:bodyPr wrap="square" rtlCol="0">
+            <a:spAutoFit/>
+          </a:bodyPr>
+          <a:lstStyle/>
+          <a:p>
+            <a:r>
+              <a:rPr lang="en-US" dirty="0"/>
+              <a:t>29/05/2020</a:t>
+            </a:r>
+          </a:p>
+          <a:p>
+            <a:endParaRPr lang="en-US" dirty="0"/>
+          </a:p>
+        </p:txBody>
+      </p:sp>
+      <p:pic>
+        <p:nvPicPr>
+          <p:cNvPr id="6" name="Picture 5">
+            <a:extLst>
+              <a:ext uri="{FF2B5EF4-FFF2-40B4-BE49-F238E27FC236}">
+                <a16:creationId xmlns:a16="http://schemas.microsoft.com/office/drawing/2014/main" id="{6B84A130-4C3B-4F47-B3A9-E49F1ADE0D83}"/>
+              </a:ext>
+            </a:extLst>
+          </p:cNvPr>
+          <p:cNvPicPr>
+            <a:picLocks noChangeAspect="1"/>
+          </p:cNvPicPr>
+          <p:nvPr/>
+        </p:nvPicPr>
+        <p:blipFill>
+          <a:blip r:embed="rId2">
+            <a:extLst>
+              <a:ext uri="{28A0092B-C50C-407E-A947-70E740481C1C}">
+                <a14:useLocalDpi xmlns:a14="http://schemas.microsoft.com/office/drawing/2010/main" val="0"/>
+              </a:ext>
+            </a:extLst>
+          </a:blip>
+          <a:stretch>
+            <a:fillRect/>
+          </a:stretch>
+        </p:blipFill>
+        <p:spPr>
+          <a:xfrm>
+            <a:off x="1463445" y="2714848"/>
+            <a:ext cx="6155947" cy="2360688"/>
+          </a:xfrm>
+          <a:prstGeom prst="rect">
+            <a:avLst/>
+          </a:prstGeom>
+        </p:spPr>
+      </p:pic>
+      <p:sp>
+        <p:nvSpPr>
+          <p:cNvPr id="7" name="Content Placeholder 2">
+            <a:extLst>
+              <a:ext uri="{FF2B5EF4-FFF2-40B4-BE49-F238E27FC236}">
+                <a16:creationId xmlns:a16="http://schemas.microsoft.com/office/drawing/2014/main" id="{F0E7C2C2-30A0-43AF-86FD-84D29303C8BB}"/>
+              </a:ext>
+            </a:extLst>
+          </p:cNvPr>
+          <p:cNvSpPr txBox="1">
+            <a:spLocks/>
+          </p:cNvSpPr>
+          <p:nvPr/>
+        </p:nvSpPr>
+        <p:spPr>
+          <a:xfrm>
+            <a:off x="829734" y="1641013"/>
+            <a:ext cx="8596668" cy="4889327"/>
+          </a:xfrm>
+          <a:prstGeom prst="rect">
+            <a:avLst/>
+          </a:prstGeom>
+        </p:spPr>
+        <p:txBody>
+          <a:bodyPr vert="horz" lIns="91440" tIns="45720" rIns="91440" bIns="45720" rtlCol="0">
+            <a:normAutofit/>
+          </a:bodyPr>
+          <a:lstStyle>
+            <a:lvl1pPr marL="342900" indent="-342900" algn="l" defTabSz="457200" rtl="0" eaLnBrk="1" latinLnBrk="0" hangingPunct="1">
+              <a:spcBef>
+                <a:spcPts val="1000"/>
+              </a:spcBef>
+              <a:spcAft>
+                <a:spcPts val="0"/>
+              </a:spcAft>
+              <a:buClr>
+                <a:schemeClr val="accent1"/>
+              </a:buClr>
+              <a:buSzPct val="80000"/>
+              <a:buFont typeface="Wingdings 3" charset="2"/>
+              <a:buChar char=""/>
+              <a:defRPr sz="1800" kern="1200">
+                <a:solidFill>
+                  <a:schemeClr val="tx1">
+                    <a:lumMod val="75000"/>
+                    <a:lumOff val="25000"/>
+                  </a:schemeClr>
+                </a:solidFill>
+                <a:latin typeface="+mn-lt"/>
+                <a:ea typeface="+mn-ea"/>
+                <a:cs typeface="+mn-cs"/>
+              </a:defRPr>
+            </a:lvl1pPr>
+            <a:lvl2pPr marL="742950" indent="-285750" algn="l" defTabSz="457200" rtl="0" eaLnBrk="1" latinLnBrk="0" hangingPunct="1">
+              <a:spcBef>
+                <a:spcPts val="1000"/>
+              </a:spcBef>
+              <a:spcAft>
+                <a:spcPts val="0"/>
+              </a:spcAft>
+              <a:buClr>
+                <a:schemeClr val="accent1"/>
+              </a:buClr>
+              <a:buSzPct val="80000"/>
+              <a:buFont typeface="Wingdings 3" charset="2"/>
+              <a:buChar char=""/>
+              <a:defRPr sz="1600" kern="1200">
+                <a:solidFill>
+                  <a:schemeClr val="tx1">
+                    <a:lumMod val="75000"/>
+                    <a:lumOff val="25000"/>
+                  </a:schemeClr>
+                </a:solidFill>
+                <a:latin typeface="+mn-lt"/>
+                <a:ea typeface="+mn-ea"/>
+                <a:cs typeface="+mn-cs"/>
+              </a:defRPr>
+            </a:lvl2pPr>
+            <a:lvl3pPr marL="1143000" indent="-228600" algn="l" defTabSz="457200" rtl="0" eaLnBrk="1" latinLnBrk="0" hangingPunct="1">
+              <a:spcBef>
+                <a:spcPts val="1000"/>
+              </a:spcBef>
+              <a:spcAft>
+                <a:spcPts val="0"/>
+              </a:spcAft>
+              <a:buClr>
+                <a:schemeClr val="accent1"/>
+              </a:buClr>
+              <a:buSzPct val="80000"/>
+              <a:buFont typeface="Wingdings 3" charset="2"/>
+              <a:buChar char=""/>
+              <a:defRPr sz="1400" kern="1200">
+                <a:solidFill>
+                  <a:schemeClr val="tx1">
+                    <a:lumMod val="75000"/>
+                    <a:lumOff val="25000"/>
+                  </a:schemeClr>
+                </a:solidFill>
+                <a:latin typeface="+mn-lt"/>
+                <a:ea typeface="+mn-ea"/>
+                <a:cs typeface="+mn-cs"/>
+              </a:defRPr>
+            </a:lvl3pPr>
+            <a:lvl4pPr marL="1600200" indent="-228600" algn="l" defTabSz="457200" rtl="0" eaLnBrk="1" latinLnBrk="0" hangingPunct="1">
+              <a:spcBef>
+                <a:spcPts val="1000"/>
+              </a:spcBef>
+              <a:spcAft>
+                <a:spcPts val="0"/>
+              </a:spcAft>
+              <a:buClr>
+                <a:schemeClr val="accent1"/>
+              </a:buClr>
+              <a:buSzPct val="80000"/>
+              <a:buFont typeface="Wingdings 3" charset="2"/>
+              <a:buChar char=""/>
+              <a:defRPr sz="1200" kern="1200">
+                <a:solidFill>
+                  <a:schemeClr val="tx1">
+                    <a:lumMod val="75000"/>
+                    <a:lumOff val="25000"/>
+                  </a:schemeClr>
+                </a:solidFill>
+                <a:latin typeface="+mn-lt"/>
+                <a:ea typeface="+mn-ea"/>
+                <a:cs typeface="+mn-cs"/>
+              </a:defRPr>
+            </a:lvl4pPr>
+            <a:lvl5pPr marL="2057400" indent="-228600" algn="l" defTabSz="457200" rtl="0" eaLnBrk="1" latinLnBrk="0" hangingPunct="1">
+              <a:spcBef>
+                <a:spcPts val="1000"/>
+              </a:spcBef>
+              <a:spcAft>
+                <a:spcPts val="0"/>
+              </a:spcAft>
+              <a:buClr>
+                <a:schemeClr val="accent1"/>
+              </a:buClr>
+              <a:buSzPct val="80000"/>
+              <a:buFont typeface="Wingdings 3" charset="2"/>
+              <a:buChar char=""/>
+              <a:defRPr sz="1200" kern="1200">
+                <a:solidFill>
+                  <a:schemeClr val="tx1">
+                    <a:lumMod val="75000"/>
+                    <a:lumOff val="25000"/>
+                  </a:schemeClr>
+                </a:solidFill>
+                <a:latin typeface="+mn-lt"/>
+                <a:ea typeface="+mn-ea"/>
+                <a:cs typeface="+mn-cs"/>
+              </a:defRPr>
+            </a:lvl5pPr>
+            <a:lvl6pPr marL="2514600" indent="-228600" algn="l" defTabSz="457200" rtl="0" eaLnBrk="1" latinLnBrk="0" hangingPunct="1">
+              <a:spcBef>
+                <a:spcPts val="1000"/>
+              </a:spcBef>
+              <a:spcAft>
+                <a:spcPts val="0"/>
+              </a:spcAft>
+              <a:buClr>
+                <a:schemeClr val="accent1"/>
+              </a:buClr>
+              <a:buSzPct val="80000"/>
+              <a:buFont typeface="Wingdings 3" charset="2"/>
+              <a:buChar char=""/>
+              <a:defRPr sz="1200" kern="1200">
+                <a:solidFill>
+                  <a:schemeClr val="tx1">
+                    <a:lumMod val="75000"/>
+                    <a:lumOff val="25000"/>
+                  </a:schemeClr>
+                </a:solidFill>
+                <a:latin typeface="+mn-lt"/>
+                <a:ea typeface="+mn-ea"/>
+                <a:cs typeface="+mn-cs"/>
+              </a:defRPr>
+            </a:lvl6pPr>
+            <a:lvl7pPr marL="2971800" indent="-228600" algn="l" defTabSz="457200" rtl="0" eaLnBrk="1" latinLnBrk="0" hangingPunct="1">
+              <a:spcBef>
+                <a:spcPts val="1000"/>
+              </a:spcBef>
+              <a:spcAft>
+                <a:spcPts val="0"/>
+              </a:spcAft>
+              <a:buClr>
+                <a:schemeClr val="accent1"/>
+              </a:buClr>
+              <a:buSzPct val="80000"/>
+              <a:buFont typeface="Wingdings 3" charset="2"/>
+              <a:buChar char=""/>
+              <a:defRPr sz="1200" kern="1200">
+                <a:solidFill>
+                  <a:schemeClr val="tx1">
+                    <a:lumMod val="75000"/>
+                    <a:lumOff val="25000"/>
+                  </a:schemeClr>
+                </a:solidFill>
+                <a:latin typeface="+mn-lt"/>
+                <a:ea typeface="+mn-ea"/>
+                <a:cs typeface="+mn-cs"/>
+              </a:defRPr>
+            </a:lvl7pPr>
+            <a:lvl8pPr marL="3429000" indent="-228600" algn="l" defTabSz="457200" rtl="0" eaLnBrk="1" latinLnBrk="0" hangingPunct="1">
+              <a:spcBef>
+                <a:spcPts val="1000"/>
+              </a:spcBef>
+              <a:spcAft>
+                <a:spcPts val="0"/>
+              </a:spcAft>
+              <a:buClr>
+                <a:schemeClr val="accent1"/>
+              </a:buClr>
+              <a:buSzPct val="80000"/>
+              <a:buFont typeface="Wingdings 3" charset="2"/>
+              <a:buChar char=""/>
+              <a:defRPr sz="1200" kern="1200">
+                <a:solidFill>
+                  <a:schemeClr val="tx1">
+                    <a:lumMod val="75000"/>
+                    <a:lumOff val="25000"/>
+                  </a:schemeClr>
+                </a:solidFill>
+                <a:latin typeface="+mn-lt"/>
+                <a:ea typeface="+mn-ea"/>
+                <a:cs typeface="+mn-cs"/>
+              </a:defRPr>
+            </a:lvl8pPr>
+            <a:lvl9pPr marL="3886200" indent="-228600" algn="l" defTabSz="457200" rtl="0" eaLnBrk="1" latinLnBrk="0" hangingPunct="1">
+              <a:spcBef>
+                <a:spcPts val="1000"/>
+              </a:spcBef>
+              <a:spcAft>
+                <a:spcPts val="0"/>
+              </a:spcAft>
+              <a:buClr>
+                <a:schemeClr val="accent1"/>
+              </a:buClr>
+              <a:buSzPct val="80000"/>
+              <a:buFont typeface="Wingdings 3" charset="2"/>
+              <a:buChar char=""/>
+              <a:defRPr sz="1200" kern="1200">
+                <a:solidFill>
+                  <a:schemeClr val="tx1">
+                    <a:lumMod val="75000"/>
+                    <a:lumOff val="25000"/>
+                  </a:schemeClr>
+                </a:solidFill>
+                <a:latin typeface="+mn-lt"/>
+                <a:ea typeface="+mn-ea"/>
+                <a:cs typeface="+mn-cs"/>
+              </a:defRPr>
+            </a:lvl9pPr>
+          </a:lstStyle>
+          <a:p>
+            <a:pPr lvl="2"/>
+            <a:r>
+              <a:rPr lang="en-US" dirty="0"/>
+              <a:t>Since the implementation will take place in an open environment, the possible interference are,</a:t>
+            </a:r>
+          </a:p>
+          <a:p>
+            <a:pPr lvl="3"/>
+            <a:r>
+              <a:rPr lang="en-US" dirty="0"/>
+              <a:t>Cross interference from other 2.4 GHz communication</a:t>
+            </a:r>
+          </a:p>
+          <a:p>
+            <a:pPr lvl="3"/>
+            <a:r>
+              <a:rPr lang="en-US" dirty="0"/>
+              <a:t>Two ray ground reflection </a:t>
+            </a:r>
+          </a:p>
+        </p:txBody>
+      </p:sp>
+      <p:sp>
+        <p:nvSpPr>
+          <p:cNvPr id="5" name="TextBox 4">
+            <a:extLst>
+              <a:ext uri="{FF2B5EF4-FFF2-40B4-BE49-F238E27FC236}">
+                <a16:creationId xmlns:a16="http://schemas.microsoft.com/office/drawing/2014/main" id="{C00D8374-1316-47E7-9D54-370E3C52A39F}"/>
+              </a:ext>
+            </a:extLst>
+          </p:cNvPr>
+          <p:cNvSpPr txBox="1"/>
+          <p:nvPr/>
+        </p:nvSpPr>
+        <p:spPr>
+          <a:xfrm>
+            <a:off x="2172833" y="4998971"/>
+            <a:ext cx="5910470" cy="369332"/>
+          </a:xfrm>
+          <a:prstGeom prst="rect">
+            <a:avLst/>
+          </a:prstGeom>
+          <a:noFill/>
+        </p:spPr>
+        <p:txBody>
+          <a:bodyPr wrap="square" rtlCol="0">
+            <a:spAutoFit/>
+          </a:bodyPr>
+          <a:lstStyle/>
+          <a:p>
+            <a:r>
+              <a:rPr lang="en-US" dirty="0"/>
+              <a:t>Two ray ground reflection. Source:[1]</a:t>
+            </a:r>
+          </a:p>
+        </p:txBody>
+      </p:sp>
+      <p:sp>
+        <p:nvSpPr>
+          <p:cNvPr id="8" name="TextBox 7">
+            <a:extLst>
+              <a:ext uri="{FF2B5EF4-FFF2-40B4-BE49-F238E27FC236}">
+                <a16:creationId xmlns:a16="http://schemas.microsoft.com/office/drawing/2014/main" id="{01F9963E-6297-4666-B278-432B4548EB99}"/>
+              </a:ext>
+            </a:extLst>
+          </p:cNvPr>
+          <p:cNvSpPr txBox="1"/>
+          <p:nvPr/>
+        </p:nvSpPr>
+        <p:spPr>
+          <a:xfrm>
+            <a:off x="583096" y="5409232"/>
+            <a:ext cx="8843306" cy="830997"/>
+          </a:xfrm>
+          <a:prstGeom prst="rect">
+            <a:avLst/>
+          </a:prstGeom>
+          <a:noFill/>
+        </p:spPr>
+        <p:txBody>
+          <a:bodyPr wrap="square" rtlCol="0">
+            <a:spAutoFit/>
+          </a:bodyPr>
+          <a:lstStyle/>
+          <a:p>
+            <a:r>
+              <a:rPr lang="en-US" sz="1600" dirty="0"/>
+              <a:t>A. Brummer, L. Ammon and A. </a:t>
+            </a:r>
+            <a:r>
+              <a:rPr lang="en-US" sz="1600" dirty="0" err="1"/>
+              <a:t>Djanatliev</a:t>
+            </a:r>
+            <a:r>
+              <a:rPr lang="en-US" sz="1600" dirty="0"/>
+              <a:t>, "N-Ray Ground Interference: Extending the Two-Ray Interference Model for 3D Terrain Shapes," 2019 IEEE Vehicular Networking Conference (VNC), Los Angeles, CA, USA, 2019, pp. 1-4, </a:t>
+            </a:r>
+            <a:r>
+              <a:rPr lang="en-US" sz="1600" dirty="0" err="1"/>
+              <a:t>doi</a:t>
+            </a:r>
+            <a:r>
+              <a:rPr lang="en-US" sz="1600" dirty="0"/>
+              <a:t>: 10.1109/VNC48660.2019.9062829.</a:t>
+            </a:r>
+          </a:p>
+        </p:txBody>
+      </p:sp>
+    </p:spTree>
+    <p:extLst>
+      <p:ext uri="{BB962C8B-B14F-4D97-AF65-F5344CB8AC3E}">
+        <p14:creationId xmlns:p14="http://schemas.microsoft.com/office/powerpoint/2010/main" val="4148015323"/>
+      </p:ext>
+    </p:extLst>
+  </p:cSld>
+  <p:clrMapOvr>
+    <a:masterClrMapping/>
+  </p:clrMapOvr>
+</p:sld>
+</file>
+
+<file path=ppt/slides/slide44.xml><?xml version="1.0" encoding="utf-8"?>
+<p:sld xmlns:a="http://schemas.openxmlformats.org/drawingml/2006/main" xmlns:r="http://schemas.openxmlformats.org/officeDocument/2006/relationships" xmlns:p="http://schemas.openxmlformats.org/presentationml/2006/main">
+  <p:cSld>
+    <p:spTree>
+      <p:nvGrpSpPr>
+        <p:cNvPr id="1" name=""/>
+        <p:cNvGrpSpPr/>
+        <p:nvPr/>
+      </p:nvGrpSpPr>
+      <p:grpSpPr>
+        <a:xfrm>
+          <a:off x="0" y="0"/>
+          <a:ext cx="0" cy="0"/>
+          <a:chOff x="0" y="0"/>
+          <a:chExt cx="0" cy="0"/>
+        </a:xfrm>
+      </p:grpSpPr>
+      <p:sp>
+        <p:nvSpPr>
+          <p:cNvPr id="2" name="Title 1">
+            <a:extLst>
+              <a:ext uri="{FF2B5EF4-FFF2-40B4-BE49-F238E27FC236}">
+                <a16:creationId xmlns:a16="http://schemas.microsoft.com/office/drawing/2014/main" id="{8BD06653-9412-4566-A232-3521A54BA110}"/>
+              </a:ext>
+            </a:extLst>
+          </p:cNvPr>
+          <p:cNvSpPr>
+            <a:spLocks noGrp="1"/>
+          </p:cNvSpPr>
+          <p:nvPr>
+            <p:ph type="title"/>
+          </p:nvPr>
+        </p:nvSpPr>
+        <p:spPr/>
+        <p:txBody>
+          <a:bodyPr/>
+          <a:lstStyle/>
+          <a:p>
+            <a:r>
+              <a:rPr lang="en-US" dirty="0"/>
+              <a:t>Radio Modelling</a:t>
+            </a:r>
+          </a:p>
+        </p:txBody>
+      </p:sp>
+      <p:sp>
+        <p:nvSpPr>
+          <p:cNvPr id="3" name="Content Placeholder 2">
+            <a:extLst>
+              <a:ext uri="{FF2B5EF4-FFF2-40B4-BE49-F238E27FC236}">
+                <a16:creationId xmlns:a16="http://schemas.microsoft.com/office/drawing/2014/main" id="{71BE7242-5254-425E-B2B0-1FD3A5151D36}"/>
+              </a:ext>
+            </a:extLst>
+          </p:cNvPr>
+          <p:cNvSpPr>
+            <a:spLocks noGrp="1"/>
+          </p:cNvSpPr>
+          <p:nvPr>
+            <p:ph idx="1"/>
+          </p:nvPr>
+        </p:nvSpPr>
+        <p:spPr>
+          <a:xfrm>
+            <a:off x="677334" y="1275347"/>
+            <a:ext cx="8596668" cy="4766015"/>
+          </a:xfrm>
+        </p:spPr>
+        <p:txBody>
+          <a:bodyPr>
+            <a:normAutofit/>
+          </a:bodyPr>
+          <a:lstStyle/>
+          <a:p>
+            <a:pPr lvl="1"/>
+            <a:r>
+              <a:rPr lang="en-US" dirty="0"/>
+              <a:t>Modelled the radio by considering</a:t>
+            </a:r>
+          </a:p>
+          <a:p>
+            <a:pPr lvl="2"/>
+            <a:r>
+              <a:rPr lang="en-US" dirty="0"/>
+              <a:t> frequency:	2.4 GHz</a:t>
+            </a:r>
+          </a:p>
+          <a:p>
+            <a:pPr lvl="2"/>
+            <a:r>
+              <a:rPr lang="en-US" dirty="0"/>
+              <a:t>Bandwidth: 1 MHz</a:t>
+            </a:r>
+          </a:p>
+          <a:p>
+            <a:pPr lvl="2"/>
+            <a:r>
+              <a:rPr lang="en-US" dirty="0" err="1"/>
+              <a:t>Datarate</a:t>
+            </a:r>
+            <a:r>
+              <a:rPr lang="en-US" dirty="0"/>
+              <a:t>: 2Mbps</a:t>
+            </a:r>
+          </a:p>
+          <a:p>
+            <a:pPr lvl="3"/>
+            <a:r>
+              <a:rPr lang="en-US" i="1" dirty="0"/>
+              <a:t>Available data rates are 250kbps,1Mbps and 2Mbps.</a:t>
+            </a:r>
+          </a:p>
+          <a:p>
+            <a:pPr lvl="3"/>
+            <a:r>
+              <a:rPr lang="en-US" i="1" dirty="0"/>
+              <a:t>Lower air data rates receiver sensitivity is increased than lower data rate</a:t>
+            </a:r>
+          </a:p>
+          <a:p>
+            <a:pPr lvl="3"/>
+            <a:r>
+              <a:rPr lang="en-US" i="1" dirty="0"/>
+              <a:t>Higher air data rate lower current consumption and reduced probability of on air collisions </a:t>
+            </a:r>
+            <a:endParaRPr lang="en-US" dirty="0"/>
+          </a:p>
+          <a:p>
+            <a:pPr lvl="2"/>
+            <a:r>
+              <a:rPr lang="en-US" dirty="0"/>
+              <a:t>Transmitter power.: -18dBm</a:t>
+            </a:r>
+          </a:p>
+          <a:p>
+            <a:pPr lvl="2"/>
+            <a:r>
+              <a:rPr lang="en-US" dirty="0"/>
+              <a:t>Transmitter preamble Duration: 10µs(default value) </a:t>
+            </a:r>
+          </a:p>
+          <a:p>
+            <a:pPr lvl="2"/>
+            <a:r>
+              <a:rPr lang="en-US" dirty="0"/>
+              <a:t>Transmitter header length: 17Byte (Maximum length)</a:t>
+            </a:r>
+          </a:p>
+          <a:p>
+            <a:pPr lvl="2"/>
+            <a:r>
+              <a:rPr lang="en-US" dirty="0"/>
+              <a:t>Receiver Sensitivity: -85dBm</a:t>
+            </a:r>
+          </a:p>
+          <a:p>
+            <a:pPr lvl="2"/>
+            <a:r>
+              <a:rPr lang="en-US" dirty="0"/>
+              <a:t>Receiver energy detection: Set to receiver sensitivity</a:t>
+            </a:r>
+          </a:p>
+          <a:p>
+            <a:pPr lvl="2"/>
+            <a:r>
+              <a:rPr lang="en-US" dirty="0"/>
+              <a:t>Receiver </a:t>
+            </a:r>
+            <a:r>
+              <a:rPr lang="en-US" dirty="0" err="1"/>
+              <a:t>snir</a:t>
+            </a:r>
+            <a:r>
+              <a:rPr lang="en-US" dirty="0"/>
+              <a:t> Threshold: Set to default value</a:t>
+            </a:r>
+          </a:p>
+          <a:p>
+            <a:pPr lvl="2"/>
+            <a:r>
+              <a:rPr lang="en-US" dirty="0"/>
+              <a:t>Buffering: 5 Packets</a:t>
+            </a:r>
+          </a:p>
+          <a:p>
+            <a:pPr lvl="1"/>
+            <a:endParaRPr lang="en-US" dirty="0"/>
+          </a:p>
+          <a:p>
+            <a:pPr lvl="2"/>
+            <a:endParaRPr lang="en-US" dirty="0"/>
+          </a:p>
+        </p:txBody>
+      </p:sp>
+      <p:sp>
+        <p:nvSpPr>
+          <p:cNvPr id="4" name="TextBox 3">
+            <a:extLst>
+              <a:ext uri="{FF2B5EF4-FFF2-40B4-BE49-F238E27FC236}">
+                <a16:creationId xmlns:a16="http://schemas.microsoft.com/office/drawing/2014/main" id="{D4882996-CF59-47E8-B01C-E02A93D975D1}"/>
+              </a:ext>
+            </a:extLst>
+          </p:cNvPr>
+          <p:cNvSpPr txBox="1"/>
+          <p:nvPr/>
+        </p:nvSpPr>
+        <p:spPr>
+          <a:xfrm>
+            <a:off x="448733" y="6377940"/>
+            <a:ext cx="2029424" cy="646331"/>
+          </a:xfrm>
+          <a:prstGeom prst="rect">
+            <a:avLst/>
+          </a:prstGeom>
+          <a:noFill/>
+        </p:spPr>
+        <p:txBody>
+          <a:bodyPr wrap="square" rtlCol="0">
+            <a:spAutoFit/>
+          </a:bodyPr>
+          <a:lstStyle/>
+          <a:p>
+            <a:r>
+              <a:rPr lang="en-US" dirty="0"/>
+              <a:t>29/05/2020</a:t>
+            </a:r>
+          </a:p>
+          <a:p>
+            <a:endParaRPr lang="en-US" dirty="0"/>
+          </a:p>
+        </p:txBody>
+      </p:sp>
+    </p:spTree>
+    <p:extLst>
+      <p:ext uri="{BB962C8B-B14F-4D97-AF65-F5344CB8AC3E}">
+        <p14:creationId xmlns:p14="http://schemas.microsoft.com/office/powerpoint/2010/main" val="2888898155"/>
+      </p:ext>
+    </p:extLst>
+  </p:cSld>
+  <p:clrMapOvr>
+    <a:masterClrMapping/>
+  </p:clrMapOvr>
+</p:sld>
+</file>
+
+<file path=ppt/slides/slide45.xml><?xml version="1.0" encoding="utf-8"?>
+<p:sld xmlns:a="http://schemas.openxmlformats.org/drawingml/2006/main" xmlns:r="http://schemas.openxmlformats.org/officeDocument/2006/relationships" xmlns:p="http://schemas.openxmlformats.org/presentationml/2006/main">
+  <p:cSld>
+    <p:spTree>
+      <p:nvGrpSpPr>
+        <p:cNvPr id="1" name=""/>
+        <p:cNvGrpSpPr/>
+        <p:nvPr/>
+      </p:nvGrpSpPr>
+      <p:grpSpPr>
+        <a:xfrm>
+          <a:off x="0" y="0"/>
+          <a:ext cx="0" cy="0"/>
+          <a:chOff x="0" y="0"/>
+          <a:chExt cx="0" cy="0"/>
+        </a:xfrm>
+      </p:grpSpPr>
+      <p:sp>
+        <p:nvSpPr>
+          <p:cNvPr id="2" name="Title 1">
+            <a:extLst>
+              <a:ext uri="{FF2B5EF4-FFF2-40B4-BE49-F238E27FC236}">
+                <a16:creationId xmlns:a16="http://schemas.microsoft.com/office/drawing/2014/main" id="{8BD06653-9412-4566-A232-3521A54BA110}"/>
+              </a:ext>
+            </a:extLst>
+          </p:cNvPr>
+          <p:cNvSpPr>
+            <a:spLocks noGrp="1"/>
+          </p:cNvSpPr>
+          <p:nvPr>
+            <p:ph type="title"/>
+          </p:nvPr>
+        </p:nvSpPr>
+        <p:spPr/>
+        <p:txBody>
+          <a:bodyPr/>
+          <a:lstStyle/>
+          <a:p>
+            <a:r>
+              <a:rPr lang="en-US" dirty="0"/>
+              <a:t>Implementation of power module</a:t>
+            </a:r>
+          </a:p>
+        </p:txBody>
+      </p:sp>
+      <p:sp>
+        <p:nvSpPr>
+          <p:cNvPr id="3" name="Content Placeholder 2">
+            <a:extLst>
+              <a:ext uri="{FF2B5EF4-FFF2-40B4-BE49-F238E27FC236}">
+                <a16:creationId xmlns:a16="http://schemas.microsoft.com/office/drawing/2014/main" id="{71BE7242-5254-425E-B2B0-1FD3A5151D36}"/>
+              </a:ext>
+            </a:extLst>
+          </p:cNvPr>
+          <p:cNvSpPr>
+            <a:spLocks noGrp="1"/>
+          </p:cNvSpPr>
+          <p:nvPr>
+            <p:ph idx="1"/>
+          </p:nvPr>
+        </p:nvSpPr>
+        <p:spPr/>
+        <p:txBody>
+          <a:bodyPr/>
+          <a:lstStyle/>
+          <a:p>
+            <a:pPr lvl="1"/>
+            <a:r>
+              <a:rPr lang="en-US" dirty="0"/>
+              <a:t>Ideal Energy Storage was used so that battery depletion is not shown but the energy consumption will be calculated and shown as a statistic.</a:t>
+            </a:r>
+          </a:p>
+          <a:p>
+            <a:pPr lvl="1"/>
+            <a:r>
+              <a:rPr lang="en-US" dirty="0"/>
+              <a:t>State based Energy Consumer is used</a:t>
+            </a:r>
+          </a:p>
+          <a:p>
+            <a:pPr lvl="2"/>
+            <a:r>
+              <a:rPr lang="en-US" dirty="0"/>
+              <a:t>Off power consumption</a:t>
+            </a:r>
+          </a:p>
+          <a:p>
+            <a:pPr lvl="2"/>
+            <a:r>
+              <a:rPr lang="en-US" dirty="0"/>
+              <a:t>Switching power consumption</a:t>
+            </a:r>
+          </a:p>
+          <a:p>
+            <a:pPr lvl="2"/>
+            <a:r>
+              <a:rPr lang="en-US" dirty="0"/>
+              <a:t>Receiver Idle power consumption</a:t>
+            </a:r>
+          </a:p>
+          <a:p>
+            <a:pPr lvl="2"/>
+            <a:r>
+              <a:rPr lang="en-US" dirty="0"/>
+              <a:t>Receiver busy power consumption</a:t>
+            </a:r>
+          </a:p>
+          <a:p>
+            <a:pPr lvl="2"/>
+            <a:r>
+              <a:rPr lang="en-US" dirty="0"/>
+              <a:t>Transmitter Idle Power consumption</a:t>
+            </a:r>
+          </a:p>
+          <a:p>
+            <a:pPr lvl="2"/>
+            <a:r>
+              <a:rPr lang="en-US" dirty="0"/>
+              <a:t>Transmitter transmitting power consumption </a:t>
+            </a:r>
+          </a:p>
+          <a:p>
+            <a:pPr lvl="1"/>
+            <a:endParaRPr lang="en-US" dirty="0"/>
+          </a:p>
+        </p:txBody>
+      </p:sp>
+      <p:sp>
+        <p:nvSpPr>
+          <p:cNvPr id="4" name="TextBox 3">
+            <a:extLst>
+              <a:ext uri="{FF2B5EF4-FFF2-40B4-BE49-F238E27FC236}">
+                <a16:creationId xmlns:a16="http://schemas.microsoft.com/office/drawing/2014/main" id="{D4882996-CF59-47E8-B01C-E02A93D975D1}"/>
+              </a:ext>
+            </a:extLst>
+          </p:cNvPr>
+          <p:cNvSpPr txBox="1"/>
+          <p:nvPr/>
+        </p:nvSpPr>
+        <p:spPr>
+          <a:xfrm>
+            <a:off x="448733" y="6377940"/>
+            <a:ext cx="2029424" cy="646331"/>
+          </a:xfrm>
+          <a:prstGeom prst="rect">
+            <a:avLst/>
+          </a:prstGeom>
+          <a:noFill/>
+        </p:spPr>
+        <p:txBody>
+          <a:bodyPr wrap="square" rtlCol="0">
+            <a:spAutoFit/>
+          </a:bodyPr>
+          <a:lstStyle/>
+          <a:p>
+            <a:r>
+              <a:rPr lang="en-US" dirty="0"/>
+              <a:t>29/05/2020</a:t>
+            </a:r>
+          </a:p>
+          <a:p>
+            <a:endParaRPr lang="en-US" dirty="0"/>
+          </a:p>
+        </p:txBody>
+      </p:sp>
+    </p:spTree>
+    <p:extLst>
+      <p:ext uri="{BB962C8B-B14F-4D97-AF65-F5344CB8AC3E}">
+        <p14:creationId xmlns:p14="http://schemas.microsoft.com/office/powerpoint/2010/main" val="2502663010"/>
+      </p:ext>
+    </p:extLst>
+  </p:cSld>
+  <p:clrMapOvr>
+    <a:masterClrMapping/>
+  </p:clrMapOvr>
+</p:sld>
+</file>
+
+<file path=ppt/slides/slide46.xml><?xml version="1.0" encoding="utf-8"?>
+<p:sld xmlns:a="http://schemas.openxmlformats.org/drawingml/2006/main" xmlns:r="http://schemas.openxmlformats.org/officeDocument/2006/relationships" xmlns:p="http://schemas.openxmlformats.org/presentationml/2006/main">
+  <p:cSld>
+    <p:spTree>
+      <p:nvGrpSpPr>
+        <p:cNvPr id="1" name=""/>
+        <p:cNvGrpSpPr/>
+        <p:nvPr/>
+      </p:nvGrpSpPr>
+      <p:grpSpPr>
+        <a:xfrm>
+          <a:off x="0" y="0"/>
+          <a:ext cx="0" cy="0"/>
+          <a:chOff x="0" y="0"/>
+          <a:chExt cx="0" cy="0"/>
+        </a:xfrm>
+      </p:grpSpPr>
+      <p:sp>
+        <p:nvSpPr>
+          <p:cNvPr id="2" name="Title 1">
+            <a:extLst>
+              <a:ext uri="{FF2B5EF4-FFF2-40B4-BE49-F238E27FC236}">
+                <a16:creationId xmlns:a16="http://schemas.microsoft.com/office/drawing/2014/main" id="{8BD06653-9412-4566-A232-3521A54BA110}"/>
+              </a:ext>
+            </a:extLst>
+          </p:cNvPr>
+          <p:cNvSpPr>
+            <a:spLocks noGrp="1"/>
+          </p:cNvSpPr>
+          <p:nvPr>
+            <p:ph type="title"/>
+          </p:nvPr>
+        </p:nvSpPr>
+        <p:spPr/>
+        <p:txBody>
+          <a:bodyPr/>
+          <a:lstStyle/>
+          <a:p>
+            <a:r>
+              <a:rPr lang="en-US" dirty="0"/>
+              <a:t>Power statistics of NRF24L01</a:t>
+            </a:r>
+          </a:p>
+        </p:txBody>
+      </p:sp>
+      <p:sp>
+        <p:nvSpPr>
+          <p:cNvPr id="3" name="Content Placeholder 2">
+            <a:extLst>
+              <a:ext uri="{FF2B5EF4-FFF2-40B4-BE49-F238E27FC236}">
+                <a16:creationId xmlns:a16="http://schemas.microsoft.com/office/drawing/2014/main" id="{71BE7242-5254-425E-B2B0-1FD3A5151D36}"/>
+              </a:ext>
+            </a:extLst>
+          </p:cNvPr>
+          <p:cNvSpPr>
+            <a:spLocks noGrp="1"/>
+          </p:cNvSpPr>
+          <p:nvPr>
+            <p:ph idx="1"/>
+          </p:nvPr>
+        </p:nvSpPr>
+        <p:spPr/>
+        <p:txBody>
+          <a:bodyPr>
+            <a:normAutofit fontScale="92500" lnSpcReduction="20000"/>
+          </a:bodyPr>
+          <a:lstStyle/>
+          <a:p>
+            <a:r>
+              <a:rPr lang="en-US" i="1" dirty="0"/>
+              <a:t>Available RF output </a:t>
+            </a:r>
+            <a:r>
+              <a:rPr lang="en-US" i="1" dirty="0" err="1"/>
+              <a:t>powera</a:t>
+            </a:r>
+            <a:r>
+              <a:rPr lang="en-US" i="1" dirty="0"/>
+              <a:t> at TX are 0dBm=11.3mA;-6dBm=9.0mA;-12dBm=7.5mA;-18dBm=7.0mA</a:t>
+            </a:r>
+          </a:p>
+          <a:p>
+            <a:r>
+              <a:rPr lang="en-US" i="1" dirty="0"/>
+              <a:t>Available RF output power at RX are 2Mbps=13.5mA;1Mbps=13.1mA;250kbps=12.6mA</a:t>
+            </a:r>
+          </a:p>
+          <a:p>
+            <a:r>
+              <a:rPr lang="en-US" i="1" dirty="0"/>
+              <a:t>Average current during TX settling=8.0mA(130us)</a:t>
+            </a:r>
+          </a:p>
+          <a:p>
+            <a:r>
+              <a:rPr lang="en-US" i="1" dirty="0"/>
+              <a:t>Average current during RX settling=8.9mA(130us)</a:t>
+            </a:r>
+          </a:p>
+          <a:p>
+            <a:r>
+              <a:rPr lang="en-US" i="1" dirty="0"/>
+              <a:t>900nA in power down</a:t>
+            </a:r>
+          </a:p>
+          <a:p>
+            <a:r>
+              <a:rPr lang="en-US" i="1" dirty="0"/>
+              <a:t>26uA in standby 1(external clock is dependent on signal swing)</a:t>
+            </a:r>
+          </a:p>
+          <a:p>
+            <a:r>
+              <a:rPr lang="en-US" i="1" dirty="0"/>
+              <a:t>320uA in standby 2(external clock is not dependent on signal swing)</a:t>
+            </a:r>
+          </a:p>
+          <a:p>
+            <a:r>
+              <a:rPr lang="en-US" i="1" dirty="0"/>
+              <a:t>400uA in startup(1.5ms)</a:t>
+            </a:r>
+          </a:p>
+          <a:p>
+            <a:r>
+              <a:rPr lang="en-US" i="1" dirty="0"/>
+              <a:t>Ideal power on time is 1ms......(Can go up to 100ms) Reset is also similar</a:t>
+            </a:r>
+          </a:p>
+          <a:p>
+            <a:r>
+              <a:rPr lang="en-US" i="1" dirty="0"/>
+              <a:t>Conditions: VDD=3V VSS=0V and Temp=-40to85C</a:t>
+            </a:r>
+            <a:endParaRPr lang="en-US" dirty="0"/>
+          </a:p>
+        </p:txBody>
+      </p:sp>
+      <p:sp>
+        <p:nvSpPr>
+          <p:cNvPr id="4" name="TextBox 3">
+            <a:extLst>
+              <a:ext uri="{FF2B5EF4-FFF2-40B4-BE49-F238E27FC236}">
+                <a16:creationId xmlns:a16="http://schemas.microsoft.com/office/drawing/2014/main" id="{D4882996-CF59-47E8-B01C-E02A93D975D1}"/>
+              </a:ext>
+            </a:extLst>
+          </p:cNvPr>
+          <p:cNvSpPr txBox="1"/>
+          <p:nvPr/>
+        </p:nvSpPr>
+        <p:spPr>
+          <a:xfrm>
+            <a:off x="448733" y="6377940"/>
+            <a:ext cx="2029424" cy="646331"/>
+          </a:xfrm>
+          <a:prstGeom prst="rect">
+            <a:avLst/>
+          </a:prstGeom>
+          <a:noFill/>
+        </p:spPr>
+        <p:txBody>
+          <a:bodyPr wrap="square" rtlCol="0">
+            <a:spAutoFit/>
+          </a:bodyPr>
+          <a:lstStyle/>
+          <a:p>
+            <a:r>
+              <a:rPr lang="en-US" dirty="0"/>
+              <a:t>29/05/2020</a:t>
+            </a:r>
+          </a:p>
+          <a:p>
+            <a:endParaRPr lang="en-US" dirty="0"/>
+          </a:p>
+        </p:txBody>
+      </p:sp>
+    </p:spTree>
+    <p:extLst>
+      <p:ext uri="{BB962C8B-B14F-4D97-AF65-F5344CB8AC3E}">
+        <p14:creationId xmlns:p14="http://schemas.microsoft.com/office/powerpoint/2010/main" val="3520391788"/>
+      </p:ext>
+    </p:extLst>
+  </p:cSld>
+  <p:clrMapOvr>
+    <a:masterClrMapping/>
+  </p:clrMapOvr>
+</p:sld>
+</file>
+
+<file path=ppt/slides/slide47.xml><?xml version="1.0" encoding="utf-8"?>
+<p:sld xmlns:a="http://schemas.openxmlformats.org/drawingml/2006/main" xmlns:r="http://schemas.openxmlformats.org/officeDocument/2006/relationships" xmlns:p="http://schemas.openxmlformats.org/presentationml/2006/main">
+  <p:cSld>
+    <p:spTree>
+      <p:nvGrpSpPr>
+        <p:cNvPr id="1" name=""/>
+        <p:cNvGrpSpPr/>
+        <p:nvPr/>
+      </p:nvGrpSpPr>
+      <p:grpSpPr>
+        <a:xfrm>
+          <a:off x="0" y="0"/>
+          <a:ext cx="0" cy="0"/>
+          <a:chOff x="0" y="0"/>
+          <a:chExt cx="0" cy="0"/>
+        </a:xfrm>
+      </p:grpSpPr>
+      <p:sp>
+        <p:nvSpPr>
+          <p:cNvPr id="2" name="Title 1">
+            <a:extLst>
+              <a:ext uri="{FF2B5EF4-FFF2-40B4-BE49-F238E27FC236}">
+                <a16:creationId xmlns:a16="http://schemas.microsoft.com/office/drawing/2014/main" id="{8BD06653-9412-4566-A232-3521A54BA110}"/>
+              </a:ext>
+            </a:extLst>
+          </p:cNvPr>
+          <p:cNvSpPr>
+            <a:spLocks noGrp="1"/>
+          </p:cNvSpPr>
+          <p:nvPr>
+            <p:ph type="title"/>
+          </p:nvPr>
+        </p:nvSpPr>
+        <p:spPr>
+          <a:xfrm>
+            <a:off x="677334" y="302811"/>
+            <a:ext cx="8596668" cy="820615"/>
+          </a:xfrm>
+        </p:spPr>
+        <p:txBody>
+          <a:bodyPr/>
+          <a:lstStyle/>
+          <a:p>
+            <a:r>
+              <a:rPr lang="en-US" dirty="0"/>
+              <a:t>Calculations</a:t>
+            </a:r>
+          </a:p>
+        </p:txBody>
+      </p:sp>
+      <p:sp>
+        <p:nvSpPr>
+          <p:cNvPr id="3" name="Content Placeholder 2">
+            <a:extLst>
+              <a:ext uri="{FF2B5EF4-FFF2-40B4-BE49-F238E27FC236}">
+                <a16:creationId xmlns:a16="http://schemas.microsoft.com/office/drawing/2014/main" id="{71BE7242-5254-425E-B2B0-1FD3A5151D36}"/>
+              </a:ext>
+            </a:extLst>
+          </p:cNvPr>
+          <p:cNvSpPr>
+            <a:spLocks noGrp="1"/>
+          </p:cNvSpPr>
+          <p:nvPr>
+            <p:ph idx="1"/>
+          </p:nvPr>
+        </p:nvSpPr>
+        <p:spPr>
+          <a:xfrm>
+            <a:off x="677334" y="1123426"/>
+            <a:ext cx="8596668" cy="4611147"/>
+          </a:xfrm>
+        </p:spPr>
+        <p:txBody>
+          <a:bodyPr>
+            <a:normAutofit/>
+          </a:bodyPr>
+          <a:lstStyle/>
+          <a:p>
+            <a:r>
+              <a:rPr lang="en-US" dirty="0"/>
+              <a:t>Timing should be considered when implementing the power module: Currently it is not integrated.</a:t>
+            </a:r>
+          </a:p>
+          <a:p>
+            <a:r>
+              <a:rPr lang="en-US" dirty="0"/>
+              <a:t>To calculate the timing of radio state transitions, the state transition diagram can be used</a:t>
+            </a:r>
+          </a:p>
+          <a:p>
+            <a:r>
+              <a:rPr lang="en-US" dirty="0"/>
+              <a:t>To calculate the timing of the ESB cycle, the following set of equations can be used.(In the following slide)   </a:t>
+            </a:r>
+          </a:p>
+          <a:p>
+            <a:r>
+              <a:rPr lang="en-US" dirty="0"/>
+              <a:t>P=VI is used to calculate </a:t>
+            </a:r>
+            <a:r>
+              <a:rPr lang="en-US"/>
+              <a:t>the power</a:t>
+            </a:r>
+            <a:endParaRPr lang="en-US" dirty="0"/>
+          </a:p>
+        </p:txBody>
+      </p:sp>
+      <p:sp>
+        <p:nvSpPr>
+          <p:cNvPr id="4" name="TextBox 3">
+            <a:extLst>
+              <a:ext uri="{FF2B5EF4-FFF2-40B4-BE49-F238E27FC236}">
+                <a16:creationId xmlns:a16="http://schemas.microsoft.com/office/drawing/2014/main" id="{D4882996-CF59-47E8-B01C-E02A93D975D1}"/>
+              </a:ext>
+            </a:extLst>
+          </p:cNvPr>
+          <p:cNvSpPr txBox="1"/>
+          <p:nvPr/>
+        </p:nvSpPr>
+        <p:spPr>
+          <a:xfrm>
+            <a:off x="448733" y="6377940"/>
+            <a:ext cx="2029424" cy="646331"/>
+          </a:xfrm>
+          <a:prstGeom prst="rect">
+            <a:avLst/>
+          </a:prstGeom>
+          <a:noFill/>
+        </p:spPr>
+        <p:txBody>
+          <a:bodyPr wrap="square" rtlCol="0">
+            <a:spAutoFit/>
+          </a:bodyPr>
+          <a:lstStyle/>
+          <a:p>
+            <a:r>
+              <a:rPr lang="en-US" dirty="0"/>
+              <a:t>29/05/2020</a:t>
+            </a:r>
+          </a:p>
+          <a:p>
+            <a:endParaRPr lang="en-US" dirty="0"/>
+          </a:p>
+        </p:txBody>
+      </p:sp>
+    </p:spTree>
+    <p:extLst>
+      <p:ext uri="{BB962C8B-B14F-4D97-AF65-F5344CB8AC3E}">
+        <p14:creationId xmlns:p14="http://schemas.microsoft.com/office/powerpoint/2010/main" val="2107442126"/>
+      </p:ext>
+    </p:extLst>
+  </p:cSld>
+  <p:clrMapOvr>
+    <a:masterClrMapping/>
+  </p:clrMapOvr>
+</p:sld>
+</file>
+
+<file path=ppt/slides/slide48.xml><?xml version="1.0" encoding="utf-8"?>
+<p:sld xmlns:a="http://schemas.openxmlformats.org/drawingml/2006/main" xmlns:r="http://schemas.openxmlformats.org/officeDocument/2006/relationships" xmlns:p="http://schemas.openxmlformats.org/presentationml/2006/main">
+  <p:cSld>
+    <p:spTree>
+      <p:nvGrpSpPr>
+        <p:cNvPr id="1" name=""/>
+        <p:cNvGrpSpPr/>
+        <p:nvPr/>
+      </p:nvGrpSpPr>
+      <p:grpSpPr>
+        <a:xfrm>
+          <a:off x="0" y="0"/>
+          <a:ext cx="0" cy="0"/>
+          <a:chOff x="0" y="0"/>
+          <a:chExt cx="0" cy="0"/>
+        </a:xfrm>
+      </p:grpSpPr>
+      <p:sp>
+        <p:nvSpPr>
+          <p:cNvPr id="2" name="Title 1">
+            <a:extLst>
+              <a:ext uri="{FF2B5EF4-FFF2-40B4-BE49-F238E27FC236}">
+                <a16:creationId xmlns:a16="http://schemas.microsoft.com/office/drawing/2014/main" id="{8BD06653-9412-4566-A232-3521A54BA110}"/>
+              </a:ext>
+            </a:extLst>
+          </p:cNvPr>
+          <p:cNvSpPr>
+            <a:spLocks noGrp="1"/>
+          </p:cNvSpPr>
+          <p:nvPr>
+            <p:ph type="title"/>
+          </p:nvPr>
+        </p:nvSpPr>
+        <p:spPr>
+          <a:xfrm>
+            <a:off x="677334" y="302811"/>
+            <a:ext cx="8596668" cy="820615"/>
+          </a:xfrm>
+        </p:spPr>
+        <p:txBody>
+          <a:bodyPr/>
+          <a:lstStyle/>
+          <a:p>
+            <a:r>
+              <a:rPr lang="en-US" dirty="0"/>
+              <a:t>ESB full cycle time</a:t>
+            </a:r>
+          </a:p>
+        </p:txBody>
+      </p:sp>
+      <p:pic>
+        <p:nvPicPr>
+          <p:cNvPr id="6" name="Content Placeholder 5">
+            <a:extLst>
+              <a:ext uri="{FF2B5EF4-FFF2-40B4-BE49-F238E27FC236}">
+                <a16:creationId xmlns:a16="http://schemas.microsoft.com/office/drawing/2014/main" id="{13CE19F7-6259-4038-8E66-1E3E99CD34C2}"/>
+              </a:ext>
+            </a:extLst>
+          </p:cNvPr>
+          <p:cNvPicPr>
+            <a:picLocks noGrp="1" noChangeAspect="1"/>
+          </p:cNvPicPr>
+          <p:nvPr>
+            <p:ph idx="1"/>
+          </p:nvPr>
+        </p:nvPicPr>
+        <p:blipFill>
+          <a:blip r:embed="rId2">
+            <a:extLst>
+              <a:ext uri="{28A0092B-C50C-407E-A947-70E740481C1C}">
+                <a14:useLocalDpi xmlns:a14="http://schemas.microsoft.com/office/drawing/2010/main" val="0"/>
+              </a:ext>
+            </a:extLst>
+          </a:blip>
+          <a:stretch>
+            <a:fillRect/>
+          </a:stretch>
+        </p:blipFill>
+        <p:spPr>
+          <a:xfrm>
+            <a:off x="677863" y="1473777"/>
+            <a:ext cx="8596312" cy="3910446"/>
+          </a:xfrm>
+        </p:spPr>
+      </p:pic>
+      <p:sp>
+        <p:nvSpPr>
+          <p:cNvPr id="4" name="TextBox 3">
+            <a:extLst>
+              <a:ext uri="{FF2B5EF4-FFF2-40B4-BE49-F238E27FC236}">
+                <a16:creationId xmlns:a16="http://schemas.microsoft.com/office/drawing/2014/main" id="{D4882996-CF59-47E8-B01C-E02A93D975D1}"/>
+              </a:ext>
+            </a:extLst>
+          </p:cNvPr>
+          <p:cNvSpPr txBox="1"/>
+          <p:nvPr/>
+        </p:nvSpPr>
+        <p:spPr>
+          <a:xfrm>
+            <a:off x="448733" y="6377940"/>
+            <a:ext cx="2029424" cy="646331"/>
+          </a:xfrm>
+          <a:prstGeom prst="rect">
+            <a:avLst/>
+          </a:prstGeom>
+          <a:noFill/>
+        </p:spPr>
+        <p:txBody>
+          <a:bodyPr wrap="square" rtlCol="0">
+            <a:spAutoFit/>
+          </a:bodyPr>
+          <a:lstStyle/>
+          <a:p>
+            <a:r>
+              <a:rPr lang="en-US" dirty="0"/>
+              <a:t>29/05/2020</a:t>
+            </a:r>
+          </a:p>
+          <a:p>
+            <a:endParaRPr lang="en-US" dirty="0"/>
+          </a:p>
+        </p:txBody>
+      </p:sp>
+    </p:spTree>
+    <p:extLst>
+      <p:ext uri="{BB962C8B-B14F-4D97-AF65-F5344CB8AC3E}">
+        <p14:creationId xmlns:p14="http://schemas.microsoft.com/office/powerpoint/2010/main" val="4271057599"/>
+      </p:ext>
+    </p:extLst>
+  </p:cSld>
+  <p:clrMapOvr>
+    <a:masterClrMapping/>
+  </p:clrMapOvr>
+</p:sld>
+</file>
+
+<file path=ppt/slides/slide49.xml><?xml version="1.0" encoding="utf-8"?>
+<p:sld xmlns:a="http://schemas.openxmlformats.org/drawingml/2006/main" xmlns:r="http://schemas.openxmlformats.org/officeDocument/2006/relationships" xmlns:p="http://schemas.openxmlformats.org/presentationml/2006/main">
+  <p:cSld>
+    <p:spTree>
+      <p:nvGrpSpPr>
+        <p:cNvPr id="1" name=""/>
+        <p:cNvGrpSpPr/>
+        <p:nvPr/>
+      </p:nvGrpSpPr>
+      <p:grpSpPr>
+        <a:xfrm>
+          <a:off x="0" y="0"/>
+          <a:ext cx="0" cy="0"/>
+          <a:chOff x="0" y="0"/>
+          <a:chExt cx="0" cy="0"/>
+        </a:xfrm>
+      </p:grpSpPr>
+      <p:sp>
+        <p:nvSpPr>
+          <p:cNvPr id="2" name="Title 1">
+            <a:extLst>
+              <a:ext uri="{FF2B5EF4-FFF2-40B4-BE49-F238E27FC236}">
+                <a16:creationId xmlns:a16="http://schemas.microsoft.com/office/drawing/2014/main" id="{8BD06653-9412-4566-A232-3521A54BA110}"/>
+              </a:ext>
+            </a:extLst>
+          </p:cNvPr>
+          <p:cNvSpPr>
+            <a:spLocks noGrp="1"/>
+          </p:cNvSpPr>
+          <p:nvPr>
+            <p:ph type="title"/>
+          </p:nvPr>
+        </p:nvSpPr>
+        <p:spPr>
+          <a:xfrm>
+            <a:off x="293021" y="116825"/>
+            <a:ext cx="8596668" cy="1320800"/>
+          </a:xfrm>
+        </p:spPr>
+        <p:txBody>
+          <a:bodyPr/>
+          <a:lstStyle/>
+          <a:p>
+            <a:r>
+              <a:rPr lang="en-US" dirty="0"/>
+              <a:t>Radio states of NRF24L01</a:t>
+            </a:r>
+          </a:p>
+        </p:txBody>
+      </p:sp>
+      <p:pic>
+        <p:nvPicPr>
+          <p:cNvPr id="6" name="Content Placeholder 5">
+            <a:extLst>
+              <a:ext uri="{FF2B5EF4-FFF2-40B4-BE49-F238E27FC236}">
+                <a16:creationId xmlns:a16="http://schemas.microsoft.com/office/drawing/2014/main" id="{30ED4948-847A-424F-ADFD-E6DC917493CB}"/>
+              </a:ext>
+            </a:extLst>
+          </p:cNvPr>
+          <p:cNvPicPr>
+            <a:picLocks noGrp="1" noChangeAspect="1"/>
+          </p:cNvPicPr>
+          <p:nvPr>
+            <p:ph idx="1"/>
+          </p:nvPr>
+        </p:nvPicPr>
+        <p:blipFill>
+          <a:blip r:embed="rId2">
+            <a:extLst>
+              <a:ext uri="{28A0092B-C50C-407E-A947-70E740481C1C}">
+                <a14:useLocalDpi xmlns:a14="http://schemas.microsoft.com/office/drawing/2010/main" val="0"/>
+              </a:ext>
+            </a:extLst>
+          </a:blip>
+          <a:stretch>
+            <a:fillRect/>
+          </a:stretch>
+        </p:blipFill>
+        <p:spPr>
+          <a:xfrm>
+            <a:off x="2478157" y="954867"/>
+            <a:ext cx="6411532" cy="5658315"/>
+          </a:xfrm>
+        </p:spPr>
+      </p:pic>
+      <p:sp>
+        <p:nvSpPr>
+          <p:cNvPr id="4" name="TextBox 3">
+            <a:extLst>
+              <a:ext uri="{FF2B5EF4-FFF2-40B4-BE49-F238E27FC236}">
+                <a16:creationId xmlns:a16="http://schemas.microsoft.com/office/drawing/2014/main" id="{D4882996-CF59-47E8-B01C-E02A93D975D1}"/>
+              </a:ext>
+            </a:extLst>
+          </p:cNvPr>
+          <p:cNvSpPr txBox="1"/>
+          <p:nvPr/>
+        </p:nvSpPr>
+        <p:spPr>
+          <a:xfrm>
+            <a:off x="448733" y="6377940"/>
+            <a:ext cx="2029424" cy="646331"/>
+          </a:xfrm>
+          <a:prstGeom prst="rect">
+            <a:avLst/>
+          </a:prstGeom>
+          <a:noFill/>
+        </p:spPr>
+        <p:txBody>
+          <a:bodyPr wrap="square" rtlCol="0">
+            <a:spAutoFit/>
+          </a:bodyPr>
+          <a:lstStyle/>
+          <a:p>
+            <a:r>
+              <a:rPr lang="en-US" dirty="0"/>
+              <a:t>29/05/2020</a:t>
+            </a:r>
+          </a:p>
+          <a:p>
+            <a:endParaRPr lang="en-US" dirty="0"/>
+          </a:p>
+        </p:txBody>
+      </p:sp>
+    </p:spTree>
+    <p:extLst>
+      <p:ext uri="{BB962C8B-B14F-4D97-AF65-F5344CB8AC3E}">
+        <p14:creationId xmlns:p14="http://schemas.microsoft.com/office/powerpoint/2010/main" val="3972809527"/>
+      </p:ext>
+    </p:extLst>
+  </p:cSld>
+  <p:clrMapOvr>
+    <a:masterClrMapping/>
+  </p:clrMapOvr>
+</p:sld>
+</file>
+
+<file path=ppt/slides/slide5.xml><?xml version="1.0" encoding="utf-8"?>
+<p:sld xmlns:a="http://schemas.openxmlformats.org/drawingml/2006/main" xmlns:r="http://schemas.openxmlformats.org/officeDocument/2006/relationships" xmlns:p="http://schemas.openxmlformats.org/presentationml/2006/main">
+  <p:cSld>
+    <p:spTree>
+      <p:nvGrpSpPr>
+        <p:cNvPr id="1" name=""/>
+        <p:cNvGrpSpPr/>
+        <p:nvPr/>
+      </p:nvGrpSpPr>
+      <p:grpSpPr>
+        <a:xfrm>
+          <a:off x="0" y="0"/>
+          <a:ext cx="0" cy="0"/>
+          <a:chOff x="0" y="0"/>
+          <a:chExt cx="0" cy="0"/>
+        </a:xfrm>
+      </p:grpSpPr>
+      <p:sp>
+        <p:nvSpPr>
+          <p:cNvPr id="2" name="Title 1">
+            <a:extLst>
+              <a:ext uri="{FF2B5EF4-FFF2-40B4-BE49-F238E27FC236}">
+                <a16:creationId xmlns:a16="http://schemas.microsoft.com/office/drawing/2014/main" id="{49B51C81-851A-490A-87B1-175D292E3CFB}"/>
+              </a:ext>
+            </a:extLst>
+          </p:cNvPr>
+          <p:cNvSpPr>
+            <a:spLocks noGrp="1"/>
+          </p:cNvSpPr>
+          <p:nvPr>
+            <p:ph type="ctrTitle"/>
+          </p:nvPr>
+        </p:nvSpPr>
+        <p:spPr>
+          <a:xfrm>
+            <a:off x="1308283" y="469713"/>
+            <a:ext cx="7398395" cy="1646302"/>
+          </a:xfrm>
+        </p:spPr>
+        <p:txBody>
+          <a:bodyPr/>
+          <a:lstStyle/>
+          <a:p>
+            <a:r>
+              <a:rPr lang="en-US" dirty="0"/>
+              <a:t>Power Consumption of protocol in phase 2</a:t>
+            </a:r>
+          </a:p>
+        </p:txBody>
+      </p:sp>
+      <p:sp>
+        <p:nvSpPr>
+          <p:cNvPr id="3" name="Subtitle 2">
+            <a:extLst>
+              <a:ext uri="{FF2B5EF4-FFF2-40B4-BE49-F238E27FC236}">
+                <a16:creationId xmlns:a16="http://schemas.microsoft.com/office/drawing/2014/main" id="{3A0648C9-A66C-4581-A814-CABA988FC5FD}"/>
+              </a:ext>
+            </a:extLst>
+          </p:cNvPr>
+          <p:cNvSpPr>
+            <a:spLocks noGrp="1"/>
+          </p:cNvSpPr>
+          <p:nvPr>
+            <p:ph type="subTitle" idx="1"/>
+          </p:nvPr>
+        </p:nvSpPr>
+        <p:spPr>
+          <a:xfrm>
+            <a:off x="1099930" y="2319130"/>
+            <a:ext cx="8174073" cy="4538870"/>
+          </a:xfrm>
+        </p:spPr>
+        <p:txBody>
+          <a:bodyPr>
+            <a:normAutofit/>
+          </a:bodyPr>
+          <a:lstStyle/>
+          <a:p>
+            <a:pPr marL="285750" indent="-285750" algn="l">
+              <a:buFont typeface="Arial" panose="020B0604020202020204" pitchFamily="34" charset="0"/>
+              <a:buChar char="•"/>
+            </a:pPr>
+            <a:r>
+              <a:rPr lang="en-US" dirty="0"/>
+              <a:t>HC12- sleep………………….80µA</a:t>
+            </a:r>
+          </a:p>
+          <a:p>
+            <a:pPr marL="285750" indent="-285750" algn="l">
+              <a:buFont typeface="Arial" panose="020B0604020202020204" pitchFamily="34" charset="0"/>
+              <a:buChar char="•"/>
+            </a:pPr>
+            <a:r>
+              <a:rPr lang="en-US" dirty="0"/>
+              <a:t>HC12- transmission……..3.6mA</a:t>
+            </a:r>
+          </a:p>
+          <a:p>
+            <a:pPr marL="285750" indent="-285750" algn="l">
+              <a:buFont typeface="Arial" panose="020B0604020202020204" pitchFamily="34" charset="0"/>
+              <a:buChar char="•"/>
+            </a:pPr>
+            <a:r>
+              <a:rPr lang="en-US" dirty="0"/>
+              <a:t>Stm32f103c8t6…………….8mA</a:t>
+            </a:r>
+          </a:p>
+          <a:p>
+            <a:pPr marL="285750" indent="-285750" algn="l">
+              <a:buFont typeface="Arial" panose="020B0604020202020204" pitchFamily="34" charset="0"/>
+              <a:buChar char="•"/>
+            </a:pPr>
+            <a:r>
+              <a:rPr lang="en-US" dirty="0"/>
+              <a:t>Total current consumption per hour:29.6928A</a:t>
+            </a:r>
+          </a:p>
+          <a:p>
+            <a:pPr marL="285750" indent="-285750" algn="l">
+              <a:buFont typeface="Arial" panose="020B0604020202020204" pitchFamily="34" charset="0"/>
+              <a:buChar char="•"/>
+            </a:pPr>
+            <a:r>
+              <a:rPr lang="en-US" dirty="0"/>
+              <a:t>6 months:5344.704</a:t>
+            </a:r>
+          </a:p>
+          <a:p>
+            <a:pPr marL="285750" indent="-285750" algn="l">
+              <a:buFont typeface="Arial" panose="020B0604020202020204" pitchFamily="34" charset="0"/>
+              <a:buChar char="•"/>
+            </a:pPr>
+            <a:r>
+              <a:rPr lang="en-US" dirty="0"/>
+              <a:t>Needed battery:</a:t>
+            </a:r>
+            <a:r>
+              <a:rPr lang="en-US"/>
+              <a:t>494mAh battery</a:t>
+            </a:r>
+            <a:endParaRPr lang="en-US" dirty="0"/>
+          </a:p>
+        </p:txBody>
+      </p:sp>
+      <p:sp>
+        <p:nvSpPr>
+          <p:cNvPr id="4" name="TextBox 3">
+            <a:extLst>
+              <a:ext uri="{FF2B5EF4-FFF2-40B4-BE49-F238E27FC236}">
+                <a16:creationId xmlns:a16="http://schemas.microsoft.com/office/drawing/2014/main" id="{27874BDD-216C-4D9E-95CC-229FDCE10F09}"/>
+              </a:ext>
+            </a:extLst>
+          </p:cNvPr>
+          <p:cNvSpPr txBox="1"/>
+          <p:nvPr/>
+        </p:nvSpPr>
+        <p:spPr>
+          <a:xfrm>
+            <a:off x="448733" y="6377940"/>
+            <a:ext cx="2029424" cy="369332"/>
+          </a:xfrm>
+          <a:prstGeom prst="rect">
+            <a:avLst/>
+          </a:prstGeom>
+          <a:noFill/>
+        </p:spPr>
+        <p:txBody>
+          <a:bodyPr wrap="square" rtlCol="0">
+            <a:spAutoFit/>
+          </a:bodyPr>
+          <a:lstStyle/>
+          <a:p>
+            <a:r>
+              <a:rPr lang="en-US" dirty="0"/>
+              <a:t>01/05/2020</a:t>
+            </a:r>
+          </a:p>
+        </p:txBody>
+      </p:sp>
+    </p:spTree>
+    <p:extLst>
+      <p:ext uri="{BB962C8B-B14F-4D97-AF65-F5344CB8AC3E}">
+        <p14:creationId xmlns:p14="http://schemas.microsoft.com/office/powerpoint/2010/main" val="32244203"/>
+      </p:ext>
+    </p:extLst>
+  </p:cSld>
+  <p:clrMapOvr>
+    <a:masterClrMapping/>
+  </p:clrMapOvr>
+</p:sld>
+</file>
+
+<file path=ppt/slides/slide50.xml><?xml version="1.0" encoding="utf-8"?>
+<p:sld xmlns:a="http://schemas.openxmlformats.org/drawingml/2006/main" xmlns:r="http://schemas.openxmlformats.org/officeDocument/2006/relationships" xmlns:p="http://schemas.openxmlformats.org/presentationml/2006/main">
+  <p:cSld>
+    <p:spTree>
+      <p:nvGrpSpPr>
+        <p:cNvPr id="1" name=""/>
+        <p:cNvGrpSpPr/>
+        <p:nvPr/>
+      </p:nvGrpSpPr>
+      <p:grpSpPr>
+        <a:xfrm>
+          <a:off x="0" y="0"/>
+          <a:ext cx="0" cy="0"/>
+          <a:chOff x="0" y="0"/>
+          <a:chExt cx="0" cy="0"/>
+        </a:xfrm>
+      </p:grpSpPr>
+      <p:sp>
+        <p:nvSpPr>
+          <p:cNvPr id="2" name="Title 1">
+            <a:extLst>
+              <a:ext uri="{FF2B5EF4-FFF2-40B4-BE49-F238E27FC236}">
+                <a16:creationId xmlns:a16="http://schemas.microsoft.com/office/drawing/2014/main" id="{8BD06653-9412-4566-A232-3521A54BA110}"/>
+              </a:ext>
+            </a:extLst>
+          </p:cNvPr>
+          <p:cNvSpPr>
+            <a:spLocks noGrp="1"/>
+          </p:cNvSpPr>
+          <p:nvPr>
+            <p:ph type="title"/>
+          </p:nvPr>
+        </p:nvSpPr>
+        <p:spPr/>
+        <p:txBody>
+          <a:bodyPr/>
+          <a:lstStyle/>
+          <a:p>
+            <a:r>
+              <a:rPr lang="en-US" dirty="0"/>
+              <a:t>Mobility of the node </a:t>
+            </a:r>
+          </a:p>
+        </p:txBody>
+      </p:sp>
+      <p:sp>
+        <p:nvSpPr>
+          <p:cNvPr id="3" name="Content Placeholder 2">
+            <a:extLst>
+              <a:ext uri="{FF2B5EF4-FFF2-40B4-BE49-F238E27FC236}">
+                <a16:creationId xmlns:a16="http://schemas.microsoft.com/office/drawing/2014/main" id="{71BE7242-5254-425E-B2B0-1FD3A5151D36}"/>
+              </a:ext>
+            </a:extLst>
+          </p:cNvPr>
+          <p:cNvSpPr>
+            <a:spLocks noGrp="1"/>
+          </p:cNvSpPr>
+          <p:nvPr>
+            <p:ph idx="1"/>
+          </p:nvPr>
+        </p:nvSpPr>
+        <p:spPr/>
+        <p:txBody>
+          <a:bodyPr/>
+          <a:lstStyle/>
+          <a:p>
+            <a:pPr lvl="1"/>
+            <a:endParaRPr lang="en-US" dirty="0"/>
+          </a:p>
+          <a:p>
+            <a:pPr lvl="2"/>
+            <a:r>
+              <a:rPr lang="en-US" dirty="0"/>
+              <a:t>Defined in components</a:t>
+            </a:r>
+          </a:p>
+          <a:p>
+            <a:pPr lvl="3"/>
+            <a:r>
+              <a:rPr lang="en-US" dirty="0"/>
+              <a:t>Linear mobility</a:t>
+            </a:r>
+          </a:p>
+          <a:p>
+            <a:pPr lvl="3"/>
+            <a:r>
+              <a:rPr lang="en-US" dirty="0"/>
+              <a:t>Circular mobility</a:t>
+            </a:r>
+          </a:p>
+          <a:p>
+            <a:pPr lvl="3"/>
+            <a:r>
+              <a:rPr lang="en-US" dirty="0"/>
+              <a:t>Random mobility were implemented</a:t>
+            </a:r>
+          </a:p>
+          <a:p>
+            <a:pPr lvl="3"/>
+            <a:endParaRPr lang="en-US" dirty="0"/>
+          </a:p>
+          <a:p>
+            <a:pPr lvl="2"/>
+            <a:r>
+              <a:rPr lang="en-US" dirty="0"/>
+              <a:t>Issues faced were:</a:t>
+            </a:r>
+          </a:p>
+          <a:p>
+            <a:pPr lvl="3"/>
+            <a:r>
+              <a:rPr lang="en-US" dirty="0"/>
+              <a:t>When 3D visualizer was integrated with a 2D visualizer simulation was not generated.</a:t>
+            </a:r>
+          </a:p>
+        </p:txBody>
+      </p:sp>
+      <p:sp>
+        <p:nvSpPr>
+          <p:cNvPr id="4" name="TextBox 3">
+            <a:extLst>
+              <a:ext uri="{FF2B5EF4-FFF2-40B4-BE49-F238E27FC236}">
+                <a16:creationId xmlns:a16="http://schemas.microsoft.com/office/drawing/2014/main" id="{D4882996-CF59-47E8-B01C-E02A93D975D1}"/>
+              </a:ext>
+            </a:extLst>
+          </p:cNvPr>
+          <p:cNvSpPr txBox="1"/>
+          <p:nvPr/>
+        </p:nvSpPr>
+        <p:spPr>
+          <a:xfrm>
+            <a:off x="448733" y="6377940"/>
+            <a:ext cx="2029424" cy="646331"/>
+          </a:xfrm>
+          <a:prstGeom prst="rect">
+            <a:avLst/>
+          </a:prstGeom>
+          <a:noFill/>
+        </p:spPr>
+        <p:txBody>
+          <a:bodyPr wrap="square" rtlCol="0">
+            <a:spAutoFit/>
+          </a:bodyPr>
+          <a:lstStyle/>
+          <a:p>
+            <a:r>
+              <a:rPr lang="en-US" dirty="0"/>
+              <a:t>29/05/2020</a:t>
+            </a:r>
+          </a:p>
+          <a:p>
+            <a:endParaRPr lang="en-US" dirty="0"/>
+          </a:p>
+        </p:txBody>
+      </p:sp>
+    </p:spTree>
+    <p:extLst>
+      <p:ext uri="{BB962C8B-B14F-4D97-AF65-F5344CB8AC3E}">
+        <p14:creationId xmlns:p14="http://schemas.microsoft.com/office/powerpoint/2010/main" val="2022043463"/>
+      </p:ext>
+    </p:extLst>
+  </p:cSld>
+  <p:clrMapOvr>
+    <a:masterClrMapping/>
+  </p:clrMapOvr>
+</p:sld>
+</file>
+
+<file path=ppt/slides/slide51.xml><?xml version="1.0" encoding="utf-8"?>
+<p:sld xmlns:a="http://schemas.openxmlformats.org/drawingml/2006/main" xmlns:r="http://schemas.openxmlformats.org/officeDocument/2006/relationships" xmlns:p="http://schemas.openxmlformats.org/presentationml/2006/main">
+  <p:cSld>
+    <p:spTree>
+      <p:nvGrpSpPr>
+        <p:cNvPr id="1" name=""/>
+        <p:cNvGrpSpPr/>
+        <p:nvPr/>
+      </p:nvGrpSpPr>
+      <p:grpSpPr>
+        <a:xfrm>
+          <a:off x="0" y="0"/>
+          <a:ext cx="0" cy="0"/>
+          <a:chOff x="0" y="0"/>
+          <a:chExt cx="0" cy="0"/>
+        </a:xfrm>
+      </p:grpSpPr>
+      <p:sp>
+        <p:nvSpPr>
+          <p:cNvPr id="2" name="Title 1">
+            <a:extLst>
+              <a:ext uri="{FF2B5EF4-FFF2-40B4-BE49-F238E27FC236}">
+                <a16:creationId xmlns:a16="http://schemas.microsoft.com/office/drawing/2014/main" id="{8BD06653-9412-4566-A232-3521A54BA110}"/>
+              </a:ext>
+            </a:extLst>
+          </p:cNvPr>
+          <p:cNvSpPr>
+            <a:spLocks noGrp="1"/>
+          </p:cNvSpPr>
+          <p:nvPr>
+            <p:ph type="title"/>
+          </p:nvPr>
+        </p:nvSpPr>
+        <p:spPr/>
+        <p:txBody>
+          <a:bodyPr/>
+          <a:lstStyle/>
+          <a:p>
+            <a:r>
+              <a:rPr lang="en-US" dirty="0"/>
+              <a:t>Next week goals</a:t>
+            </a:r>
+          </a:p>
+        </p:txBody>
+      </p:sp>
+      <p:sp>
+        <p:nvSpPr>
+          <p:cNvPr id="3" name="Content Placeholder 2">
+            <a:extLst>
+              <a:ext uri="{FF2B5EF4-FFF2-40B4-BE49-F238E27FC236}">
+                <a16:creationId xmlns:a16="http://schemas.microsoft.com/office/drawing/2014/main" id="{71BE7242-5254-425E-B2B0-1FD3A5151D36}"/>
+              </a:ext>
+            </a:extLst>
+          </p:cNvPr>
+          <p:cNvSpPr>
+            <a:spLocks noGrp="1"/>
+          </p:cNvSpPr>
+          <p:nvPr>
+            <p:ph idx="1"/>
+          </p:nvPr>
+        </p:nvSpPr>
+        <p:spPr>
+          <a:xfrm>
+            <a:off x="311574" y="1752626"/>
+            <a:ext cx="8596668" cy="3880773"/>
+          </a:xfrm>
+        </p:spPr>
+        <p:txBody>
+          <a:bodyPr/>
+          <a:lstStyle/>
+          <a:p>
+            <a:pPr lvl="1"/>
+            <a:endParaRPr lang="en-US" dirty="0"/>
+          </a:p>
+          <a:p>
+            <a:pPr lvl="2"/>
+            <a:r>
+              <a:rPr lang="en-US" dirty="0"/>
+              <a:t>Fine tune the modules.</a:t>
+            </a:r>
+          </a:p>
+          <a:p>
+            <a:pPr lvl="2"/>
+            <a:r>
+              <a:rPr lang="en-US" dirty="0"/>
+              <a:t>Complete and implement the application layer applications</a:t>
+            </a:r>
+          </a:p>
+        </p:txBody>
+      </p:sp>
+      <p:sp>
+        <p:nvSpPr>
+          <p:cNvPr id="4" name="TextBox 3">
+            <a:extLst>
+              <a:ext uri="{FF2B5EF4-FFF2-40B4-BE49-F238E27FC236}">
+                <a16:creationId xmlns:a16="http://schemas.microsoft.com/office/drawing/2014/main" id="{D4882996-CF59-47E8-B01C-E02A93D975D1}"/>
+              </a:ext>
+            </a:extLst>
+          </p:cNvPr>
+          <p:cNvSpPr txBox="1"/>
+          <p:nvPr/>
+        </p:nvSpPr>
+        <p:spPr>
+          <a:xfrm>
+            <a:off x="448733" y="6377940"/>
+            <a:ext cx="2029424" cy="646331"/>
+          </a:xfrm>
+          <a:prstGeom prst="rect">
+            <a:avLst/>
+          </a:prstGeom>
+          <a:noFill/>
+        </p:spPr>
+        <p:txBody>
+          <a:bodyPr wrap="square" rtlCol="0">
+            <a:spAutoFit/>
+          </a:bodyPr>
+          <a:lstStyle/>
+          <a:p>
+            <a:r>
+              <a:rPr lang="en-US" dirty="0"/>
+              <a:t>29/05/2020</a:t>
+            </a:r>
+          </a:p>
+          <a:p>
+            <a:endParaRPr lang="en-US" dirty="0"/>
+          </a:p>
+        </p:txBody>
+      </p:sp>
+    </p:spTree>
+    <p:extLst>
+      <p:ext uri="{BB962C8B-B14F-4D97-AF65-F5344CB8AC3E}">
+        <p14:creationId xmlns:p14="http://schemas.microsoft.com/office/powerpoint/2010/main" val="2899108798"/>
+      </p:ext>
+    </p:extLst>
+  </p:cSld>
+  <p:clrMapOvr>
+    <a:masterClrMapping/>
+  </p:clrMapOvr>
+</p:sld>
+</file>
+
+<file path=ppt/slides/slide52.xml><?xml version="1.0" encoding="utf-8"?>
+<p:sld xmlns:a="http://schemas.openxmlformats.org/drawingml/2006/main" xmlns:r="http://schemas.openxmlformats.org/officeDocument/2006/relationships" xmlns:p="http://schemas.openxmlformats.org/presentationml/2006/main">
+  <p:cSld>
+    <p:spTree>
+      <p:nvGrpSpPr>
+        <p:cNvPr id="1" name=""/>
+        <p:cNvGrpSpPr/>
+        <p:nvPr/>
+      </p:nvGrpSpPr>
+      <p:grpSpPr>
+        <a:xfrm>
+          <a:off x="0" y="0"/>
+          <a:ext cx="0" cy="0"/>
+          <a:chOff x="0" y="0"/>
+          <a:chExt cx="0" cy="0"/>
+        </a:xfrm>
+      </p:grpSpPr>
+      <p:sp>
+        <p:nvSpPr>
+          <p:cNvPr id="2" name="Title 1">
+            <a:extLst>
+              <a:ext uri="{FF2B5EF4-FFF2-40B4-BE49-F238E27FC236}">
+                <a16:creationId xmlns:a16="http://schemas.microsoft.com/office/drawing/2014/main" id="{8BD06653-9412-4566-A232-3521A54BA110}"/>
+              </a:ext>
+            </a:extLst>
+          </p:cNvPr>
+          <p:cNvSpPr>
+            <a:spLocks noGrp="1"/>
+          </p:cNvSpPr>
+          <p:nvPr>
+            <p:ph type="title"/>
+          </p:nvPr>
+        </p:nvSpPr>
+        <p:spPr/>
+        <p:txBody>
+          <a:bodyPr/>
+          <a:lstStyle/>
+          <a:p>
+            <a:r>
+              <a:rPr lang="en-US" dirty="0"/>
+              <a:t>References</a:t>
+            </a:r>
+          </a:p>
+        </p:txBody>
+      </p:sp>
+      <p:sp>
+        <p:nvSpPr>
+          <p:cNvPr id="3" name="Content Placeholder 2">
+            <a:extLst>
+              <a:ext uri="{FF2B5EF4-FFF2-40B4-BE49-F238E27FC236}">
+                <a16:creationId xmlns:a16="http://schemas.microsoft.com/office/drawing/2014/main" id="{71BE7242-5254-425E-B2B0-1FD3A5151D36}"/>
+              </a:ext>
+            </a:extLst>
+          </p:cNvPr>
+          <p:cNvSpPr>
+            <a:spLocks noGrp="1"/>
+          </p:cNvSpPr>
+          <p:nvPr>
+            <p:ph idx="1"/>
+          </p:nvPr>
+        </p:nvSpPr>
+        <p:spPr>
+          <a:xfrm>
+            <a:off x="346030" y="1590746"/>
+            <a:ext cx="8596668" cy="3880773"/>
+          </a:xfrm>
+        </p:spPr>
+        <p:txBody>
+          <a:bodyPr/>
+          <a:lstStyle/>
+          <a:p>
+            <a:pPr marL="457200" lvl="1" indent="0">
+              <a:buNone/>
+            </a:pPr>
+            <a:r>
+              <a:rPr lang="en-US" dirty="0"/>
+              <a:t>[1] A. Brummer, L. Ammon and A. </a:t>
+            </a:r>
+            <a:r>
+              <a:rPr lang="en-US" dirty="0" err="1"/>
+              <a:t>Djanatliev</a:t>
+            </a:r>
+            <a:r>
+              <a:rPr lang="en-US" dirty="0"/>
+              <a:t>, "N-Ray Ground Interference: Extending the Two-Ray Interference Model for 3D Terrain Shapes," 2019 IEEE Vehicular Networking Conference (VNC), Los Angeles, CA, USA, 2019, pp. 1-4, </a:t>
+            </a:r>
+            <a:r>
+              <a:rPr lang="en-US" dirty="0" err="1"/>
+              <a:t>doi</a:t>
+            </a:r>
+            <a:r>
+              <a:rPr lang="en-US" dirty="0"/>
+              <a:t>: 10.1109/VNC48660.2019.9062829.</a:t>
+            </a:r>
+          </a:p>
+        </p:txBody>
+      </p:sp>
+      <p:sp>
+        <p:nvSpPr>
+          <p:cNvPr id="4" name="TextBox 3">
+            <a:extLst>
+              <a:ext uri="{FF2B5EF4-FFF2-40B4-BE49-F238E27FC236}">
+                <a16:creationId xmlns:a16="http://schemas.microsoft.com/office/drawing/2014/main" id="{D4882996-CF59-47E8-B01C-E02A93D975D1}"/>
+              </a:ext>
+            </a:extLst>
+          </p:cNvPr>
+          <p:cNvSpPr txBox="1"/>
+          <p:nvPr/>
+        </p:nvSpPr>
+        <p:spPr>
+          <a:xfrm>
+            <a:off x="448733" y="6377940"/>
+            <a:ext cx="2029424" cy="646331"/>
+          </a:xfrm>
+          <a:prstGeom prst="rect">
+            <a:avLst/>
+          </a:prstGeom>
+          <a:noFill/>
+        </p:spPr>
+        <p:txBody>
+          <a:bodyPr wrap="square" rtlCol="0">
+            <a:spAutoFit/>
+          </a:bodyPr>
+          <a:lstStyle/>
+          <a:p>
+            <a:r>
+              <a:rPr lang="en-US" dirty="0"/>
+              <a:t>29/05/2020</a:t>
+            </a:r>
+          </a:p>
+          <a:p>
+            <a:endParaRPr lang="en-US" dirty="0"/>
+          </a:p>
+        </p:txBody>
+      </p:sp>
+    </p:spTree>
+    <p:extLst>
+      <p:ext uri="{BB962C8B-B14F-4D97-AF65-F5344CB8AC3E}">
+        <p14:creationId xmlns:p14="http://schemas.microsoft.com/office/powerpoint/2010/main" val="3477754086"/>
+      </p:ext>
+    </p:extLst>
+  </p:cSld>
+  <p:clrMapOvr>
+    <a:masterClrMapping/>
+  </p:clrMapOvr>
+</p:sld>
+</file>
+
+<file path=ppt/slides/slide53.xml><?xml version="1.0" encoding="utf-8"?>
 <p:sld xmlns:a="http://schemas.openxmlformats.org/drawingml/2006/main" xmlns:r="http://schemas.openxmlformats.org/officeDocument/2006/relationships" xmlns:p="http://schemas.openxmlformats.org/presentationml/2006/main">
   <p:cSld>
     <p:bg>
@@ -13956,371 +18892,6 @@
 </p:sld>
 </file>
 
-<file path=ppt/slides/slide4.xml><?xml version="1.0" encoding="utf-8"?>
-<p:sld xmlns:a="http://schemas.openxmlformats.org/drawingml/2006/main" xmlns:r="http://schemas.openxmlformats.org/officeDocument/2006/relationships" xmlns:p="http://schemas.openxmlformats.org/presentationml/2006/main">
-  <p:cSld>
-    <p:spTree>
-      <p:nvGrpSpPr>
-        <p:cNvPr id="1" name=""/>
-        <p:cNvGrpSpPr/>
-        <p:nvPr/>
-      </p:nvGrpSpPr>
-      <p:grpSpPr>
-        <a:xfrm>
-          <a:off x="0" y="0"/>
-          <a:ext cx="0" cy="0"/>
-          <a:chOff x="0" y="0"/>
-          <a:chExt cx="0" cy="0"/>
-        </a:xfrm>
-      </p:grpSpPr>
-      <p:sp>
-        <p:nvSpPr>
-          <p:cNvPr id="2" name="Title 1">
-            <a:extLst>
-              <a:ext uri="{FF2B5EF4-FFF2-40B4-BE49-F238E27FC236}">
-                <a16:creationId xmlns:a16="http://schemas.microsoft.com/office/drawing/2014/main" id="{7E9FEDF5-2D73-48A6-A5B1-81F7CDEF2E7B}"/>
-              </a:ext>
-            </a:extLst>
-          </p:cNvPr>
-          <p:cNvSpPr>
-            <a:spLocks noGrp="1"/>
-          </p:cNvSpPr>
-          <p:nvPr>
-            <p:ph type="title"/>
-          </p:nvPr>
-        </p:nvSpPr>
-        <p:spPr/>
-        <p:txBody>
-          <a:bodyPr/>
-          <a:lstStyle/>
-          <a:p>
-            <a:r>
-              <a:rPr lang="en-US" dirty="0"/>
-              <a:t>Phase 2</a:t>
-            </a:r>
-          </a:p>
-        </p:txBody>
-      </p:sp>
-      <p:sp>
-        <p:nvSpPr>
-          <p:cNvPr id="3" name="Content Placeholder 2">
-            <a:extLst>
-              <a:ext uri="{FF2B5EF4-FFF2-40B4-BE49-F238E27FC236}">
-                <a16:creationId xmlns:a16="http://schemas.microsoft.com/office/drawing/2014/main" id="{01E20B41-F535-4791-A080-1DD48CDAE6D8}"/>
-              </a:ext>
-            </a:extLst>
-          </p:cNvPr>
-          <p:cNvSpPr>
-            <a:spLocks noGrp="1"/>
-          </p:cNvSpPr>
-          <p:nvPr>
-            <p:ph idx="1"/>
-          </p:nvPr>
-        </p:nvSpPr>
-        <p:spPr/>
-        <p:txBody>
-          <a:bodyPr/>
-          <a:lstStyle/>
-          <a:p>
-            <a:pPr lvl="1"/>
-            <a:r>
-              <a:rPr lang="en-US" dirty="0"/>
-              <a:t>Done by:</a:t>
-            </a:r>
-          </a:p>
-          <a:p>
-            <a:pPr lvl="2">
-              <a:buFont typeface="Arial" panose="020B0604020202020204" pitchFamily="34" charset="0"/>
-              <a:buChar char="•"/>
-            </a:pPr>
-            <a:r>
-              <a:rPr lang="en-US" dirty="0"/>
-              <a:t>A.L.D.S. Liyanage</a:t>
-            </a:r>
-          </a:p>
-          <a:p>
-            <a:pPr lvl="2">
-              <a:buFont typeface="Arial" panose="020B0604020202020204" pitchFamily="34" charset="0"/>
-              <a:buChar char="•"/>
-            </a:pPr>
-            <a:r>
-              <a:rPr lang="en-US" dirty="0"/>
-              <a:t>K.Kirishikesan</a:t>
-            </a:r>
-          </a:p>
-          <a:p>
-            <a:pPr lvl="1">
-              <a:buFont typeface="Arial" panose="020B0604020202020204" pitchFamily="34" charset="0"/>
-              <a:buChar char="•"/>
-            </a:pPr>
-            <a:endParaRPr lang="en-US" dirty="0"/>
-          </a:p>
-          <a:p>
-            <a:pPr lvl="1"/>
-            <a:r>
-              <a:rPr lang="en-US" dirty="0"/>
-              <a:t>A communication protocol between sensor nodes and the drone</a:t>
-            </a:r>
-          </a:p>
-          <a:p>
-            <a:pPr lvl="1"/>
-            <a:r>
-              <a:rPr lang="en-US" dirty="0"/>
-              <a:t>Mesh network of nodes</a:t>
-            </a:r>
-          </a:p>
-          <a:p>
-            <a:pPr lvl="1">
-              <a:buFont typeface="Arial" panose="020B0604020202020204" pitchFamily="34" charset="0"/>
-              <a:buChar char="•"/>
-            </a:pPr>
-            <a:endParaRPr lang="en-US" dirty="0"/>
-          </a:p>
-          <a:p>
-            <a:endParaRPr lang="en-US" dirty="0"/>
-          </a:p>
-        </p:txBody>
-      </p:sp>
-      <p:sp>
-        <p:nvSpPr>
-          <p:cNvPr id="4" name="TextBox 3">
-            <a:extLst>
-              <a:ext uri="{FF2B5EF4-FFF2-40B4-BE49-F238E27FC236}">
-                <a16:creationId xmlns:a16="http://schemas.microsoft.com/office/drawing/2014/main" id="{CAB4A908-153C-4510-9574-44603F4709E0}"/>
-              </a:ext>
-            </a:extLst>
-          </p:cNvPr>
-          <p:cNvSpPr txBox="1"/>
-          <p:nvPr/>
-        </p:nvSpPr>
-        <p:spPr>
-          <a:xfrm>
-            <a:off x="448733" y="6377940"/>
-            <a:ext cx="2029424" cy="369332"/>
-          </a:xfrm>
-          <a:prstGeom prst="rect">
-            <a:avLst/>
-          </a:prstGeom>
-          <a:noFill/>
-        </p:spPr>
-        <p:txBody>
-          <a:bodyPr wrap="square" rtlCol="0">
-            <a:spAutoFit/>
-          </a:bodyPr>
-          <a:lstStyle/>
-          <a:p>
-            <a:r>
-              <a:rPr lang="en-US" dirty="0"/>
-              <a:t>01/05/2020</a:t>
-            </a:r>
-          </a:p>
-        </p:txBody>
-      </p:sp>
-    </p:spTree>
-    <p:extLst>
-      <p:ext uri="{BB962C8B-B14F-4D97-AF65-F5344CB8AC3E}">
-        <p14:creationId xmlns:p14="http://schemas.microsoft.com/office/powerpoint/2010/main" val="1908332860"/>
-      </p:ext>
-    </p:extLst>
-  </p:cSld>
-  <p:clrMapOvr>
-    <a:masterClrMapping/>
-  </p:clrMapOvr>
-</p:sld>
-</file>
-
-<file path=ppt/slides/slide5.xml><?xml version="1.0" encoding="utf-8"?>
-<p:sld xmlns:a="http://schemas.openxmlformats.org/drawingml/2006/main" xmlns:r="http://schemas.openxmlformats.org/officeDocument/2006/relationships" xmlns:p="http://schemas.openxmlformats.org/presentationml/2006/main">
-  <p:cSld>
-    <p:spTree>
-      <p:nvGrpSpPr>
-        <p:cNvPr id="1" name=""/>
-        <p:cNvGrpSpPr/>
-        <p:nvPr/>
-      </p:nvGrpSpPr>
-      <p:grpSpPr>
-        <a:xfrm>
-          <a:off x="0" y="0"/>
-          <a:ext cx="0" cy="0"/>
-          <a:chOff x="0" y="0"/>
-          <a:chExt cx="0" cy="0"/>
-        </a:xfrm>
-      </p:grpSpPr>
-      <p:sp>
-        <p:nvSpPr>
-          <p:cNvPr id="2" name="Title 1">
-            <a:extLst>
-              <a:ext uri="{FF2B5EF4-FFF2-40B4-BE49-F238E27FC236}">
-                <a16:creationId xmlns:a16="http://schemas.microsoft.com/office/drawing/2014/main" id="{49B51C81-851A-490A-87B1-175D292E3CFB}"/>
-              </a:ext>
-            </a:extLst>
-          </p:cNvPr>
-          <p:cNvSpPr>
-            <a:spLocks noGrp="1"/>
-          </p:cNvSpPr>
-          <p:nvPr>
-            <p:ph type="ctrTitle"/>
-          </p:nvPr>
-        </p:nvSpPr>
-        <p:spPr>
-          <a:xfrm>
-            <a:off x="1308283" y="469713"/>
-            <a:ext cx="7398395" cy="1646302"/>
-          </a:xfrm>
-        </p:spPr>
-        <p:txBody>
-          <a:bodyPr/>
-          <a:lstStyle/>
-          <a:p>
-            <a:r>
-              <a:rPr lang="en-US" dirty="0"/>
-              <a:t>Power Consumption of protocol in phase 2</a:t>
-            </a:r>
-          </a:p>
-        </p:txBody>
-      </p:sp>
-      <p:sp>
-        <p:nvSpPr>
-          <p:cNvPr id="3" name="Subtitle 2">
-            <a:extLst>
-              <a:ext uri="{FF2B5EF4-FFF2-40B4-BE49-F238E27FC236}">
-                <a16:creationId xmlns:a16="http://schemas.microsoft.com/office/drawing/2014/main" id="{3A0648C9-A66C-4581-A814-CABA988FC5FD}"/>
-              </a:ext>
-            </a:extLst>
-          </p:cNvPr>
-          <p:cNvSpPr>
-            <a:spLocks noGrp="1"/>
-          </p:cNvSpPr>
-          <p:nvPr>
-            <p:ph type="subTitle" idx="1"/>
-          </p:nvPr>
-        </p:nvSpPr>
-        <p:spPr>
-          <a:xfrm>
-            <a:off x="1099930" y="2319130"/>
-            <a:ext cx="8174073" cy="4538870"/>
-          </a:xfrm>
-        </p:spPr>
-        <p:txBody>
-          <a:bodyPr>
-            <a:normAutofit/>
-          </a:bodyPr>
-          <a:lstStyle/>
-          <a:p>
-            <a:pPr marL="285750" indent="-285750" algn="l">
-              <a:buFont typeface="Arial" panose="020B0604020202020204" pitchFamily="34" charset="0"/>
-              <a:buChar char="•"/>
-            </a:pPr>
-            <a:r>
-              <a:rPr lang="en-US" dirty="0"/>
-              <a:t>HC12- sleep………………….80µA</a:t>
-            </a:r>
-          </a:p>
-          <a:p>
-            <a:pPr marL="285750" indent="-285750" algn="l">
-              <a:buFont typeface="Arial" panose="020B0604020202020204" pitchFamily="34" charset="0"/>
-              <a:buChar char="•"/>
-            </a:pPr>
-            <a:r>
-              <a:rPr lang="en-US" dirty="0"/>
-              <a:t>HC12- transmission……..3.6mA</a:t>
-            </a:r>
-          </a:p>
-          <a:p>
-            <a:pPr marL="285750" indent="-285750" algn="l">
-              <a:buFont typeface="Arial" panose="020B0604020202020204" pitchFamily="34" charset="0"/>
-              <a:buChar char="•"/>
-            </a:pPr>
-            <a:r>
-              <a:rPr lang="en-US" dirty="0"/>
-              <a:t>Stm32f103c8t6…………….8mA</a:t>
-            </a:r>
-          </a:p>
-          <a:p>
-            <a:pPr marL="285750" indent="-285750" algn="l">
-              <a:buFont typeface="Arial" panose="020B0604020202020204" pitchFamily="34" charset="0"/>
-              <a:buChar char="•"/>
-            </a:pPr>
-            <a:r>
-              <a:rPr lang="en-US" dirty="0"/>
-              <a:t>Total current consumption per hour:29.6928A</a:t>
-            </a:r>
-          </a:p>
-          <a:p>
-            <a:pPr marL="285750" indent="-285750" algn="l">
-              <a:buFont typeface="Arial" panose="020B0604020202020204" pitchFamily="34" charset="0"/>
-              <a:buChar char="•"/>
-            </a:pPr>
-            <a:r>
-              <a:rPr lang="en-US" dirty="0"/>
-              <a:t>6 months:5344.704</a:t>
-            </a:r>
-          </a:p>
-          <a:p>
-            <a:pPr marL="285750" indent="-285750" algn="l">
-              <a:buFont typeface="Arial" panose="020B0604020202020204" pitchFamily="34" charset="0"/>
-              <a:buChar char="•"/>
-            </a:pPr>
-            <a:r>
-              <a:rPr lang="en-US" dirty="0"/>
-              <a:t>Needed battery:</a:t>
-            </a:r>
-            <a:r>
-              <a:rPr lang="en-US"/>
-              <a:t>494mAh battery</a:t>
-            </a:r>
-            <a:endParaRPr lang="en-US" dirty="0"/>
-          </a:p>
-        </p:txBody>
-      </p:sp>
-      <p:sp>
-        <p:nvSpPr>
-          <p:cNvPr id="4" name="TextBox 3">
-            <a:extLst>
-              <a:ext uri="{FF2B5EF4-FFF2-40B4-BE49-F238E27FC236}">
-                <a16:creationId xmlns:a16="http://schemas.microsoft.com/office/drawing/2014/main" id="{27874BDD-216C-4D9E-95CC-229FDCE10F09}"/>
-              </a:ext>
-            </a:extLst>
-          </p:cNvPr>
-          <p:cNvSpPr txBox="1"/>
-          <p:nvPr/>
-        </p:nvSpPr>
-        <p:spPr>
-          <a:xfrm>
-            <a:off x="448733" y="6377940"/>
-            <a:ext cx="2029424" cy="369332"/>
-          </a:xfrm>
-          <a:prstGeom prst="rect">
-            <a:avLst/>
-          </a:prstGeom>
-          <a:noFill/>
-        </p:spPr>
-        <p:txBody>
-          <a:bodyPr wrap="square" rtlCol="0">
-            <a:spAutoFit/>
-          </a:bodyPr>
-          <a:lstStyle/>
-          <a:p>
-            <a:r>
-              <a:rPr lang="en-US" dirty="0"/>
-              <a:t>01/05/2020</a:t>
-            </a:r>
-          </a:p>
-        </p:txBody>
-      </p:sp>
-    </p:spTree>
-    <p:extLst>
-      <p:ext uri="{BB962C8B-B14F-4D97-AF65-F5344CB8AC3E}">
-        <p14:creationId xmlns:p14="http://schemas.microsoft.com/office/powerpoint/2010/main" val="32244203"/>
-      </p:ext>
-    </p:extLst>
-  </p:cSld>
-  <p:clrMapOvr>
-    <a:masterClrMapping/>
-  </p:clrMapOvr>
-</p:sld>
-</file>
-
 <file path=ppt/slides/slide6.xml><?xml version="1.0" encoding="utf-8"?>
 <p:sld xmlns:a="http://schemas.openxmlformats.org/drawingml/2006/main" xmlns:r="http://schemas.openxmlformats.org/officeDocument/2006/relationships" xmlns:p="http://schemas.openxmlformats.org/presentationml/2006/main">
   <p:cSld>
